--- a/docs/diagrams/LogicComponentClassDiagram.pptx
+++ b/docs/diagrams/LogicComponentClassDiagram.pptx
@@ -212,7 +212,7 @@
           <a:p>
             <a:fld id="{F5CC4B3F-88C1-4FFA-B1B6-F41C21DC6924}" type="datetimeFigureOut">
               <a:rPr lang="en-US" smtClean="0"/>
-              <a:t>4/16/2018</a:t>
+              <a:t>9/28/2018</a:t>
             </a:fld>
             <a:endParaRPr lang="en-US"/>
           </a:p>
@@ -658,7 +658,7 @@
           <a:p>
             <a:fld id="{78C97017-6FC3-485B-9764-EAC9E56C1D49}" type="datetimeFigureOut">
               <a:rPr lang="en-US" smtClean="0"/>
-              <a:t>4/16/2018</a:t>
+              <a:t>9/28/2018</a:t>
             </a:fld>
             <a:endParaRPr lang="en-US"/>
           </a:p>
@@ -826,7 +826,7 @@
           <a:p>
             <a:fld id="{78C97017-6FC3-485B-9764-EAC9E56C1D49}" type="datetimeFigureOut">
               <a:rPr lang="en-US" smtClean="0"/>
-              <a:t>4/16/2018</a:t>
+              <a:t>9/28/2018</a:t>
             </a:fld>
             <a:endParaRPr lang="en-US"/>
           </a:p>
@@ -1004,7 +1004,7 @@
           <a:p>
             <a:fld id="{78C97017-6FC3-485B-9764-EAC9E56C1D49}" type="datetimeFigureOut">
               <a:rPr lang="en-US" smtClean="0"/>
-              <a:t>4/16/2018</a:t>
+              <a:t>9/28/2018</a:t>
             </a:fld>
             <a:endParaRPr lang="en-US"/>
           </a:p>
@@ -1172,7 +1172,7 @@
           <a:p>
             <a:fld id="{78C97017-6FC3-485B-9764-EAC9E56C1D49}" type="datetimeFigureOut">
               <a:rPr lang="en-US" smtClean="0"/>
-              <a:t>4/16/2018</a:t>
+              <a:t>9/28/2018</a:t>
             </a:fld>
             <a:endParaRPr lang="en-US"/>
           </a:p>
@@ -1417,7 +1417,7 @@
           <a:p>
             <a:fld id="{78C97017-6FC3-485B-9764-EAC9E56C1D49}" type="datetimeFigureOut">
               <a:rPr lang="en-US" smtClean="0"/>
-              <a:t>4/16/2018</a:t>
+              <a:t>9/28/2018</a:t>
             </a:fld>
             <a:endParaRPr lang="en-US"/>
           </a:p>
@@ -1702,7 +1702,7 @@
           <a:p>
             <a:fld id="{78C97017-6FC3-485B-9764-EAC9E56C1D49}" type="datetimeFigureOut">
               <a:rPr lang="en-US" smtClean="0"/>
-              <a:t>4/16/2018</a:t>
+              <a:t>9/28/2018</a:t>
             </a:fld>
             <a:endParaRPr lang="en-US"/>
           </a:p>
@@ -2121,7 +2121,7 @@
           <a:p>
             <a:fld id="{78C97017-6FC3-485B-9764-EAC9E56C1D49}" type="datetimeFigureOut">
               <a:rPr lang="en-US" smtClean="0"/>
-              <a:t>4/16/2018</a:t>
+              <a:t>9/28/2018</a:t>
             </a:fld>
             <a:endParaRPr lang="en-US"/>
           </a:p>
@@ -2238,7 +2238,7 @@
           <a:p>
             <a:fld id="{78C97017-6FC3-485B-9764-EAC9E56C1D49}" type="datetimeFigureOut">
               <a:rPr lang="en-US" smtClean="0"/>
-              <a:t>4/16/2018</a:t>
+              <a:t>9/28/2018</a:t>
             </a:fld>
             <a:endParaRPr lang="en-US"/>
           </a:p>
@@ -2333,7 +2333,7 @@
           <a:p>
             <a:fld id="{78C97017-6FC3-485B-9764-EAC9E56C1D49}" type="datetimeFigureOut">
               <a:rPr lang="en-US" smtClean="0"/>
-              <a:t>4/16/2018</a:t>
+              <a:t>9/28/2018</a:t>
             </a:fld>
             <a:endParaRPr lang="en-US"/>
           </a:p>
@@ -2608,7 +2608,7 @@
           <a:p>
             <a:fld id="{78C97017-6FC3-485B-9764-EAC9E56C1D49}" type="datetimeFigureOut">
               <a:rPr lang="en-US" smtClean="0"/>
-              <a:t>4/16/2018</a:t>
+              <a:t>9/28/2018</a:t>
             </a:fld>
             <a:endParaRPr lang="en-US"/>
           </a:p>
@@ -2860,7 +2860,7 @@
           <a:p>
             <a:fld id="{78C97017-6FC3-485B-9764-EAC9E56C1D49}" type="datetimeFigureOut">
               <a:rPr lang="en-US" smtClean="0"/>
-              <a:t>4/16/2018</a:t>
+              <a:t>9/28/2018</a:t>
             </a:fld>
             <a:endParaRPr lang="en-US"/>
           </a:p>
@@ -3071,7 +3071,7 @@
           <a:p>
             <a:fld id="{78C97017-6FC3-485B-9764-EAC9E56C1D49}" type="datetimeFigureOut">
               <a:rPr lang="en-US" smtClean="0"/>
-              <a:t>4/16/2018</a:t>
+              <a:t>9/28/2018</a:t>
             </a:fld>
             <a:endParaRPr lang="en-US"/>
           </a:p>
@@ -3944,7 +3944,15 @@
                   <a:schemeClr val="bg1"/>
                 </a:solidFill>
               </a:rPr>
-              <a:t>AddressBook</a:t>
+              <a:t>Forum</a:t>
+            </a:r>
+            <a:r>
+              <a:rPr lang="en-US" sz="1050" dirty="0" err="1" smtClean="0">
+                <a:solidFill>
+                  <a:schemeClr val="bg1"/>
+                </a:solidFill>
+              </a:rPr>
+              <a:t>Book</a:t>
             </a:r>
             <a:endParaRPr lang="en-US" sz="1050" dirty="0">
               <a:solidFill>
@@ -5517,7 +5525,7 @@
           <p:cNvPr id="97" name="Rectangle 96">
             <a:extLst>
               <a:ext uri="{FF2B5EF4-FFF2-40B4-BE49-F238E27FC236}">
-                <a16:creationId xmlns:a16="http://schemas.microsoft.com/office/drawing/2014/main" id="{AADE6A0C-89AB-467B-8CEA-5FCF36CE0D21}"/>
+                <a16:creationId xmlns:a16="http://schemas.microsoft.com/office/drawing/2014/main" xmlns="" id="{AADE6A0C-89AB-467B-8CEA-5FCF36CE0D21}"/>
               </a:ext>
             </a:extLst>
           </p:cNvPr>
@@ -6127,7 +6135,7 @@
         <p:spPr>
           <a:xfrm>
             <a:off x="6263130" y="1981200"/>
-            <a:ext cx="1276614" cy="630473"/>
+            <a:ext cx="1433070" cy="630473"/>
           </a:xfrm>
           <a:prstGeom prst="foldedCorner">
             <a:avLst/>
@@ -6202,7 +6210,15 @@
                   <a:schemeClr val="bg1"/>
                 </a:solidFill>
               </a:rPr>
-              <a:t>FindCommand</a:t>
+              <a:t>Delete</a:t>
+            </a:r>
+            <a:r>
+              <a:rPr lang="en-US" sz="1050" dirty="0" err="1" smtClean="0">
+                <a:solidFill>
+                  <a:schemeClr val="bg1"/>
+                </a:solidFill>
+              </a:rPr>
+              <a:t>Command</a:t>
             </a:r>
             <a:r>
               <a:rPr lang="en-US" sz="1050" dirty="0" smtClean="0">

--- a/docs/diagrams/LogicComponentClassDiagram.pptx
+++ b/docs/diagrams/LogicComponentClassDiagram.pptx
@@ -126,10 +126,6 @@
 </p:presentation>
 </file>
 
-<file path=ppt/revisionInfo.xml><?xml version="1.0" encoding="utf-8"?>
-<p1510:revInfo xmlns:a="http://schemas.openxmlformats.org/drawingml/2006/main" xmlns:r="http://schemas.openxmlformats.org/officeDocument/2006/relationships" xmlns:p1510="http://schemas.microsoft.com/office/powerpoint/2015/10/main"/>
-</file>
-
 <file path=ppt/notesMasters/notesMaster1.xml><?xml version="1.0" encoding="utf-8"?>
 <p:notesMaster xmlns:a="http://schemas.openxmlformats.org/drawingml/2006/main" xmlns:r="http://schemas.openxmlformats.org/officeDocument/2006/relationships" xmlns:p="http://schemas.openxmlformats.org/presentationml/2006/main">
   <p:cSld>
@@ -212,7 +208,7 @@
           <a:p>
             <a:fld id="{F5CC4B3F-88C1-4FFA-B1B6-F41C21DC6924}" type="datetimeFigureOut">
               <a:rPr lang="en-US" smtClean="0"/>
-              <a:t>4/16/2018</a:t>
+              <a:t>10/21/2018</a:t>
             </a:fld>
             <a:endParaRPr lang="en-US"/>
           </a:p>
@@ -658,7 +654,7 @@
           <a:p>
             <a:fld id="{78C97017-6FC3-485B-9764-EAC9E56C1D49}" type="datetimeFigureOut">
               <a:rPr lang="en-US" smtClean="0"/>
-              <a:t>4/16/2018</a:t>
+              <a:t>10/21/2018</a:t>
             </a:fld>
             <a:endParaRPr lang="en-US"/>
           </a:p>
@@ -826,7 +822,7 @@
           <a:p>
             <a:fld id="{78C97017-6FC3-485B-9764-EAC9E56C1D49}" type="datetimeFigureOut">
               <a:rPr lang="en-US" smtClean="0"/>
-              <a:t>4/16/2018</a:t>
+              <a:t>10/21/2018</a:t>
             </a:fld>
             <a:endParaRPr lang="en-US"/>
           </a:p>
@@ -1004,7 +1000,7 @@
           <a:p>
             <a:fld id="{78C97017-6FC3-485B-9764-EAC9E56C1D49}" type="datetimeFigureOut">
               <a:rPr lang="en-US" smtClean="0"/>
-              <a:t>4/16/2018</a:t>
+              <a:t>10/21/2018</a:t>
             </a:fld>
             <a:endParaRPr lang="en-US"/>
           </a:p>
@@ -1172,7 +1168,7 @@
           <a:p>
             <a:fld id="{78C97017-6FC3-485B-9764-EAC9E56C1D49}" type="datetimeFigureOut">
               <a:rPr lang="en-US" smtClean="0"/>
-              <a:t>4/16/2018</a:t>
+              <a:t>10/21/2018</a:t>
             </a:fld>
             <a:endParaRPr lang="en-US"/>
           </a:p>
@@ -1417,7 +1413,7 @@
           <a:p>
             <a:fld id="{78C97017-6FC3-485B-9764-EAC9E56C1D49}" type="datetimeFigureOut">
               <a:rPr lang="en-US" smtClean="0"/>
-              <a:t>4/16/2018</a:t>
+              <a:t>10/21/2018</a:t>
             </a:fld>
             <a:endParaRPr lang="en-US"/>
           </a:p>
@@ -1702,7 +1698,7 @@
           <a:p>
             <a:fld id="{78C97017-6FC3-485B-9764-EAC9E56C1D49}" type="datetimeFigureOut">
               <a:rPr lang="en-US" smtClean="0"/>
-              <a:t>4/16/2018</a:t>
+              <a:t>10/21/2018</a:t>
             </a:fld>
             <a:endParaRPr lang="en-US"/>
           </a:p>
@@ -2121,7 +2117,7 @@
           <a:p>
             <a:fld id="{78C97017-6FC3-485B-9764-EAC9E56C1D49}" type="datetimeFigureOut">
               <a:rPr lang="en-US" smtClean="0"/>
-              <a:t>4/16/2018</a:t>
+              <a:t>10/21/2018</a:t>
             </a:fld>
             <a:endParaRPr lang="en-US"/>
           </a:p>
@@ -2238,7 +2234,7 @@
           <a:p>
             <a:fld id="{78C97017-6FC3-485B-9764-EAC9E56C1D49}" type="datetimeFigureOut">
               <a:rPr lang="en-US" smtClean="0"/>
-              <a:t>4/16/2018</a:t>
+              <a:t>10/21/2018</a:t>
             </a:fld>
             <a:endParaRPr lang="en-US"/>
           </a:p>
@@ -2333,7 +2329,7 @@
           <a:p>
             <a:fld id="{78C97017-6FC3-485B-9764-EAC9E56C1D49}" type="datetimeFigureOut">
               <a:rPr lang="en-US" smtClean="0"/>
-              <a:t>4/16/2018</a:t>
+              <a:t>10/21/2018</a:t>
             </a:fld>
             <a:endParaRPr lang="en-US"/>
           </a:p>
@@ -2608,7 +2604,7 @@
           <a:p>
             <a:fld id="{78C97017-6FC3-485B-9764-EAC9E56C1D49}" type="datetimeFigureOut">
               <a:rPr lang="en-US" smtClean="0"/>
-              <a:t>4/16/2018</a:t>
+              <a:t>10/21/2018</a:t>
             </a:fld>
             <a:endParaRPr lang="en-US"/>
           </a:p>
@@ -2860,7 +2856,7 @@
           <a:p>
             <a:fld id="{78C97017-6FC3-485B-9764-EAC9E56C1D49}" type="datetimeFigureOut">
               <a:rPr lang="en-US" smtClean="0"/>
-              <a:t>4/16/2018</a:t>
+              <a:t>10/21/2018</a:t>
             </a:fld>
             <a:endParaRPr lang="en-US"/>
           </a:p>
@@ -3071,7 +3067,7 @@
           <a:p>
             <a:fld id="{78C97017-6FC3-485B-9764-EAC9E56C1D49}" type="datetimeFigureOut">
               <a:rPr lang="en-US" smtClean="0"/>
-              <a:t>4/16/2018</a:t>
+              <a:t>10/21/2018</a:t>
             </a:fld>
             <a:endParaRPr lang="en-US"/>
           </a:p>
@@ -3607,7 +3603,7 @@
           <a:p>
             <a:pPr algn="ctr"/>
             <a:r>
-              <a:rPr lang="en-US" sz="1050" b="1" dirty="0" err="1" smtClean="0">
+              <a:rPr lang="en-US" sz="1050" b="1" dirty="0" err="1">
                 <a:solidFill>
                   <a:srgbClr val="0070C0"/>
                 </a:solidFill>
@@ -3939,12 +3935,12 @@
           <a:p>
             <a:pPr algn="ctr"/>
             <a:r>
-              <a:rPr lang="en-US" sz="1050" dirty="0" err="1" smtClean="0">
+              <a:rPr lang="en-US" sz="1050" dirty="0" err="1">
                 <a:solidFill>
                   <a:schemeClr val="bg1"/>
                 </a:solidFill>
               </a:rPr>
-              <a:t>AddressBook</a:t>
+              <a:t>TaskBook</a:t>
             </a:r>
             <a:endParaRPr lang="en-US" sz="1050" dirty="0">
               <a:solidFill>
@@ -5815,7 +5811,7 @@
           <a:p>
             <a:pPr algn="ctr"/>
             <a:r>
-              <a:rPr lang="en-US" sz="1050" b="1" dirty="0" err="1" smtClean="0">
+              <a:rPr lang="en-US" sz="1050" b="1" dirty="0" err="1">
                 <a:solidFill>
                   <a:schemeClr val="bg1"/>
                 </a:solidFill>
@@ -6126,8 +6122,8 @@
         </p:nvSpPr>
         <p:spPr>
           <a:xfrm>
-            <a:off x="6263130" y="1981200"/>
-            <a:ext cx="1276614" cy="630473"/>
+            <a:off x="6263129" y="1862796"/>
+            <a:ext cx="1585471" cy="748878"/>
           </a:xfrm>
           <a:prstGeom prst="foldedCorner">
             <a:avLst/>
@@ -6165,7 +6161,7 @@
           <a:p>
             <a:pPr algn="ctr"/>
             <a:r>
-              <a:rPr lang="en-US" sz="1050" dirty="0" err="1" smtClean="0">
+              <a:rPr lang="en-US" sz="1050" dirty="0" err="1">
                 <a:solidFill>
                   <a:schemeClr val="bg1"/>
                 </a:solidFill>
@@ -6173,7 +6169,7 @@
               <a:t>XYZCommand</a:t>
             </a:r>
             <a:r>
-              <a:rPr lang="en-US" sz="1050" dirty="0" smtClean="0">
+              <a:rPr lang="en-US" sz="1050" dirty="0">
                 <a:solidFill>
                   <a:schemeClr val="bg1"/>
                 </a:solidFill>
@@ -6181,15 +6177,15 @@
               <a:t> = </a:t>
             </a:r>
             <a:r>
-              <a:rPr lang="en-US" sz="1050" dirty="0" err="1" smtClean="0">
+              <a:rPr lang="en-US" sz="1050" dirty="0" err="1">
                 <a:solidFill>
                   <a:schemeClr val="bg1"/>
                 </a:solidFill>
               </a:rPr>
-              <a:t>AddCommand</a:t>
-            </a:r>
-            <a:r>
-              <a:rPr lang="en-US" sz="1050" dirty="0" smtClean="0">
+              <a:t>AddTaskCommand</a:t>
+            </a:r>
+            <a:r>
+              <a:rPr lang="en-US" sz="1050" dirty="0">
                 <a:solidFill>
                   <a:schemeClr val="bg1"/>
                 </a:solidFill>
@@ -6197,26 +6193,21 @@
               <a:t>, </a:t>
             </a:r>
             <a:r>
-              <a:rPr lang="en-US" sz="1050" dirty="0" err="1" smtClean="0">
+              <a:rPr lang="en-US" sz="1050" dirty="0" err="1">
                 <a:solidFill>
                   <a:schemeClr val="bg1"/>
                 </a:solidFill>
               </a:rPr>
-              <a:t>FindCommand</a:t>
-            </a:r>
-            <a:r>
-              <a:rPr lang="en-US" sz="1050" dirty="0" smtClean="0">
+              <a:t>DeferDeadlineCommand</a:t>
+            </a:r>
+            <a:r>
+              <a:rPr lang="en-US" sz="1050" dirty="0">
                 <a:solidFill>
                   <a:schemeClr val="bg1"/>
                 </a:solidFill>
               </a:rPr>
               <a:t>, etc.</a:t>
             </a:r>
-            <a:endParaRPr lang="en-US" sz="1050" dirty="0">
-              <a:solidFill>
-                <a:schemeClr val="bg1"/>
-              </a:solidFill>
-            </a:endParaRPr>
           </a:p>
         </p:txBody>
       </p:sp>

--- a/docs/diagrams/LogicComponentClassDiagram.pptx
+++ b/docs/diagrams/LogicComponentClassDiagram.pptx
@@ -126,10 +126,6 @@
 </p:presentation>
 </file>
 
-<file path=ppt/revisionInfo.xml><?xml version="1.0" encoding="utf-8"?>
-<p1510:revInfo xmlns:a="http://schemas.openxmlformats.org/drawingml/2006/main" xmlns:r="http://schemas.openxmlformats.org/officeDocument/2006/relationships" xmlns:p1510="http://schemas.microsoft.com/office/powerpoint/2015/10/main"/>
-</file>
-
 <file path=ppt/notesMasters/notesMaster1.xml><?xml version="1.0" encoding="utf-8"?>
 <p:notesMaster xmlns:a="http://schemas.openxmlformats.org/drawingml/2006/main" xmlns:r="http://schemas.openxmlformats.org/officeDocument/2006/relationships" xmlns:p="http://schemas.openxmlformats.org/presentationml/2006/main">
   <p:cSld>
@@ -212,7 +208,7 @@
           <a:p>
             <a:fld id="{F5CC4B3F-88C1-4FFA-B1B6-F41C21DC6924}" type="datetimeFigureOut">
               <a:rPr lang="en-US" smtClean="0"/>
-              <a:t>4/16/2018</a:t>
+              <a:t>11/2/18</a:t>
             </a:fld>
             <a:endParaRPr lang="en-US"/>
           </a:p>
@@ -658,7 +654,7 @@
           <a:p>
             <a:fld id="{78C97017-6FC3-485B-9764-EAC9E56C1D49}" type="datetimeFigureOut">
               <a:rPr lang="en-US" smtClean="0"/>
-              <a:t>4/16/2018</a:t>
+              <a:t>11/2/18</a:t>
             </a:fld>
             <a:endParaRPr lang="en-US"/>
           </a:p>
@@ -826,7 +822,7 @@
           <a:p>
             <a:fld id="{78C97017-6FC3-485B-9764-EAC9E56C1D49}" type="datetimeFigureOut">
               <a:rPr lang="en-US" smtClean="0"/>
-              <a:t>4/16/2018</a:t>
+              <a:t>11/2/18</a:t>
             </a:fld>
             <a:endParaRPr lang="en-US"/>
           </a:p>
@@ -1004,7 +1000,7 @@
           <a:p>
             <a:fld id="{78C97017-6FC3-485B-9764-EAC9E56C1D49}" type="datetimeFigureOut">
               <a:rPr lang="en-US" smtClean="0"/>
-              <a:t>4/16/2018</a:t>
+              <a:t>11/2/18</a:t>
             </a:fld>
             <a:endParaRPr lang="en-US"/>
           </a:p>
@@ -1172,7 +1168,7 @@
           <a:p>
             <a:fld id="{78C97017-6FC3-485B-9764-EAC9E56C1D49}" type="datetimeFigureOut">
               <a:rPr lang="en-US" smtClean="0"/>
-              <a:t>4/16/2018</a:t>
+              <a:t>11/2/18</a:t>
             </a:fld>
             <a:endParaRPr lang="en-US"/>
           </a:p>
@@ -1417,7 +1413,7 @@
           <a:p>
             <a:fld id="{78C97017-6FC3-485B-9764-EAC9E56C1D49}" type="datetimeFigureOut">
               <a:rPr lang="en-US" smtClean="0"/>
-              <a:t>4/16/2018</a:t>
+              <a:t>11/2/18</a:t>
             </a:fld>
             <a:endParaRPr lang="en-US"/>
           </a:p>
@@ -1702,7 +1698,7 @@
           <a:p>
             <a:fld id="{78C97017-6FC3-485B-9764-EAC9E56C1D49}" type="datetimeFigureOut">
               <a:rPr lang="en-US" smtClean="0"/>
-              <a:t>4/16/2018</a:t>
+              <a:t>11/2/18</a:t>
             </a:fld>
             <a:endParaRPr lang="en-US"/>
           </a:p>
@@ -2121,7 +2117,7 @@
           <a:p>
             <a:fld id="{78C97017-6FC3-485B-9764-EAC9E56C1D49}" type="datetimeFigureOut">
               <a:rPr lang="en-US" smtClean="0"/>
-              <a:t>4/16/2018</a:t>
+              <a:t>11/2/18</a:t>
             </a:fld>
             <a:endParaRPr lang="en-US"/>
           </a:p>
@@ -2238,7 +2234,7 @@
           <a:p>
             <a:fld id="{78C97017-6FC3-485B-9764-EAC9E56C1D49}" type="datetimeFigureOut">
               <a:rPr lang="en-US" smtClean="0"/>
-              <a:t>4/16/2018</a:t>
+              <a:t>11/2/18</a:t>
             </a:fld>
             <a:endParaRPr lang="en-US"/>
           </a:p>
@@ -2333,7 +2329,7 @@
           <a:p>
             <a:fld id="{78C97017-6FC3-485B-9764-EAC9E56C1D49}" type="datetimeFigureOut">
               <a:rPr lang="en-US" smtClean="0"/>
-              <a:t>4/16/2018</a:t>
+              <a:t>11/2/18</a:t>
             </a:fld>
             <a:endParaRPr lang="en-US"/>
           </a:p>
@@ -2608,7 +2604,7 @@
           <a:p>
             <a:fld id="{78C97017-6FC3-485B-9764-EAC9E56C1D49}" type="datetimeFigureOut">
               <a:rPr lang="en-US" smtClean="0"/>
-              <a:t>4/16/2018</a:t>
+              <a:t>11/2/18</a:t>
             </a:fld>
             <a:endParaRPr lang="en-US"/>
           </a:p>
@@ -2860,7 +2856,7 @@
           <a:p>
             <a:fld id="{78C97017-6FC3-485B-9764-EAC9E56C1D49}" type="datetimeFigureOut">
               <a:rPr lang="en-US" smtClean="0"/>
-              <a:t>4/16/2018</a:t>
+              <a:t>11/2/18</a:t>
             </a:fld>
             <a:endParaRPr lang="en-US"/>
           </a:p>
@@ -3071,7 +3067,7 @@
           <a:p>
             <a:fld id="{78C97017-6FC3-485B-9764-EAC9E56C1D49}" type="datetimeFigureOut">
               <a:rPr lang="en-US" smtClean="0"/>
-              <a:t>4/16/2018</a:t>
+              <a:t>11/2/18</a:t>
             </a:fld>
             <a:endParaRPr lang="en-US"/>
           </a:p>
@@ -3607,7 +3603,7 @@
           <a:p>
             <a:pPr algn="ctr"/>
             <a:r>
-              <a:rPr lang="en-US" sz="1050" b="1" dirty="0" err="1" smtClean="0">
+              <a:rPr lang="en-US" sz="1050" b="1" dirty="0" err="1">
                 <a:solidFill>
                   <a:srgbClr val="0070C0"/>
                 </a:solidFill>
@@ -3939,14 +3935,14 @@
           <a:p>
             <a:pPr algn="ctr"/>
             <a:r>
-              <a:rPr lang="en-US" sz="1050" dirty="0" err="1" smtClean="0">
+              <a:rPr lang="en-US" sz="1000" dirty="0" err="1">
                 <a:solidFill>
                   <a:schemeClr val="bg1"/>
                 </a:solidFill>
               </a:rPr>
-              <a:t>AddressBook</a:t>
-            </a:r>
-            <a:endParaRPr lang="en-US" sz="1050" dirty="0">
+              <a:t>EventManager</a:t>
+            </a:r>
+            <a:endParaRPr lang="en-US" sz="1000" dirty="0">
               <a:solidFill>
                 <a:schemeClr val="bg1"/>
               </a:solidFill>
@@ -3955,14 +3951,14 @@
           <a:p>
             <a:pPr algn="ctr"/>
             <a:r>
-              <a:rPr lang="en-US" sz="1050" dirty="0">
+              <a:rPr lang="en-US" sz="1000" dirty="0">
                 <a:solidFill>
                   <a:schemeClr val="bg1"/>
                 </a:solidFill>
               </a:rPr>
               <a:t>Parser</a:t>
             </a:r>
-            <a:endParaRPr lang="en-SG" sz="1050" dirty="0">
+            <a:endParaRPr lang="en-SG" sz="1000" dirty="0">
               <a:solidFill>
                 <a:schemeClr val="bg1"/>
               </a:solidFill>
@@ -5815,7 +5811,7 @@
           <a:p>
             <a:pPr algn="ctr"/>
             <a:r>
-              <a:rPr lang="en-US" sz="1050" b="1" dirty="0" err="1" smtClean="0">
+              <a:rPr lang="en-US" sz="1050" b="1" dirty="0" err="1">
                 <a:solidFill>
                   <a:schemeClr val="bg1"/>
                 </a:solidFill>
@@ -6165,7 +6161,7 @@
           <a:p>
             <a:pPr algn="ctr"/>
             <a:r>
-              <a:rPr lang="en-US" sz="1050" dirty="0" err="1" smtClean="0">
+              <a:rPr lang="en-US" sz="1050" dirty="0" err="1">
                 <a:solidFill>
                   <a:schemeClr val="bg1"/>
                 </a:solidFill>
@@ -6173,7 +6169,7 @@
               <a:t>XYZCommand</a:t>
             </a:r>
             <a:r>
-              <a:rPr lang="en-US" sz="1050" dirty="0" smtClean="0">
+              <a:rPr lang="en-US" sz="1050" dirty="0">
                 <a:solidFill>
                   <a:schemeClr val="bg1"/>
                 </a:solidFill>
@@ -6181,7 +6177,7 @@
               <a:t> = </a:t>
             </a:r>
             <a:r>
-              <a:rPr lang="en-US" sz="1050" dirty="0" err="1" smtClean="0">
+              <a:rPr lang="en-US" sz="1050" dirty="0" err="1">
                 <a:solidFill>
                   <a:schemeClr val="bg1"/>
                 </a:solidFill>
@@ -6189,7 +6185,7 @@
               <a:t>AddCommand</a:t>
             </a:r>
             <a:r>
-              <a:rPr lang="en-US" sz="1050" dirty="0" smtClean="0">
+              <a:rPr lang="en-US" sz="1050" dirty="0">
                 <a:solidFill>
                   <a:schemeClr val="bg1"/>
                 </a:solidFill>
@@ -6197,7 +6193,7 @@
               <a:t>, </a:t>
             </a:r>
             <a:r>
-              <a:rPr lang="en-US" sz="1050" dirty="0" err="1" smtClean="0">
+              <a:rPr lang="en-US" sz="1050" dirty="0" err="1">
                 <a:solidFill>
                   <a:schemeClr val="bg1"/>
                 </a:solidFill>
@@ -6205,18 +6201,13 @@
               <a:t>FindCommand</a:t>
             </a:r>
             <a:r>
-              <a:rPr lang="en-US" sz="1050" dirty="0" smtClean="0">
+              <a:rPr lang="en-US" sz="1050" dirty="0">
                 <a:solidFill>
                   <a:schemeClr val="bg1"/>
                 </a:solidFill>
               </a:rPr>
               <a:t>, etc.</a:t>
             </a:r>
-            <a:endParaRPr lang="en-US" sz="1050" dirty="0">
-              <a:solidFill>
-                <a:schemeClr val="bg1"/>
-              </a:solidFill>
-            </a:endParaRPr>
           </a:p>
         </p:txBody>
       </p:sp>

--- a/docs/diagrams/LogicComponentClassDiagram.pptx
+++ b/docs/diagrams/LogicComponentClassDiagram.pptx
@@ -126,10 +126,6 @@
 </p:presentation>
 </file>
 
-<file path=ppt/revisionInfo.xml><?xml version="1.0" encoding="utf-8"?>
-<p1510:revInfo xmlns:a="http://schemas.openxmlformats.org/drawingml/2006/main" xmlns:r="http://schemas.openxmlformats.org/officeDocument/2006/relationships" xmlns:p1510="http://schemas.microsoft.com/office/powerpoint/2015/10/main"/>
-</file>
-
 <file path=ppt/notesMasters/notesMaster1.xml><?xml version="1.0" encoding="utf-8"?>
 <p:notesMaster xmlns:a="http://schemas.openxmlformats.org/drawingml/2006/main" xmlns:r="http://schemas.openxmlformats.org/officeDocument/2006/relationships" xmlns:p="http://schemas.openxmlformats.org/presentationml/2006/main">
   <p:cSld>
@@ -212,7 +208,7 @@
           <a:p>
             <a:fld id="{F5CC4B3F-88C1-4FFA-B1B6-F41C21DC6924}" type="datetimeFigureOut">
               <a:rPr lang="en-US" smtClean="0"/>
-              <a:t>4/16/2018</a:t>
+              <a:t>11/7/2018</a:t>
             </a:fld>
             <a:endParaRPr lang="en-US"/>
           </a:p>
@@ -658,7 +654,7 @@
           <a:p>
             <a:fld id="{78C97017-6FC3-485B-9764-EAC9E56C1D49}" type="datetimeFigureOut">
               <a:rPr lang="en-US" smtClean="0"/>
-              <a:t>4/16/2018</a:t>
+              <a:t>11/7/2018</a:t>
             </a:fld>
             <a:endParaRPr lang="en-US"/>
           </a:p>
@@ -826,7 +822,7 @@
           <a:p>
             <a:fld id="{78C97017-6FC3-485B-9764-EAC9E56C1D49}" type="datetimeFigureOut">
               <a:rPr lang="en-US" smtClean="0"/>
-              <a:t>4/16/2018</a:t>
+              <a:t>11/7/2018</a:t>
             </a:fld>
             <a:endParaRPr lang="en-US"/>
           </a:p>
@@ -1004,7 +1000,7 @@
           <a:p>
             <a:fld id="{78C97017-6FC3-485B-9764-EAC9E56C1D49}" type="datetimeFigureOut">
               <a:rPr lang="en-US" smtClean="0"/>
-              <a:t>4/16/2018</a:t>
+              <a:t>11/7/2018</a:t>
             </a:fld>
             <a:endParaRPr lang="en-US"/>
           </a:p>
@@ -1172,7 +1168,7 @@
           <a:p>
             <a:fld id="{78C97017-6FC3-485B-9764-EAC9E56C1D49}" type="datetimeFigureOut">
               <a:rPr lang="en-US" smtClean="0"/>
-              <a:t>4/16/2018</a:t>
+              <a:t>11/7/2018</a:t>
             </a:fld>
             <a:endParaRPr lang="en-US"/>
           </a:p>
@@ -1417,7 +1413,7 @@
           <a:p>
             <a:fld id="{78C97017-6FC3-485B-9764-EAC9E56C1D49}" type="datetimeFigureOut">
               <a:rPr lang="en-US" smtClean="0"/>
-              <a:t>4/16/2018</a:t>
+              <a:t>11/7/2018</a:t>
             </a:fld>
             <a:endParaRPr lang="en-US"/>
           </a:p>
@@ -1702,7 +1698,7 @@
           <a:p>
             <a:fld id="{78C97017-6FC3-485B-9764-EAC9E56C1D49}" type="datetimeFigureOut">
               <a:rPr lang="en-US" smtClean="0"/>
-              <a:t>4/16/2018</a:t>
+              <a:t>11/7/2018</a:t>
             </a:fld>
             <a:endParaRPr lang="en-US"/>
           </a:p>
@@ -2121,7 +2117,7 @@
           <a:p>
             <a:fld id="{78C97017-6FC3-485B-9764-EAC9E56C1D49}" type="datetimeFigureOut">
               <a:rPr lang="en-US" smtClean="0"/>
-              <a:t>4/16/2018</a:t>
+              <a:t>11/7/2018</a:t>
             </a:fld>
             <a:endParaRPr lang="en-US"/>
           </a:p>
@@ -2238,7 +2234,7 @@
           <a:p>
             <a:fld id="{78C97017-6FC3-485B-9764-EAC9E56C1D49}" type="datetimeFigureOut">
               <a:rPr lang="en-US" smtClean="0"/>
-              <a:t>4/16/2018</a:t>
+              <a:t>11/7/2018</a:t>
             </a:fld>
             <a:endParaRPr lang="en-US"/>
           </a:p>
@@ -2333,7 +2329,7 @@
           <a:p>
             <a:fld id="{78C97017-6FC3-485B-9764-EAC9E56C1D49}" type="datetimeFigureOut">
               <a:rPr lang="en-US" smtClean="0"/>
-              <a:t>4/16/2018</a:t>
+              <a:t>11/7/2018</a:t>
             </a:fld>
             <a:endParaRPr lang="en-US"/>
           </a:p>
@@ -2608,7 +2604,7 @@
           <a:p>
             <a:fld id="{78C97017-6FC3-485B-9764-EAC9E56C1D49}" type="datetimeFigureOut">
               <a:rPr lang="en-US" smtClean="0"/>
-              <a:t>4/16/2018</a:t>
+              <a:t>11/7/2018</a:t>
             </a:fld>
             <a:endParaRPr lang="en-US"/>
           </a:p>
@@ -2860,7 +2856,7 @@
           <a:p>
             <a:fld id="{78C97017-6FC3-485B-9764-EAC9E56C1D49}" type="datetimeFigureOut">
               <a:rPr lang="en-US" smtClean="0"/>
-              <a:t>4/16/2018</a:t>
+              <a:t>11/7/2018</a:t>
             </a:fld>
             <a:endParaRPr lang="en-US"/>
           </a:p>
@@ -3071,7 +3067,7 @@
           <a:p>
             <a:fld id="{78C97017-6FC3-485B-9764-EAC9E56C1D49}" type="datetimeFigureOut">
               <a:rPr lang="en-US" smtClean="0"/>
-              <a:t>4/16/2018</a:t>
+              <a:t>11/7/2018</a:t>
             </a:fld>
             <a:endParaRPr lang="en-US"/>
           </a:p>
@@ -3607,7 +3603,7 @@
           <a:p>
             <a:pPr algn="ctr"/>
             <a:r>
-              <a:rPr lang="en-US" sz="1050" b="1" dirty="0" err="1" smtClean="0">
+              <a:rPr lang="en-US" sz="1050" b="1" dirty="0" err="1">
                 <a:solidFill>
                   <a:srgbClr val="0070C0"/>
                 </a:solidFill>
@@ -3939,12 +3935,12 @@
           <a:p>
             <a:pPr algn="ctr"/>
             <a:r>
-              <a:rPr lang="en-US" sz="1050" dirty="0" err="1" smtClean="0">
+              <a:rPr lang="en-US" sz="1050" dirty="0" err="1">
                 <a:solidFill>
                   <a:schemeClr val="bg1"/>
                 </a:solidFill>
               </a:rPr>
-              <a:t>AddressBook</a:t>
+              <a:t>ProManage</a:t>
             </a:r>
             <a:endParaRPr lang="en-US" sz="1050" dirty="0">
               <a:solidFill>
@@ -5815,7 +5811,7 @@
           <a:p>
             <a:pPr algn="ctr"/>
             <a:r>
-              <a:rPr lang="en-US" sz="1050" b="1" dirty="0" err="1" smtClean="0">
+              <a:rPr lang="en-US" sz="1050" b="1" dirty="0" err="1">
                 <a:solidFill>
                   <a:schemeClr val="bg1"/>
                 </a:solidFill>
@@ -6165,7 +6161,7 @@
           <a:p>
             <a:pPr algn="ctr"/>
             <a:r>
-              <a:rPr lang="en-US" sz="1050" dirty="0" err="1" smtClean="0">
+              <a:rPr lang="en-US" sz="1050" dirty="0" err="1">
                 <a:solidFill>
                   <a:schemeClr val="bg1"/>
                 </a:solidFill>
@@ -6173,7 +6169,7 @@
               <a:t>XYZCommand</a:t>
             </a:r>
             <a:r>
-              <a:rPr lang="en-US" sz="1050" dirty="0" smtClean="0">
+              <a:rPr lang="en-US" sz="1050" dirty="0">
                 <a:solidFill>
                   <a:schemeClr val="bg1"/>
                 </a:solidFill>
@@ -6181,7 +6177,7 @@
               <a:t> = </a:t>
             </a:r>
             <a:r>
-              <a:rPr lang="en-US" sz="1050" dirty="0" err="1" smtClean="0">
+              <a:rPr lang="en-US" sz="1050" dirty="0" err="1">
                 <a:solidFill>
                   <a:schemeClr val="bg1"/>
                 </a:solidFill>
@@ -6189,7 +6185,7 @@
               <a:t>AddCommand</a:t>
             </a:r>
             <a:r>
-              <a:rPr lang="en-US" sz="1050" dirty="0" smtClean="0">
+              <a:rPr lang="en-US" sz="1050" dirty="0">
                 <a:solidFill>
                   <a:schemeClr val="bg1"/>
                 </a:solidFill>
@@ -6197,7 +6193,7 @@
               <a:t>, </a:t>
             </a:r>
             <a:r>
-              <a:rPr lang="en-US" sz="1050" dirty="0" err="1" smtClean="0">
+              <a:rPr lang="en-US" sz="1050" dirty="0" err="1">
                 <a:solidFill>
                   <a:schemeClr val="bg1"/>
                 </a:solidFill>
@@ -6205,18 +6201,13 @@
               <a:t>FindCommand</a:t>
             </a:r>
             <a:r>
-              <a:rPr lang="en-US" sz="1050" dirty="0" smtClean="0">
+              <a:rPr lang="en-US" sz="1050" dirty="0">
                 <a:solidFill>
                   <a:schemeClr val="bg1"/>
                 </a:solidFill>
               </a:rPr>
               <a:t>, etc.</a:t>
             </a:r>
-            <a:endParaRPr lang="en-US" sz="1050" dirty="0">
-              <a:solidFill>
-                <a:schemeClr val="bg1"/>
-              </a:solidFill>
-            </a:endParaRPr>
           </a:p>
         </p:txBody>
       </p:sp>

--- a/docs/diagrams/LogicComponentClassDiagram.pptx
+++ b/docs/diagrams/LogicComponentClassDiagram.pptx
@@ -126,10 +126,6 @@
 </p:presentation>
 </file>
 
-<file path=ppt/revisionInfo.xml><?xml version="1.0" encoding="utf-8"?>
-<p1510:revInfo xmlns:a="http://schemas.openxmlformats.org/drawingml/2006/main" xmlns:r="http://schemas.openxmlformats.org/officeDocument/2006/relationships" xmlns:p1510="http://schemas.microsoft.com/office/powerpoint/2015/10/main"/>
-</file>
-
 <file path=ppt/notesMasters/notesMaster1.xml><?xml version="1.0" encoding="utf-8"?>
 <p:notesMaster xmlns:a="http://schemas.openxmlformats.org/drawingml/2006/main" xmlns:r="http://schemas.openxmlformats.org/officeDocument/2006/relationships" xmlns:p="http://schemas.openxmlformats.org/presentationml/2006/main">
   <p:cSld>
@@ -212,7 +208,7 @@
           <a:p>
             <a:fld id="{F5CC4B3F-88C1-4FFA-B1B6-F41C21DC6924}" type="datetimeFigureOut">
               <a:rPr lang="en-US" smtClean="0"/>
-              <a:t>4/16/2018</a:t>
+              <a:t>11/10/2018</a:t>
             </a:fld>
             <a:endParaRPr lang="en-US"/>
           </a:p>
@@ -658,7 +654,7 @@
           <a:p>
             <a:fld id="{78C97017-6FC3-485B-9764-EAC9E56C1D49}" type="datetimeFigureOut">
               <a:rPr lang="en-US" smtClean="0"/>
-              <a:t>4/16/2018</a:t>
+              <a:t>11/10/2018</a:t>
             </a:fld>
             <a:endParaRPr lang="en-US"/>
           </a:p>
@@ -826,7 +822,7 @@
           <a:p>
             <a:fld id="{78C97017-6FC3-485B-9764-EAC9E56C1D49}" type="datetimeFigureOut">
               <a:rPr lang="en-US" smtClean="0"/>
-              <a:t>4/16/2018</a:t>
+              <a:t>11/10/2018</a:t>
             </a:fld>
             <a:endParaRPr lang="en-US"/>
           </a:p>
@@ -1004,7 +1000,7 @@
           <a:p>
             <a:fld id="{78C97017-6FC3-485B-9764-EAC9E56C1D49}" type="datetimeFigureOut">
               <a:rPr lang="en-US" smtClean="0"/>
-              <a:t>4/16/2018</a:t>
+              <a:t>11/10/2018</a:t>
             </a:fld>
             <a:endParaRPr lang="en-US"/>
           </a:p>
@@ -1172,7 +1168,7 @@
           <a:p>
             <a:fld id="{78C97017-6FC3-485B-9764-EAC9E56C1D49}" type="datetimeFigureOut">
               <a:rPr lang="en-US" smtClean="0"/>
-              <a:t>4/16/2018</a:t>
+              <a:t>11/10/2018</a:t>
             </a:fld>
             <a:endParaRPr lang="en-US"/>
           </a:p>
@@ -1417,7 +1413,7 @@
           <a:p>
             <a:fld id="{78C97017-6FC3-485B-9764-EAC9E56C1D49}" type="datetimeFigureOut">
               <a:rPr lang="en-US" smtClean="0"/>
-              <a:t>4/16/2018</a:t>
+              <a:t>11/10/2018</a:t>
             </a:fld>
             <a:endParaRPr lang="en-US"/>
           </a:p>
@@ -1702,7 +1698,7 @@
           <a:p>
             <a:fld id="{78C97017-6FC3-485B-9764-EAC9E56C1D49}" type="datetimeFigureOut">
               <a:rPr lang="en-US" smtClean="0"/>
-              <a:t>4/16/2018</a:t>
+              <a:t>11/10/2018</a:t>
             </a:fld>
             <a:endParaRPr lang="en-US"/>
           </a:p>
@@ -2121,7 +2117,7 @@
           <a:p>
             <a:fld id="{78C97017-6FC3-485B-9764-EAC9E56C1D49}" type="datetimeFigureOut">
               <a:rPr lang="en-US" smtClean="0"/>
-              <a:t>4/16/2018</a:t>
+              <a:t>11/10/2018</a:t>
             </a:fld>
             <a:endParaRPr lang="en-US"/>
           </a:p>
@@ -2238,7 +2234,7 @@
           <a:p>
             <a:fld id="{78C97017-6FC3-485B-9764-EAC9E56C1D49}" type="datetimeFigureOut">
               <a:rPr lang="en-US" smtClean="0"/>
-              <a:t>4/16/2018</a:t>
+              <a:t>11/10/2018</a:t>
             </a:fld>
             <a:endParaRPr lang="en-US"/>
           </a:p>
@@ -2333,7 +2329,7 @@
           <a:p>
             <a:fld id="{78C97017-6FC3-485B-9764-EAC9E56C1D49}" type="datetimeFigureOut">
               <a:rPr lang="en-US" smtClean="0"/>
-              <a:t>4/16/2018</a:t>
+              <a:t>11/10/2018</a:t>
             </a:fld>
             <a:endParaRPr lang="en-US"/>
           </a:p>
@@ -2608,7 +2604,7 @@
           <a:p>
             <a:fld id="{78C97017-6FC3-485B-9764-EAC9E56C1D49}" type="datetimeFigureOut">
               <a:rPr lang="en-US" smtClean="0"/>
-              <a:t>4/16/2018</a:t>
+              <a:t>11/10/2018</a:t>
             </a:fld>
             <a:endParaRPr lang="en-US"/>
           </a:p>
@@ -2860,7 +2856,7 @@
           <a:p>
             <a:fld id="{78C97017-6FC3-485B-9764-EAC9E56C1D49}" type="datetimeFigureOut">
               <a:rPr lang="en-US" smtClean="0"/>
-              <a:t>4/16/2018</a:t>
+              <a:t>11/10/2018</a:t>
             </a:fld>
             <a:endParaRPr lang="en-US"/>
           </a:p>
@@ -3071,7 +3067,7 @@
           <a:p>
             <a:fld id="{78C97017-6FC3-485B-9764-EAC9E56C1D49}" type="datetimeFigureOut">
               <a:rPr lang="en-US" smtClean="0"/>
-              <a:t>4/16/2018</a:t>
+              <a:t>11/10/2018</a:t>
             </a:fld>
             <a:endParaRPr lang="en-US"/>
           </a:p>
@@ -3607,7 +3603,7 @@
           <a:p>
             <a:pPr algn="ctr"/>
             <a:r>
-              <a:rPr lang="en-US" sz="1050" b="1" dirty="0" err="1" smtClean="0">
+              <a:rPr lang="en-US" sz="1050" b="1" dirty="0" err="1">
                 <a:solidFill>
                   <a:srgbClr val="0070C0"/>
                 </a:solidFill>
@@ -3908,7 +3904,7 @@
         <p:spPr>
           <a:xfrm>
             <a:off x="3255418" y="3554995"/>
-            <a:ext cx="1045323" cy="384497"/>
+            <a:ext cx="1113567" cy="384497"/>
           </a:xfrm>
           <a:prstGeom prst="rect">
             <a:avLst/>
@@ -3939,12 +3935,12 @@
           <a:p>
             <a:pPr algn="ctr"/>
             <a:r>
-              <a:rPr lang="en-US" sz="1050" dirty="0" err="1" smtClean="0">
+              <a:rPr lang="en-US" sz="1050" dirty="0" err="1">
                 <a:solidFill>
                   <a:schemeClr val="bg1"/>
                 </a:solidFill>
               </a:rPr>
-              <a:t>AddressBook</a:t>
+              <a:t>FinancialPlanner</a:t>
             </a:r>
             <a:endParaRPr lang="en-US" sz="1050" dirty="0">
               <a:solidFill>
@@ -5815,7 +5811,7 @@
           <a:p>
             <a:pPr algn="ctr"/>
             <a:r>
-              <a:rPr lang="en-US" sz="1050" b="1" dirty="0" err="1" smtClean="0">
+              <a:rPr lang="en-US" sz="1050" b="1" dirty="0" err="1">
                 <a:solidFill>
                   <a:schemeClr val="bg1"/>
                 </a:solidFill>
@@ -6038,6 +6034,7 @@
         <p:nvCxnSpPr>
           <p:cNvPr id="51" name="Elbow Connector 50"/>
           <p:cNvCxnSpPr>
+            <a:cxnSpLocks/>
             <a:stCxn id="16" idx="3"/>
             <a:endCxn id="42" idx="2"/>
           </p:cNvCxnSpPr>
@@ -6045,8 +6042,8 @@
         </p:nvCxnSpPr>
         <p:spPr>
           <a:xfrm flipV="1">
-            <a:off x="4300741" y="3087571"/>
-            <a:ext cx="1269594" cy="659673"/>
+            <a:off x="4368985" y="3087571"/>
+            <a:ext cx="1201350" cy="659673"/>
           </a:xfrm>
           <a:prstGeom prst="bentConnector2">
             <a:avLst/>
@@ -6165,7 +6162,7 @@
           <a:p>
             <a:pPr algn="ctr"/>
             <a:r>
-              <a:rPr lang="en-US" sz="1050" dirty="0" err="1" smtClean="0">
+              <a:rPr lang="en-US" sz="1050" dirty="0" err="1">
                 <a:solidFill>
                   <a:schemeClr val="bg1"/>
                 </a:solidFill>
@@ -6173,7 +6170,7 @@
               <a:t>XYZCommand</a:t>
             </a:r>
             <a:r>
-              <a:rPr lang="en-US" sz="1050" dirty="0" smtClean="0">
+              <a:rPr lang="en-US" sz="1050" dirty="0">
                 <a:solidFill>
                   <a:schemeClr val="bg1"/>
                 </a:solidFill>
@@ -6181,7 +6178,7 @@
               <a:t> = </a:t>
             </a:r>
             <a:r>
-              <a:rPr lang="en-US" sz="1050" dirty="0" err="1" smtClean="0">
+              <a:rPr lang="en-US" sz="1050" dirty="0" err="1">
                 <a:solidFill>
                   <a:schemeClr val="bg1"/>
                 </a:solidFill>
@@ -6189,7 +6186,7 @@
               <a:t>AddCommand</a:t>
             </a:r>
             <a:r>
-              <a:rPr lang="en-US" sz="1050" dirty="0" smtClean="0">
+              <a:rPr lang="en-US" sz="1050" dirty="0">
                 <a:solidFill>
                   <a:schemeClr val="bg1"/>
                 </a:solidFill>
@@ -6197,7 +6194,7 @@
               <a:t>, </a:t>
             </a:r>
             <a:r>
-              <a:rPr lang="en-US" sz="1050" dirty="0" err="1" smtClean="0">
+              <a:rPr lang="en-US" sz="1050" dirty="0" err="1">
                 <a:solidFill>
                   <a:schemeClr val="bg1"/>
                 </a:solidFill>
@@ -6205,18 +6202,13 @@
               <a:t>FindCommand</a:t>
             </a:r>
             <a:r>
-              <a:rPr lang="en-US" sz="1050" dirty="0" smtClean="0">
+              <a:rPr lang="en-US" sz="1050" dirty="0">
                 <a:solidFill>
                   <a:schemeClr val="bg1"/>
                 </a:solidFill>
               </a:rPr>
               <a:t>, etc.</a:t>
             </a:r>
-            <a:endParaRPr lang="en-US" sz="1050" dirty="0">
-              <a:solidFill>
-                <a:schemeClr val="bg1"/>
-              </a:solidFill>
-            </a:endParaRPr>
           </a:p>
         </p:txBody>
       </p:sp>

--- a/docs/diagrams/LogicComponentClassDiagram.pptx
+++ b/docs/diagrams/LogicComponentClassDiagram.pptx
@@ -126,10 +126,6 @@
 </p:presentation>
 </file>
 
-<file path=ppt/revisionInfo.xml><?xml version="1.0" encoding="utf-8"?>
-<p1510:revInfo xmlns:a="http://schemas.openxmlformats.org/drawingml/2006/main" xmlns:r="http://schemas.openxmlformats.org/officeDocument/2006/relationships" xmlns:p1510="http://schemas.microsoft.com/office/powerpoint/2015/10/main"/>
-</file>
-
 <file path=ppt/notesMasters/notesMaster1.xml><?xml version="1.0" encoding="utf-8"?>
 <p:notesMaster xmlns:a="http://schemas.openxmlformats.org/drawingml/2006/main" xmlns:r="http://schemas.openxmlformats.org/officeDocument/2006/relationships" xmlns:p="http://schemas.openxmlformats.org/presentationml/2006/main">
   <p:cSld>
@@ -212,7 +208,7 @@
           <a:p>
             <a:fld id="{F5CC4B3F-88C1-4FFA-B1B6-F41C21DC6924}" type="datetimeFigureOut">
               <a:rPr lang="en-US" smtClean="0"/>
-              <a:t>4/16/2018</a:t>
+              <a:t>11/11/18</a:t>
             </a:fld>
             <a:endParaRPr lang="en-US"/>
           </a:p>
@@ -658,7 +654,7 @@
           <a:p>
             <a:fld id="{78C97017-6FC3-485B-9764-EAC9E56C1D49}" type="datetimeFigureOut">
               <a:rPr lang="en-US" smtClean="0"/>
-              <a:t>4/16/2018</a:t>
+              <a:t>11/11/18</a:t>
             </a:fld>
             <a:endParaRPr lang="en-US"/>
           </a:p>
@@ -826,7 +822,7 @@
           <a:p>
             <a:fld id="{78C97017-6FC3-485B-9764-EAC9E56C1D49}" type="datetimeFigureOut">
               <a:rPr lang="en-US" smtClean="0"/>
-              <a:t>4/16/2018</a:t>
+              <a:t>11/11/18</a:t>
             </a:fld>
             <a:endParaRPr lang="en-US"/>
           </a:p>
@@ -1004,7 +1000,7 @@
           <a:p>
             <a:fld id="{78C97017-6FC3-485B-9764-EAC9E56C1D49}" type="datetimeFigureOut">
               <a:rPr lang="en-US" smtClean="0"/>
-              <a:t>4/16/2018</a:t>
+              <a:t>11/11/18</a:t>
             </a:fld>
             <a:endParaRPr lang="en-US"/>
           </a:p>
@@ -1172,7 +1168,7 @@
           <a:p>
             <a:fld id="{78C97017-6FC3-485B-9764-EAC9E56C1D49}" type="datetimeFigureOut">
               <a:rPr lang="en-US" smtClean="0"/>
-              <a:t>4/16/2018</a:t>
+              <a:t>11/11/18</a:t>
             </a:fld>
             <a:endParaRPr lang="en-US"/>
           </a:p>
@@ -1417,7 +1413,7 @@
           <a:p>
             <a:fld id="{78C97017-6FC3-485B-9764-EAC9E56C1D49}" type="datetimeFigureOut">
               <a:rPr lang="en-US" smtClean="0"/>
-              <a:t>4/16/2018</a:t>
+              <a:t>11/11/18</a:t>
             </a:fld>
             <a:endParaRPr lang="en-US"/>
           </a:p>
@@ -1702,7 +1698,7 @@
           <a:p>
             <a:fld id="{78C97017-6FC3-485B-9764-EAC9E56C1D49}" type="datetimeFigureOut">
               <a:rPr lang="en-US" smtClean="0"/>
-              <a:t>4/16/2018</a:t>
+              <a:t>11/11/18</a:t>
             </a:fld>
             <a:endParaRPr lang="en-US"/>
           </a:p>
@@ -2121,7 +2117,7 @@
           <a:p>
             <a:fld id="{78C97017-6FC3-485B-9764-EAC9E56C1D49}" type="datetimeFigureOut">
               <a:rPr lang="en-US" smtClean="0"/>
-              <a:t>4/16/2018</a:t>
+              <a:t>11/11/18</a:t>
             </a:fld>
             <a:endParaRPr lang="en-US"/>
           </a:p>
@@ -2238,7 +2234,7 @@
           <a:p>
             <a:fld id="{78C97017-6FC3-485B-9764-EAC9E56C1D49}" type="datetimeFigureOut">
               <a:rPr lang="en-US" smtClean="0"/>
-              <a:t>4/16/2018</a:t>
+              <a:t>11/11/18</a:t>
             </a:fld>
             <a:endParaRPr lang="en-US"/>
           </a:p>
@@ -2333,7 +2329,7 @@
           <a:p>
             <a:fld id="{78C97017-6FC3-485B-9764-EAC9E56C1D49}" type="datetimeFigureOut">
               <a:rPr lang="en-US" smtClean="0"/>
-              <a:t>4/16/2018</a:t>
+              <a:t>11/11/18</a:t>
             </a:fld>
             <a:endParaRPr lang="en-US"/>
           </a:p>
@@ -2608,7 +2604,7 @@
           <a:p>
             <a:fld id="{78C97017-6FC3-485B-9764-EAC9E56C1D49}" type="datetimeFigureOut">
               <a:rPr lang="en-US" smtClean="0"/>
-              <a:t>4/16/2018</a:t>
+              <a:t>11/11/18</a:t>
             </a:fld>
             <a:endParaRPr lang="en-US"/>
           </a:p>
@@ -2860,7 +2856,7 @@
           <a:p>
             <a:fld id="{78C97017-6FC3-485B-9764-EAC9E56C1D49}" type="datetimeFigureOut">
               <a:rPr lang="en-US" smtClean="0"/>
-              <a:t>4/16/2018</a:t>
+              <a:t>11/11/18</a:t>
             </a:fld>
             <a:endParaRPr lang="en-US"/>
           </a:p>
@@ -3071,7 +3067,7 @@
           <a:p>
             <a:fld id="{78C97017-6FC3-485B-9764-EAC9E56C1D49}" type="datetimeFigureOut">
               <a:rPr lang="en-US" smtClean="0"/>
-              <a:t>4/16/2018</a:t>
+              <a:t>11/11/18</a:t>
             </a:fld>
             <a:endParaRPr lang="en-US"/>
           </a:p>
@@ -3446,2780 +3442,42 @@
           <a:chExt cx="0" cy="0"/>
         </a:xfrm>
       </p:grpSpPr>
-      <p:sp>
-        <p:nvSpPr>
-          <p:cNvPr id="2" name="Rectangle 65"/>
-          <p:cNvSpPr/>
+      <p:pic>
+        <p:nvPicPr>
+          <p:cNvPr id="10" name="Picture 9">
+            <a:extLst>
+              <a:ext uri="{FF2B5EF4-FFF2-40B4-BE49-F238E27FC236}">
+                <a16:creationId xmlns:a16="http://schemas.microsoft.com/office/drawing/2014/main" id="{02A4F207-4552-F441-9F78-C6703E15F040}"/>
+              </a:ext>
+            </a:extLst>
+          </p:cNvPr>
+          <p:cNvPicPr>
+            <a:picLocks noChangeAspect="1"/>
+          </p:cNvPicPr>
           <p:nvPr/>
-        </p:nvSpPr>
+        </p:nvPicPr>
+        <p:blipFill>
+          <a:blip r:embed="rId2">
+            <a:extLst>
+              <a:ext uri="{28A0092B-C50C-407E-A947-70E740481C1C}">
+                <a14:useLocalDpi xmlns:a14="http://schemas.microsoft.com/office/drawing/2010/main" val="0"/>
+              </a:ext>
+            </a:extLst>
+          </a:blip>
+          <a:stretch>
+            <a:fillRect/>
+          </a:stretch>
+        </p:blipFill>
         <p:spPr>
           <a:xfrm>
-            <a:off x="1066800" y="914400"/>
-            <a:ext cx="7084740" cy="3733800"/>
-          </a:xfrm>
-          <a:prstGeom prst="roundRect">
-            <a:avLst>
-              <a:gd name="adj" fmla="val 3484"/>
-            </a:avLst>
-          </a:prstGeom>
-          <a:solidFill>
-            <a:schemeClr val="accent1">
-              <a:lumMod val="20000"/>
-              <a:lumOff val="80000"/>
-            </a:schemeClr>
-          </a:solidFill>
-          <a:ln w="19050">
-            <a:noFill/>
-          </a:ln>
-          <a:effectLst/>
-        </p:spPr>
-        <p:style>
-          <a:lnRef idx="1">
-            <a:schemeClr val="accent2"/>
-          </a:lnRef>
-          <a:fillRef idx="2">
-            <a:schemeClr val="accent2"/>
-          </a:fillRef>
-          <a:effectRef idx="1">
-            <a:schemeClr val="accent2"/>
-          </a:effectRef>
-          <a:fontRef idx="minor">
-            <a:schemeClr val="dk1"/>
-          </a:fontRef>
-        </p:style>
-        <p:txBody>
-          <a:bodyPr rtlCol="0" anchor="t"/>
-          <a:lstStyle/>
-          <a:p>
-            <a:r>
-              <a:rPr lang="en-US" sz="1200" b="1" dirty="0">
-                <a:solidFill>
-                  <a:srgbClr val="0070C0"/>
-                </a:solidFill>
-              </a:rPr>
-              <a:t>Logic</a:t>
-            </a:r>
-            <a:endParaRPr lang="en-SG" sz="1200" b="1" dirty="0">
-              <a:solidFill>
-                <a:srgbClr val="0070C0"/>
-              </a:solidFill>
-            </a:endParaRPr>
-          </a:p>
-        </p:txBody>
-      </p:sp>
-      <p:sp>
-        <p:nvSpPr>
-          <p:cNvPr id="3" name="Rectangle 8"/>
-          <p:cNvSpPr/>
-          <p:nvPr/>
-        </p:nvSpPr>
-        <p:spPr>
-          <a:xfrm>
-            <a:off x="2095948" y="1253067"/>
-            <a:ext cx="1093635" cy="346760"/>
+            <a:off x="990600" y="870857"/>
+            <a:ext cx="7162800" cy="5116286"/>
           </a:xfrm>
           <a:prstGeom prst="rect">
             <a:avLst/>
           </a:prstGeom>
-          <a:solidFill>
-            <a:srgbClr val="0070C0"/>
-          </a:solidFill>
-          <a:ln w="19050">
-            <a:solidFill>
-              <a:srgbClr val="0070C0"/>
-            </a:solidFill>
-          </a:ln>
-          <a:effectLst/>
         </p:spPr>
-        <p:style>
-          <a:lnRef idx="1">
-            <a:schemeClr val="accent2"/>
-          </a:lnRef>
-          <a:fillRef idx="2">
-            <a:schemeClr val="accent2"/>
-          </a:fillRef>
-          <a:effectRef idx="1">
-            <a:schemeClr val="accent2"/>
-          </a:effectRef>
-          <a:fontRef idx="minor">
-            <a:schemeClr val="dk1"/>
-          </a:fontRef>
-        </p:style>
-        <p:txBody>
-          <a:bodyPr rtlCol="0" anchor="ctr"/>
-          <a:lstStyle/>
-          <a:p>
-            <a:pPr algn="ctr"/>
-            <a:r>
-              <a:rPr lang="en-US" sz="1050" dirty="0" err="1">
-                <a:solidFill>
-                  <a:schemeClr val="bg1"/>
-                </a:solidFill>
-              </a:rPr>
-              <a:t>CommandResult</a:t>
-            </a:r>
-            <a:endParaRPr lang="en-SG" sz="1050" dirty="0">
-              <a:solidFill>
-                <a:schemeClr val="bg1"/>
-              </a:solidFill>
-            </a:endParaRPr>
-          </a:p>
-        </p:txBody>
-      </p:sp>
-      <p:sp>
-        <p:nvSpPr>
-          <p:cNvPr id="4" name="Rectangle 11"/>
-          <p:cNvSpPr/>
-          <p:nvPr/>
-        </p:nvSpPr>
-        <p:spPr>
-          <a:xfrm flipH="1">
-            <a:off x="6878274" y="2740152"/>
-            <a:ext cx="970326" cy="346760"/>
-          </a:xfrm>
-          <a:prstGeom prst="rect">
-            <a:avLst/>
-          </a:prstGeom>
-          <a:ln w="19050">
-            <a:solidFill>
-              <a:srgbClr val="0070C0"/>
-            </a:solidFill>
-          </a:ln>
-          <a:effectLst/>
-        </p:spPr>
-        <p:style>
-          <a:lnRef idx="1">
-            <a:schemeClr val="accent1"/>
-          </a:lnRef>
-          <a:fillRef idx="2">
-            <a:schemeClr val="accent1"/>
-          </a:fillRef>
-          <a:effectRef idx="1">
-            <a:schemeClr val="accent1"/>
-          </a:effectRef>
-          <a:fontRef idx="minor">
-            <a:schemeClr val="dk1"/>
-          </a:fontRef>
-        </p:style>
-        <p:txBody>
-          <a:bodyPr rtlCol="0" anchor="ctr"/>
-          <a:lstStyle/>
-          <a:p>
-            <a:pPr algn="ctr"/>
-            <a:r>
-              <a:rPr lang="en-US" sz="1050" b="1" dirty="0" err="1" smtClean="0">
-                <a:solidFill>
-                  <a:srgbClr val="0070C0"/>
-                </a:solidFill>
-              </a:rPr>
-              <a:t>XYZCommand</a:t>
-            </a:r>
-            <a:endParaRPr lang="en-SG" sz="1050" b="1" dirty="0">
-              <a:solidFill>
-                <a:srgbClr val="0070C0"/>
-              </a:solidFill>
-            </a:endParaRPr>
-          </a:p>
-        </p:txBody>
-      </p:sp>
-      <p:sp>
-        <p:nvSpPr>
-          <p:cNvPr id="5" name="Rectangle 62"/>
-          <p:cNvSpPr/>
-          <p:nvPr/>
-        </p:nvSpPr>
-        <p:spPr>
-          <a:xfrm>
-            <a:off x="1782495" y="3583530"/>
-            <a:ext cx="1093635" cy="346760"/>
-          </a:xfrm>
-          <a:prstGeom prst="rect">
-            <a:avLst/>
-          </a:prstGeom>
-          <a:solidFill>
-            <a:srgbClr val="0070C0"/>
-          </a:solidFill>
-          <a:ln w="19050">
-            <a:solidFill>
-              <a:srgbClr val="0070C0"/>
-            </a:solidFill>
-          </a:ln>
-          <a:effectLst/>
-        </p:spPr>
-        <p:style>
-          <a:lnRef idx="1">
-            <a:schemeClr val="accent2"/>
-          </a:lnRef>
-          <a:fillRef idx="2">
-            <a:schemeClr val="accent2"/>
-          </a:fillRef>
-          <a:effectRef idx="1">
-            <a:schemeClr val="accent2"/>
-          </a:effectRef>
-          <a:fontRef idx="minor">
-            <a:schemeClr val="dk1"/>
-          </a:fontRef>
-        </p:style>
-        <p:txBody>
-          <a:bodyPr rtlCol="0" anchor="ctr"/>
-          <a:lstStyle/>
-          <a:p>
-            <a:pPr algn="ctr"/>
-            <a:r>
-              <a:rPr lang="en-US" sz="1050" dirty="0" err="1">
-                <a:solidFill>
-                  <a:schemeClr val="bg1"/>
-                </a:solidFill>
-              </a:rPr>
-              <a:t>LogicManager</a:t>
-            </a:r>
-            <a:endParaRPr lang="en-SG" sz="1050" dirty="0">
-              <a:solidFill>
-                <a:schemeClr val="bg1"/>
-              </a:solidFill>
-            </a:endParaRPr>
-          </a:p>
-        </p:txBody>
-      </p:sp>
-      <p:cxnSp>
-        <p:nvCxnSpPr>
-          <p:cNvPr id="6" name="Elbow Connector 63"/>
-          <p:cNvCxnSpPr>
-            <a:stCxn id="12" idx="3"/>
-            <a:endCxn id="3" idx="3"/>
-          </p:cNvCxnSpPr>
-          <p:nvPr/>
-        </p:nvCxnSpPr>
-        <p:spPr>
-          <a:xfrm flipH="1" flipV="1">
-            <a:off x="3189583" y="1426447"/>
-            <a:ext cx="4559332" cy="2895973"/>
-          </a:xfrm>
-          <a:prstGeom prst="bentConnector3">
-            <a:avLst>
-              <a:gd name="adj1" fmla="val -5014"/>
-            </a:avLst>
-          </a:prstGeom>
-          <a:ln w="19050">
-            <a:solidFill>
-              <a:srgbClr val="0070C0"/>
-            </a:solidFill>
-            <a:prstDash val="sysDot"/>
-            <a:headEnd type="none" w="med" len="med"/>
-            <a:tailEnd type="arrow" w="med" len="med"/>
-          </a:ln>
-          <a:effectLst/>
-        </p:spPr>
-        <p:style>
-          <a:lnRef idx="1">
-            <a:schemeClr val="accent2"/>
-          </a:lnRef>
-          <a:fillRef idx="2">
-            <a:schemeClr val="accent2"/>
-          </a:fillRef>
-          <a:effectRef idx="1">
-            <a:schemeClr val="accent2"/>
-          </a:effectRef>
-          <a:fontRef idx="minor">
-            <a:schemeClr val="dk1"/>
-          </a:fontRef>
-        </p:style>
-      </p:cxnSp>
-      <p:cxnSp>
-        <p:nvCxnSpPr>
-          <p:cNvPr id="8" name="Elbow Connector 122"/>
-          <p:cNvCxnSpPr>
-            <a:endCxn id="3" idx="1"/>
-          </p:cNvCxnSpPr>
-          <p:nvPr/>
-        </p:nvCxnSpPr>
-        <p:spPr>
-          <a:xfrm>
-            <a:off x="1676400" y="1423587"/>
-            <a:ext cx="419548" cy="2860"/>
-          </a:xfrm>
-          <a:prstGeom prst="bentConnector3">
-            <a:avLst>
-              <a:gd name="adj1" fmla="val 50000"/>
-            </a:avLst>
-          </a:prstGeom>
-          <a:ln w="19050">
-            <a:solidFill>
-              <a:srgbClr val="0070C0"/>
-            </a:solidFill>
-            <a:prstDash val="sysDot"/>
-            <a:headEnd type="none" w="med" len="med"/>
-            <a:tailEnd type="arrow" w="med" len="med"/>
-          </a:ln>
-          <a:effectLst/>
-        </p:spPr>
-        <p:style>
-          <a:lnRef idx="1">
-            <a:schemeClr val="accent2"/>
-          </a:lnRef>
-          <a:fillRef idx="2">
-            <a:schemeClr val="accent2"/>
-          </a:fillRef>
-          <a:effectRef idx="1">
-            <a:schemeClr val="accent2"/>
-          </a:effectRef>
-          <a:fontRef idx="minor">
-            <a:schemeClr val="dk1"/>
-          </a:fontRef>
-        </p:style>
-      </p:cxnSp>
-      <p:sp>
-        <p:nvSpPr>
-          <p:cNvPr id="9" name="Rectangle 65"/>
-          <p:cNvSpPr/>
-          <p:nvPr/>
-        </p:nvSpPr>
-        <p:spPr>
-          <a:xfrm>
-            <a:off x="1103085" y="4777355"/>
-            <a:ext cx="7050315" cy="328045"/>
-          </a:xfrm>
-          <a:prstGeom prst="roundRect">
-            <a:avLst/>
-          </a:prstGeom>
-          <a:solidFill>
-            <a:schemeClr val="accent4">
-              <a:lumMod val="20000"/>
-              <a:lumOff val="80000"/>
-            </a:schemeClr>
-          </a:solidFill>
-          <a:ln w="19050">
-            <a:noFill/>
-          </a:ln>
-          <a:effectLst/>
-        </p:spPr>
-        <p:style>
-          <a:lnRef idx="1">
-            <a:schemeClr val="accent2"/>
-          </a:lnRef>
-          <a:fillRef idx="2">
-            <a:schemeClr val="accent2"/>
-          </a:fillRef>
-          <a:effectRef idx="1">
-            <a:schemeClr val="accent2"/>
-          </a:effectRef>
-          <a:fontRef idx="minor">
-            <a:schemeClr val="dk1"/>
-          </a:fontRef>
-        </p:style>
-        <p:txBody>
-          <a:bodyPr rtlCol="0" anchor="ctr"/>
-          <a:lstStyle/>
-          <a:p>
-            <a:pPr algn="ctr"/>
-            <a:r>
-              <a:rPr lang="en-US" sz="1100" b="1" dirty="0">
-                <a:solidFill>
-                  <a:schemeClr val="bg1"/>
-                </a:solidFill>
-              </a:rPr>
-              <a:t>Model</a:t>
-            </a:r>
-            <a:endParaRPr lang="en-SG" sz="1100" b="1" dirty="0">
-              <a:solidFill>
-                <a:schemeClr val="bg1"/>
-              </a:solidFill>
-            </a:endParaRPr>
-          </a:p>
-        </p:txBody>
-      </p:sp>
-      <p:sp>
-        <p:nvSpPr>
-          <p:cNvPr id="12" name="Rectangle 62"/>
-          <p:cNvSpPr/>
-          <p:nvPr/>
-        </p:nvSpPr>
-        <p:spPr>
-          <a:xfrm>
-            <a:off x="6976872" y="4149040"/>
-            <a:ext cx="772043" cy="346760"/>
-          </a:xfrm>
-          <a:prstGeom prst="rect">
-            <a:avLst/>
-          </a:prstGeom>
-          <a:ln w="19050">
-            <a:solidFill>
-              <a:srgbClr val="0070C0"/>
-            </a:solidFill>
-          </a:ln>
-          <a:effectLst/>
-        </p:spPr>
-        <p:style>
-          <a:lnRef idx="1">
-            <a:schemeClr val="accent1"/>
-          </a:lnRef>
-          <a:fillRef idx="2">
-            <a:schemeClr val="accent1"/>
-          </a:fillRef>
-          <a:effectRef idx="1">
-            <a:schemeClr val="accent1"/>
-          </a:effectRef>
-          <a:fontRef idx="minor">
-            <a:schemeClr val="dk1"/>
-          </a:fontRef>
-        </p:style>
-        <p:txBody>
-          <a:bodyPr rtlCol="0" anchor="ctr"/>
-          <a:lstStyle/>
-          <a:p>
-            <a:pPr algn="ctr"/>
-            <a:r>
-              <a:rPr lang="en-US" sz="1050" b="1" dirty="0">
-                <a:solidFill>
-                  <a:srgbClr val="0070C0"/>
-                </a:solidFill>
-              </a:rPr>
-              <a:t>{abstract}</a:t>
-            </a:r>
-            <a:br>
-              <a:rPr lang="en-US" sz="1050" b="1" dirty="0">
-                <a:solidFill>
-                  <a:srgbClr val="0070C0"/>
-                </a:solidFill>
-              </a:rPr>
-            </a:br>
-            <a:r>
-              <a:rPr lang="en-US" sz="1050" b="1" dirty="0">
-                <a:solidFill>
-                  <a:srgbClr val="0070C0"/>
-                </a:solidFill>
-              </a:rPr>
-              <a:t>Command</a:t>
-            </a:r>
-            <a:endParaRPr lang="en-SG" sz="1050" b="1" dirty="0">
-              <a:solidFill>
-                <a:srgbClr val="0070C0"/>
-              </a:solidFill>
-            </a:endParaRPr>
-          </a:p>
-        </p:txBody>
-      </p:sp>
-      <p:sp>
-        <p:nvSpPr>
-          <p:cNvPr id="16" name="Rectangle 62"/>
-          <p:cNvSpPr/>
-          <p:nvPr/>
-        </p:nvSpPr>
-        <p:spPr>
-          <a:xfrm>
-            <a:off x="3255418" y="3554995"/>
-            <a:ext cx="1045323" cy="384497"/>
-          </a:xfrm>
-          <a:prstGeom prst="rect">
-            <a:avLst/>
-          </a:prstGeom>
-          <a:solidFill>
-            <a:schemeClr val="accent5"/>
-          </a:solidFill>
-          <a:ln/>
-          <a:effectLst/>
-        </p:spPr>
-        <p:style>
-          <a:lnRef idx="1">
-            <a:schemeClr val="accent5"/>
-          </a:lnRef>
-          <a:fillRef idx="2">
-            <a:schemeClr val="accent5"/>
-          </a:fillRef>
-          <a:effectRef idx="1">
-            <a:schemeClr val="accent5"/>
-          </a:effectRef>
-          <a:fontRef idx="minor">
-            <a:schemeClr val="dk1"/>
-          </a:fontRef>
-        </p:style>
-        <p:txBody>
-          <a:bodyPr rtlCol="0" anchor="ctr"/>
-          <a:lstStyle/>
-          <a:p>
-            <a:pPr algn="ctr"/>
-            <a:r>
-              <a:rPr lang="en-US" sz="1050" dirty="0" err="1" smtClean="0">
-                <a:solidFill>
-                  <a:schemeClr val="bg1"/>
-                </a:solidFill>
-              </a:rPr>
-              <a:t>AddressBook</a:t>
-            </a:r>
-            <a:endParaRPr lang="en-US" sz="1050" dirty="0">
-              <a:solidFill>
-                <a:schemeClr val="bg1"/>
-              </a:solidFill>
-            </a:endParaRPr>
-          </a:p>
-          <a:p>
-            <a:pPr algn="ctr"/>
-            <a:r>
-              <a:rPr lang="en-US" sz="1050" dirty="0">
-                <a:solidFill>
-                  <a:schemeClr val="bg1"/>
-                </a:solidFill>
-              </a:rPr>
-              <a:t>Parser</a:t>
-            </a:r>
-            <a:endParaRPr lang="en-SG" sz="1050" dirty="0">
-              <a:solidFill>
-                <a:schemeClr val="bg1"/>
-              </a:solidFill>
-            </a:endParaRPr>
-          </a:p>
-        </p:txBody>
-      </p:sp>
-      <p:cxnSp>
-        <p:nvCxnSpPr>
-          <p:cNvPr id="18" name="Straight Arrow Connector 110"/>
-          <p:cNvCxnSpPr>
-            <a:stCxn id="12" idx="2"/>
-          </p:cNvCxnSpPr>
-          <p:nvPr/>
-        </p:nvCxnSpPr>
-        <p:spPr>
-          <a:xfrm>
-            <a:off x="7362894" y="4495800"/>
-            <a:ext cx="0" cy="281555"/>
-          </a:xfrm>
-          <a:prstGeom prst="straightConnector1">
-            <a:avLst/>
-          </a:prstGeom>
-          <a:ln w="19050">
-            <a:solidFill>
-              <a:srgbClr val="0070C0"/>
-            </a:solidFill>
-            <a:prstDash val="sysDot"/>
-            <a:headEnd type="none" w="med" len="med"/>
-            <a:tailEnd type="arrow" w="med" len="med"/>
-          </a:ln>
-          <a:effectLst/>
-        </p:spPr>
-        <p:style>
-          <a:lnRef idx="1">
-            <a:schemeClr val="accent2"/>
-          </a:lnRef>
-          <a:fillRef idx="2">
-            <a:schemeClr val="accent2"/>
-          </a:fillRef>
-          <a:effectRef idx="1">
-            <a:schemeClr val="accent2"/>
-          </a:effectRef>
-          <a:fontRef idx="minor">
-            <a:schemeClr val="dk1"/>
-          </a:fontRef>
-        </p:style>
-      </p:cxnSp>
-      <p:sp>
-        <p:nvSpPr>
-          <p:cNvPr id="19" name="Rectangle 62"/>
-          <p:cNvSpPr/>
-          <p:nvPr/>
-        </p:nvSpPr>
-        <p:spPr>
-          <a:xfrm rot="16200000">
-            <a:off x="398120" y="2150720"/>
-            <a:ext cx="2209800" cy="346760"/>
-          </a:xfrm>
-          <a:prstGeom prst="rect">
-            <a:avLst/>
-          </a:prstGeom>
-          <a:solidFill>
-            <a:srgbClr val="0070C0"/>
-          </a:solidFill>
-          <a:ln w="19050">
-            <a:solidFill>
-              <a:srgbClr val="0070C0"/>
-            </a:solidFill>
-          </a:ln>
-          <a:effectLst/>
-        </p:spPr>
-        <p:style>
-          <a:lnRef idx="1">
-            <a:schemeClr val="accent2"/>
-          </a:lnRef>
-          <a:fillRef idx="2">
-            <a:schemeClr val="accent2"/>
-          </a:fillRef>
-          <a:effectRef idx="1">
-            <a:schemeClr val="accent2"/>
-          </a:effectRef>
-          <a:fontRef idx="minor">
-            <a:schemeClr val="dk1"/>
-          </a:fontRef>
-        </p:style>
-        <p:txBody>
-          <a:bodyPr rtlCol="0" anchor="ctr"/>
-          <a:lstStyle/>
-          <a:p>
-            <a:pPr algn="ctr"/>
-            <a:r>
-              <a:rPr lang="en-US" sz="1050" dirty="0">
-                <a:solidFill>
-                  <a:schemeClr val="bg1"/>
-                </a:solidFill>
-              </a:rPr>
-              <a:t>&lt;&lt;interface&gt;&gt;</a:t>
-            </a:r>
-          </a:p>
-          <a:p>
-            <a:pPr algn="ctr"/>
-            <a:r>
-              <a:rPr lang="en-US" sz="1050" dirty="0">
-                <a:solidFill>
-                  <a:schemeClr val="bg1"/>
-                </a:solidFill>
-              </a:rPr>
-              <a:t>Logic</a:t>
-            </a:r>
-            <a:endParaRPr lang="en-SG" sz="1050" dirty="0">
-              <a:solidFill>
-                <a:schemeClr val="bg1"/>
-              </a:solidFill>
-            </a:endParaRPr>
-          </a:p>
-        </p:txBody>
-      </p:sp>
-      <p:sp>
-        <p:nvSpPr>
-          <p:cNvPr id="20" name="Isosceles Triangle 102"/>
-          <p:cNvSpPr/>
-          <p:nvPr/>
-        </p:nvSpPr>
-        <p:spPr>
-          <a:xfrm>
-            <a:off x="1359039" y="3429000"/>
-            <a:ext cx="270504" cy="175523"/>
-          </a:xfrm>
-          <a:prstGeom prst="triangle">
-            <a:avLst/>
-          </a:prstGeom>
-          <a:solidFill>
-            <a:schemeClr val="tx2">
-              <a:lumMod val="60000"/>
-              <a:lumOff val="40000"/>
-            </a:schemeClr>
-          </a:solidFill>
-          <a:ln w="19050">
-            <a:solidFill>
-              <a:srgbClr val="0070C0"/>
-            </a:solidFill>
-          </a:ln>
-          <a:effectLst/>
-        </p:spPr>
-        <p:style>
-          <a:lnRef idx="1">
-            <a:schemeClr val="accent1"/>
-          </a:lnRef>
-          <a:fillRef idx="2">
-            <a:schemeClr val="accent1"/>
-          </a:fillRef>
-          <a:effectRef idx="1">
-            <a:schemeClr val="accent1"/>
-          </a:effectRef>
-          <a:fontRef idx="minor">
-            <a:schemeClr val="dk1"/>
-          </a:fontRef>
-        </p:style>
-        <p:txBody>
-          <a:bodyPr rtlCol="0" anchor="ctr"/>
-          <a:lstStyle/>
-          <a:p>
-            <a:pPr algn="ctr"/>
-            <a:endParaRPr lang="en-SG" sz="1050" b="1">
-              <a:solidFill>
-                <a:srgbClr val="92D050"/>
-              </a:solidFill>
-            </a:endParaRPr>
-          </a:p>
-        </p:txBody>
-      </p:sp>
-      <p:cxnSp>
-        <p:nvCxnSpPr>
-          <p:cNvPr id="21" name="Elbow Connector 63"/>
-          <p:cNvCxnSpPr>
-            <a:stCxn id="5" idx="1"/>
-            <a:endCxn id="20" idx="3"/>
-          </p:cNvCxnSpPr>
-          <p:nvPr/>
-        </p:nvCxnSpPr>
-        <p:spPr>
-          <a:xfrm rot="10800000">
-            <a:off x="1494291" y="3604524"/>
-            <a:ext cx="288204" cy="152387"/>
-          </a:xfrm>
-          <a:prstGeom prst="bentConnector2">
-            <a:avLst/>
-          </a:prstGeom>
-          <a:ln w="19050">
-            <a:solidFill>
-              <a:srgbClr val="0070C0"/>
-            </a:solidFill>
-            <a:prstDash val="sysDot"/>
-            <a:headEnd type="none" w="med" len="med"/>
-            <a:tailEnd type="none" w="med" len="med"/>
-          </a:ln>
-          <a:effectLst/>
-        </p:spPr>
-        <p:style>
-          <a:lnRef idx="1">
-            <a:schemeClr val="accent2"/>
-          </a:lnRef>
-          <a:fillRef idx="2">
-            <a:schemeClr val="accent2"/>
-          </a:fillRef>
-          <a:effectRef idx="1">
-            <a:schemeClr val="accent2"/>
-          </a:effectRef>
-          <a:fontRef idx="minor">
-            <a:schemeClr val="dk1"/>
-          </a:fontRef>
-        </p:style>
-      </p:cxnSp>
-      <p:cxnSp>
-        <p:nvCxnSpPr>
-          <p:cNvPr id="23" name="Straight Arrow Connector 57"/>
-          <p:cNvCxnSpPr>
-            <a:stCxn id="5" idx="2"/>
-          </p:cNvCxnSpPr>
-          <p:nvPr/>
-        </p:nvCxnSpPr>
-        <p:spPr>
-          <a:xfrm>
-            <a:off x="2329313" y="3930290"/>
-            <a:ext cx="1376" cy="854841"/>
-          </a:xfrm>
-          <a:prstGeom prst="straightConnector1">
-            <a:avLst/>
-          </a:prstGeom>
-          <a:ln w="19050">
-            <a:solidFill>
-              <a:srgbClr val="0070C0"/>
-            </a:solidFill>
-            <a:headEnd type="none" w="med" len="med"/>
-            <a:tailEnd type="arrow" w="med" len="med"/>
-          </a:ln>
-          <a:effectLst/>
-        </p:spPr>
-        <p:style>
-          <a:lnRef idx="1">
-            <a:schemeClr val="accent2"/>
-          </a:lnRef>
-          <a:fillRef idx="2">
-            <a:schemeClr val="accent2"/>
-          </a:fillRef>
-          <a:effectRef idx="1">
-            <a:schemeClr val="accent2"/>
-          </a:effectRef>
-          <a:fontRef idx="minor">
-            <a:schemeClr val="dk1"/>
-          </a:fontRef>
-        </p:style>
-      </p:cxnSp>
-      <p:cxnSp>
-        <p:nvCxnSpPr>
-          <p:cNvPr id="24" name="Elbow Connector 122"/>
-          <p:cNvCxnSpPr/>
-          <p:nvPr/>
-        </p:nvCxnSpPr>
-        <p:spPr>
-          <a:xfrm>
-            <a:off x="893311" y="2832505"/>
-            <a:ext cx="419548" cy="2860"/>
-          </a:xfrm>
-          <a:prstGeom prst="bentConnector3">
-            <a:avLst>
-              <a:gd name="adj1" fmla="val 50000"/>
-            </a:avLst>
-          </a:prstGeom>
-          <a:ln w="19050">
-            <a:solidFill>
-              <a:schemeClr val="bg1">
-                <a:lumMod val="75000"/>
-              </a:schemeClr>
-            </a:solidFill>
-            <a:prstDash val="sysDot"/>
-            <a:headEnd type="none" w="med" len="med"/>
-            <a:tailEnd type="arrow" w="med" len="med"/>
-          </a:ln>
-          <a:effectLst/>
-        </p:spPr>
-        <p:style>
-          <a:lnRef idx="1">
-            <a:schemeClr val="accent2"/>
-          </a:lnRef>
-          <a:fillRef idx="2">
-            <a:schemeClr val="accent2"/>
-          </a:fillRef>
-          <a:effectRef idx="1">
-            <a:schemeClr val="accent2"/>
-          </a:effectRef>
-          <a:fontRef idx="minor">
-            <a:schemeClr val="dk1"/>
-          </a:fontRef>
-        </p:style>
-      </p:cxnSp>
-      <p:cxnSp>
-        <p:nvCxnSpPr>
-          <p:cNvPr id="25" name="Elbow Connector 63"/>
-          <p:cNvCxnSpPr>
-            <a:endCxn id="12" idx="1"/>
-          </p:cNvCxnSpPr>
-          <p:nvPr/>
-        </p:nvCxnSpPr>
-        <p:spPr>
-          <a:xfrm>
-            <a:off x="2281833" y="3939492"/>
-            <a:ext cx="4695039" cy="382928"/>
-          </a:xfrm>
-          <a:prstGeom prst="bentConnector3">
-            <a:avLst>
-              <a:gd name="adj1" fmla="val -81"/>
-            </a:avLst>
-          </a:prstGeom>
-          <a:ln w="19050">
-            <a:solidFill>
-              <a:srgbClr val="0070C0"/>
-            </a:solidFill>
-            <a:prstDash val="sysDot"/>
-            <a:headEnd type="none" w="med" len="med"/>
-            <a:tailEnd type="arrow" w="med" len="med"/>
-          </a:ln>
-          <a:effectLst/>
-        </p:spPr>
-        <p:style>
-          <a:lnRef idx="1">
-            <a:schemeClr val="accent2"/>
-          </a:lnRef>
-          <a:fillRef idx="2">
-            <a:schemeClr val="accent2"/>
-          </a:fillRef>
-          <a:effectRef idx="1">
-            <a:schemeClr val="accent2"/>
-          </a:effectRef>
-          <a:fontRef idx="minor">
-            <a:schemeClr val="dk1"/>
-          </a:fontRef>
-        </p:style>
-      </p:cxnSp>
-      <p:grpSp>
-        <p:nvGrpSpPr>
-          <p:cNvPr id="26" name="Group 25"/>
-          <p:cNvGrpSpPr/>
-          <p:nvPr/>
-        </p:nvGrpSpPr>
-        <p:grpSpPr>
-          <a:xfrm>
-            <a:off x="4597400" y="4341168"/>
-            <a:ext cx="889000" cy="230832"/>
-            <a:chOff x="2895600" y="807932"/>
-            <a:chExt cx="889000" cy="230832"/>
-          </a:xfrm>
-        </p:grpSpPr>
-        <p:sp>
-          <p:nvSpPr>
-            <p:cNvPr id="27" name="TextBox 26"/>
-            <p:cNvSpPr txBox="1"/>
-            <p:nvPr/>
-          </p:nvSpPr>
-          <p:spPr>
-            <a:xfrm>
-              <a:off x="2895600" y="807932"/>
-              <a:ext cx="728806" cy="230832"/>
-            </a:xfrm>
-            <a:prstGeom prst="rect">
-              <a:avLst/>
-            </a:prstGeom>
-            <a:noFill/>
-          </p:spPr>
-          <p:txBody>
-            <a:bodyPr wrap="square" lIns="0" tIns="0" rIns="0" bIns="0" rtlCol="0">
-              <a:noAutofit/>
-            </a:bodyPr>
-            <a:lstStyle/>
-            <a:p>
-              <a:pPr algn="r"/>
-              <a:r>
-                <a:rPr lang="en-US" sz="1100" dirty="0">
-                  <a:solidFill>
-                    <a:srgbClr val="0070C0"/>
-                  </a:solidFill>
-                </a:rPr>
-                <a:t>executes</a:t>
-              </a:r>
-              <a:endParaRPr lang="en-SG" sz="1100" dirty="0">
-                <a:solidFill>
-                  <a:srgbClr val="0070C0"/>
-                </a:solidFill>
-              </a:endParaRPr>
-            </a:p>
-          </p:txBody>
-        </p:sp>
-        <p:sp>
-          <p:nvSpPr>
-            <p:cNvPr id="28" name="Isosceles Triangle 27"/>
-            <p:cNvSpPr/>
-            <p:nvPr/>
-          </p:nvSpPr>
-          <p:spPr>
-            <a:xfrm rot="5400000">
-              <a:off x="3683524" y="866776"/>
-              <a:ext cx="125951" cy="76201"/>
-            </a:xfrm>
-            <a:prstGeom prst="triangle">
-              <a:avLst/>
-            </a:prstGeom>
-            <a:solidFill>
-              <a:srgbClr val="0070C0"/>
-            </a:solidFill>
-            <a:ln>
-              <a:noFill/>
-            </a:ln>
-          </p:spPr>
-          <p:style>
-            <a:lnRef idx="2">
-              <a:schemeClr val="accent1">
-                <a:shade val="50000"/>
-              </a:schemeClr>
-            </a:lnRef>
-            <a:fillRef idx="1">
-              <a:schemeClr val="accent1"/>
-            </a:fillRef>
-            <a:effectRef idx="0">
-              <a:schemeClr val="accent1"/>
-            </a:effectRef>
-            <a:fontRef idx="minor">
-              <a:schemeClr val="lt1"/>
-            </a:fontRef>
-          </p:style>
-          <p:txBody>
-            <a:bodyPr rtlCol="0" anchor="ctr"/>
-            <a:lstStyle/>
-            <a:p>
-              <a:pPr algn="ctr"/>
-              <a:endParaRPr lang="en-SG"/>
-            </a:p>
-          </p:txBody>
-        </p:sp>
-      </p:grpSp>
-      <p:grpSp>
-        <p:nvGrpSpPr>
-          <p:cNvPr id="29" name="Group 28"/>
-          <p:cNvGrpSpPr/>
-          <p:nvPr/>
-        </p:nvGrpSpPr>
-        <p:grpSpPr>
-          <a:xfrm>
-            <a:off x="4665110" y="1219200"/>
-            <a:ext cx="868568" cy="230832"/>
-            <a:chOff x="2755838" y="789460"/>
-            <a:chExt cx="868568" cy="230832"/>
-          </a:xfrm>
-        </p:grpSpPr>
-        <p:sp>
-          <p:nvSpPr>
-            <p:cNvPr id="30" name="TextBox 29"/>
-            <p:cNvSpPr txBox="1"/>
-            <p:nvPr/>
-          </p:nvSpPr>
-          <p:spPr>
-            <a:xfrm>
-              <a:off x="2895600" y="789460"/>
-              <a:ext cx="728806" cy="230832"/>
-            </a:xfrm>
-            <a:prstGeom prst="rect">
-              <a:avLst/>
-            </a:prstGeom>
-            <a:noFill/>
-          </p:spPr>
-          <p:txBody>
-            <a:bodyPr wrap="square" lIns="0" tIns="0" rIns="0" bIns="0" rtlCol="0">
-              <a:noAutofit/>
-            </a:bodyPr>
-            <a:lstStyle/>
-            <a:p>
-              <a:r>
-                <a:rPr lang="en-US" sz="1100" dirty="0">
-                  <a:solidFill>
-                    <a:srgbClr val="0070C0"/>
-                  </a:solidFill>
-                </a:rPr>
-                <a:t>produces</a:t>
-              </a:r>
-              <a:endParaRPr lang="en-SG" sz="1100" dirty="0">
-                <a:solidFill>
-                  <a:srgbClr val="0070C0"/>
-                </a:solidFill>
-              </a:endParaRPr>
-            </a:p>
-          </p:txBody>
-        </p:sp>
-        <p:sp>
-          <p:nvSpPr>
-            <p:cNvPr id="31" name="Isosceles Triangle 30"/>
-            <p:cNvSpPr/>
-            <p:nvPr/>
-          </p:nvSpPr>
-          <p:spPr>
-            <a:xfrm rot="16200000" flipH="1">
-              <a:off x="2730963" y="857181"/>
-              <a:ext cx="125951" cy="76201"/>
-            </a:xfrm>
-            <a:prstGeom prst="triangle">
-              <a:avLst/>
-            </a:prstGeom>
-            <a:solidFill>
-              <a:srgbClr val="0070C0"/>
-            </a:solidFill>
-            <a:ln>
-              <a:noFill/>
-            </a:ln>
-          </p:spPr>
-          <p:style>
-            <a:lnRef idx="2">
-              <a:schemeClr val="accent1">
-                <a:shade val="50000"/>
-              </a:schemeClr>
-            </a:lnRef>
-            <a:fillRef idx="1">
-              <a:schemeClr val="accent1"/>
-            </a:fillRef>
-            <a:effectRef idx="0">
-              <a:schemeClr val="accent1"/>
-            </a:effectRef>
-            <a:fontRef idx="minor">
-              <a:schemeClr val="lt1"/>
-            </a:fontRef>
-          </p:style>
-          <p:txBody>
-            <a:bodyPr rtlCol="0" anchor="ctr"/>
-            <a:lstStyle/>
-            <a:p>
-              <a:pPr algn="ctr"/>
-              <a:endParaRPr lang="en-SG"/>
-            </a:p>
-          </p:txBody>
-        </p:sp>
-      </p:grpSp>
-      <p:sp>
-        <p:nvSpPr>
-          <p:cNvPr id="33" name="TextBox 32"/>
-          <p:cNvSpPr txBox="1"/>
-          <p:nvPr/>
-        </p:nvSpPr>
-        <p:spPr>
-          <a:xfrm>
-            <a:off x="3048000" y="3733800"/>
-            <a:ext cx="131116" cy="230832"/>
-          </a:xfrm>
-          <a:prstGeom prst="rect">
-            <a:avLst/>
-          </a:prstGeom>
-          <a:noFill/>
-        </p:spPr>
-        <p:txBody>
-          <a:bodyPr wrap="square" lIns="0" tIns="0" rIns="0" bIns="0" rtlCol="0">
-            <a:noAutofit/>
-          </a:bodyPr>
-          <a:lstStyle/>
-          <a:p>
-            <a:pPr algn="r"/>
-            <a:r>
-              <a:rPr lang="en-US" sz="1100" dirty="0">
-                <a:solidFill>
-                  <a:srgbClr val="0070C0"/>
-                </a:solidFill>
-              </a:rPr>
-              <a:t>1</a:t>
-            </a:r>
-            <a:endParaRPr lang="en-SG" sz="1100" dirty="0">
-              <a:solidFill>
-                <a:srgbClr val="0070C0"/>
-              </a:solidFill>
-            </a:endParaRPr>
-          </a:p>
-        </p:txBody>
-      </p:sp>
-      <p:cxnSp>
-        <p:nvCxnSpPr>
-          <p:cNvPr id="39" name="Elbow Connector 122"/>
-          <p:cNvCxnSpPr/>
-          <p:nvPr/>
-        </p:nvCxnSpPr>
-        <p:spPr>
-          <a:xfrm rot="5400000" flipH="1" flipV="1">
-            <a:off x="1193276" y="2601868"/>
-            <a:ext cx="1969553" cy="2764"/>
-          </a:xfrm>
-          <a:prstGeom prst="bentConnector3">
-            <a:avLst>
-              <a:gd name="adj1" fmla="val 50000"/>
-            </a:avLst>
-          </a:prstGeom>
-          <a:ln w="19050">
-            <a:solidFill>
-              <a:srgbClr val="0070C0"/>
-            </a:solidFill>
-            <a:prstDash val="sysDot"/>
-            <a:headEnd type="none" w="med" len="med"/>
-            <a:tailEnd type="arrow" w="med" len="med"/>
-          </a:ln>
-          <a:effectLst/>
-        </p:spPr>
-        <p:style>
-          <a:lnRef idx="1">
-            <a:schemeClr val="accent2"/>
-          </a:lnRef>
-          <a:fillRef idx="2">
-            <a:schemeClr val="accent2"/>
-          </a:fillRef>
-          <a:effectRef idx="1">
-            <a:schemeClr val="accent2"/>
-          </a:effectRef>
-          <a:fontRef idx="minor">
-            <a:schemeClr val="dk1"/>
-          </a:fontRef>
-        </p:style>
-      </p:cxnSp>
-      <p:sp>
-        <p:nvSpPr>
-          <p:cNvPr id="56" name="Rectangle 62"/>
-          <p:cNvSpPr/>
-          <p:nvPr/>
-        </p:nvSpPr>
-        <p:spPr>
-          <a:xfrm>
-            <a:off x="3174214" y="1862795"/>
-            <a:ext cx="751107" cy="346760"/>
-          </a:xfrm>
-          <a:prstGeom prst="rect">
-            <a:avLst/>
-          </a:prstGeom>
-          <a:solidFill>
-            <a:schemeClr val="accent5">
-              <a:lumMod val="60000"/>
-              <a:lumOff val="40000"/>
-            </a:schemeClr>
-          </a:solidFill>
-          <a:ln w="19050">
-            <a:solidFill>
-              <a:schemeClr val="accent5">
-                <a:lumMod val="60000"/>
-                <a:lumOff val="40000"/>
-              </a:schemeClr>
-            </a:solidFill>
-          </a:ln>
-          <a:effectLst/>
-        </p:spPr>
-        <p:style>
-          <a:lnRef idx="1">
-            <a:schemeClr val="accent2"/>
-          </a:lnRef>
-          <a:fillRef idx="2">
-            <a:schemeClr val="accent2"/>
-          </a:fillRef>
-          <a:effectRef idx="1">
-            <a:schemeClr val="accent2"/>
-          </a:effectRef>
-          <a:fontRef idx="minor">
-            <a:schemeClr val="dk1"/>
-          </a:fontRef>
-        </p:style>
-        <p:txBody>
-          <a:bodyPr rtlCol="0" anchor="ctr"/>
-          <a:lstStyle/>
-          <a:p>
-            <a:pPr algn="ctr"/>
-            <a:r>
-              <a:rPr lang="en-US" sz="1050">
-                <a:solidFill>
-                  <a:schemeClr val="bg1"/>
-                </a:solidFill>
-              </a:rPr>
-              <a:t>Argument</a:t>
-            </a:r>
-            <a:br>
-              <a:rPr lang="en-US" sz="1050">
-                <a:solidFill>
-                  <a:schemeClr val="bg1"/>
-                </a:solidFill>
-              </a:rPr>
-            </a:br>
-            <a:r>
-              <a:rPr lang="en-US" sz="1050">
-                <a:solidFill>
-                  <a:schemeClr val="bg1"/>
-                </a:solidFill>
-              </a:rPr>
-              <a:t>Tokenizer</a:t>
-            </a:r>
-            <a:endParaRPr lang="en-SG" sz="1050" dirty="0">
-              <a:solidFill>
-                <a:schemeClr val="bg1"/>
-              </a:solidFill>
-            </a:endParaRPr>
-          </a:p>
-        </p:txBody>
-      </p:sp>
-      <p:sp>
-        <p:nvSpPr>
-          <p:cNvPr id="58" name="Rectangle 62"/>
-          <p:cNvSpPr/>
-          <p:nvPr/>
-        </p:nvSpPr>
-        <p:spPr>
-          <a:xfrm>
-            <a:off x="2238496" y="2454481"/>
-            <a:ext cx="726243" cy="174580"/>
-          </a:xfrm>
-          <a:prstGeom prst="rect">
-            <a:avLst/>
-          </a:prstGeom>
-          <a:solidFill>
-            <a:schemeClr val="accent5">
-              <a:lumMod val="60000"/>
-              <a:lumOff val="40000"/>
-            </a:schemeClr>
-          </a:solidFill>
-          <a:ln w="19050">
-            <a:solidFill>
-              <a:schemeClr val="accent5">
-                <a:lumMod val="60000"/>
-                <a:lumOff val="40000"/>
-              </a:schemeClr>
-            </a:solidFill>
-          </a:ln>
-          <a:effectLst/>
-        </p:spPr>
-        <p:style>
-          <a:lnRef idx="1">
-            <a:schemeClr val="accent2"/>
-          </a:lnRef>
-          <a:fillRef idx="2">
-            <a:schemeClr val="accent2"/>
-          </a:fillRef>
-          <a:effectRef idx="1">
-            <a:schemeClr val="accent2"/>
-          </a:effectRef>
-          <a:fontRef idx="minor">
-            <a:schemeClr val="dk1"/>
-          </a:fontRef>
-        </p:style>
-        <p:txBody>
-          <a:bodyPr rtlCol="0" anchor="ctr"/>
-          <a:lstStyle/>
-          <a:p>
-            <a:pPr algn="ctr"/>
-            <a:r>
-              <a:rPr lang="en-US" sz="1050" dirty="0">
-                <a:solidFill>
-                  <a:schemeClr val="bg1"/>
-                </a:solidFill>
-              </a:rPr>
-              <a:t>Prefix</a:t>
-            </a:r>
-            <a:endParaRPr lang="en-SG" sz="1050" dirty="0">
-              <a:solidFill>
-                <a:schemeClr val="bg1"/>
-              </a:solidFill>
-            </a:endParaRPr>
-          </a:p>
-        </p:txBody>
-      </p:sp>
-      <p:sp>
-        <p:nvSpPr>
-          <p:cNvPr id="60" name="Rectangle 62"/>
-          <p:cNvSpPr/>
-          <p:nvPr/>
-        </p:nvSpPr>
-        <p:spPr>
-          <a:xfrm>
-            <a:off x="3186326" y="2841725"/>
-            <a:ext cx="731636" cy="283820"/>
-          </a:xfrm>
-          <a:prstGeom prst="rect">
-            <a:avLst/>
-          </a:prstGeom>
-          <a:solidFill>
-            <a:schemeClr val="accent5">
-              <a:lumMod val="60000"/>
-              <a:lumOff val="40000"/>
-            </a:schemeClr>
-          </a:solidFill>
-          <a:ln w="19050">
-            <a:solidFill>
-              <a:schemeClr val="accent5">
-                <a:lumMod val="60000"/>
-                <a:lumOff val="40000"/>
-              </a:schemeClr>
-            </a:solidFill>
-          </a:ln>
-          <a:effectLst/>
-        </p:spPr>
-        <p:style>
-          <a:lnRef idx="1">
-            <a:schemeClr val="accent2"/>
-          </a:lnRef>
-          <a:fillRef idx="2">
-            <a:schemeClr val="accent2"/>
-          </a:fillRef>
-          <a:effectRef idx="1">
-            <a:schemeClr val="accent2"/>
-          </a:effectRef>
-          <a:fontRef idx="minor">
-            <a:schemeClr val="dk1"/>
-          </a:fontRef>
-        </p:style>
-        <p:txBody>
-          <a:bodyPr rtlCol="0" anchor="ctr"/>
-          <a:lstStyle/>
-          <a:p>
-            <a:pPr algn="ctr"/>
-            <a:r>
-              <a:rPr lang="en-SG" sz="1050" dirty="0" err="1">
-                <a:solidFill>
-                  <a:schemeClr val="bg1"/>
-                </a:solidFill>
-              </a:rPr>
-              <a:t>CliSyntax</a:t>
-            </a:r>
-            <a:endParaRPr lang="en-SG" sz="1050" dirty="0">
-              <a:solidFill>
-                <a:schemeClr val="bg1"/>
-              </a:solidFill>
-            </a:endParaRPr>
-          </a:p>
-        </p:txBody>
-      </p:sp>
-      <p:sp>
-        <p:nvSpPr>
-          <p:cNvPr id="62" name="Rectangle 62"/>
-          <p:cNvSpPr/>
-          <p:nvPr/>
-        </p:nvSpPr>
-        <p:spPr>
-          <a:xfrm>
-            <a:off x="3186326" y="3190882"/>
-            <a:ext cx="731636" cy="283820"/>
-          </a:xfrm>
-          <a:prstGeom prst="rect">
-            <a:avLst/>
-          </a:prstGeom>
-          <a:solidFill>
-            <a:schemeClr val="accent5">
-              <a:lumMod val="60000"/>
-              <a:lumOff val="40000"/>
-            </a:schemeClr>
-          </a:solidFill>
-          <a:ln w="19050">
-            <a:solidFill>
-              <a:schemeClr val="accent5">
-                <a:lumMod val="60000"/>
-                <a:lumOff val="40000"/>
-              </a:schemeClr>
-            </a:solidFill>
-          </a:ln>
-          <a:effectLst/>
-        </p:spPr>
-        <p:style>
-          <a:lnRef idx="1">
-            <a:schemeClr val="accent2"/>
-          </a:lnRef>
-          <a:fillRef idx="2">
-            <a:schemeClr val="accent2"/>
-          </a:fillRef>
-          <a:effectRef idx="1">
-            <a:schemeClr val="accent2"/>
-          </a:effectRef>
-          <a:fontRef idx="minor">
-            <a:schemeClr val="dk1"/>
-          </a:fontRef>
-        </p:style>
-        <p:txBody>
-          <a:bodyPr rtlCol="0" anchor="ctr"/>
-          <a:lstStyle/>
-          <a:p>
-            <a:pPr algn="ctr"/>
-            <a:r>
-              <a:rPr lang="en-SG" sz="1050" dirty="0" err="1">
-                <a:solidFill>
-                  <a:schemeClr val="bg1"/>
-                </a:solidFill>
-              </a:rPr>
-              <a:t>ParserUtil</a:t>
-            </a:r>
-            <a:endParaRPr lang="en-SG" sz="1050" dirty="0">
-              <a:solidFill>
-                <a:schemeClr val="bg1"/>
-              </a:solidFill>
-            </a:endParaRPr>
-          </a:p>
-        </p:txBody>
-      </p:sp>
-      <p:cxnSp>
-        <p:nvCxnSpPr>
-          <p:cNvPr id="13" name="Elbow Connector 12"/>
-          <p:cNvCxnSpPr>
-            <a:cxnSpLocks/>
-            <a:stCxn id="60" idx="1"/>
-            <a:endCxn id="58" idx="2"/>
-          </p:cNvCxnSpPr>
-          <p:nvPr/>
-        </p:nvCxnSpPr>
-        <p:spPr>
-          <a:xfrm rot="10800000">
-            <a:off x="2601618" y="2629061"/>
-            <a:ext cx="584708" cy="354574"/>
-          </a:xfrm>
-          <a:prstGeom prst="bentConnector2">
-            <a:avLst/>
-          </a:prstGeom>
-          <a:ln w="19050">
-            <a:solidFill>
-              <a:schemeClr val="accent5">
-                <a:lumMod val="60000"/>
-                <a:lumOff val="40000"/>
-              </a:schemeClr>
-            </a:solidFill>
-            <a:prstDash val="sysDot"/>
-            <a:headEnd type="none" w="med" len="med"/>
-            <a:tailEnd type="arrow" w="med" len="med"/>
-          </a:ln>
-          <a:effectLst/>
-        </p:spPr>
-        <p:style>
-          <a:lnRef idx="1">
-            <a:schemeClr val="accent2"/>
-          </a:lnRef>
-          <a:fillRef idx="2">
-            <a:schemeClr val="accent2"/>
-          </a:fillRef>
-          <a:effectRef idx="1">
-            <a:schemeClr val="accent2"/>
-          </a:effectRef>
-          <a:fontRef idx="minor">
-            <a:schemeClr val="dk1"/>
-          </a:fontRef>
-        </p:style>
-      </p:cxnSp>
-      <p:cxnSp>
-        <p:nvCxnSpPr>
-          <p:cNvPr id="50" name="Elbow Connector 49"/>
-          <p:cNvCxnSpPr>
-            <a:cxnSpLocks/>
-            <a:stCxn id="56" idx="1"/>
-            <a:endCxn id="58" idx="0"/>
-          </p:cNvCxnSpPr>
-          <p:nvPr/>
-        </p:nvCxnSpPr>
-        <p:spPr>
-          <a:xfrm rot="10800000" flipV="1">
-            <a:off x="2601618" y="2036175"/>
-            <a:ext cx="572596" cy="418306"/>
-          </a:xfrm>
-          <a:prstGeom prst="bentConnector2">
-            <a:avLst/>
-          </a:prstGeom>
-          <a:ln w="19050">
-            <a:solidFill>
-              <a:schemeClr val="accent5">
-                <a:lumMod val="60000"/>
-                <a:lumOff val="40000"/>
-              </a:schemeClr>
-            </a:solidFill>
-            <a:prstDash val="sysDot"/>
-            <a:headEnd type="none" w="med" len="med"/>
-            <a:tailEnd type="arrow" w="med" len="med"/>
-          </a:ln>
-          <a:effectLst/>
-        </p:spPr>
-        <p:style>
-          <a:lnRef idx="1">
-            <a:schemeClr val="accent2"/>
-          </a:lnRef>
-          <a:fillRef idx="2">
-            <a:schemeClr val="accent2"/>
-          </a:fillRef>
-          <a:effectRef idx="1">
-            <a:schemeClr val="accent2"/>
-          </a:effectRef>
-          <a:fontRef idx="minor">
-            <a:schemeClr val="dk1"/>
-          </a:fontRef>
-        </p:style>
-      </p:cxnSp>
-      <p:grpSp>
-        <p:nvGrpSpPr>
-          <p:cNvPr id="68" name="Group 67"/>
-          <p:cNvGrpSpPr/>
-          <p:nvPr/>
-        </p:nvGrpSpPr>
-        <p:grpSpPr>
-          <a:xfrm rot="10800000">
-            <a:off x="4687086" y="3784757"/>
-            <a:ext cx="555486" cy="254462"/>
-            <a:chOff x="3703306" y="644022"/>
-            <a:chExt cx="555486" cy="230832"/>
-          </a:xfrm>
-        </p:grpSpPr>
-        <p:sp>
-          <p:nvSpPr>
-            <p:cNvPr id="69" name="TextBox 68"/>
-            <p:cNvSpPr txBox="1"/>
-            <p:nvPr/>
-          </p:nvSpPr>
-          <p:spPr>
-            <a:xfrm rot="10800000">
-              <a:off x="3703306" y="644022"/>
-              <a:ext cx="555486" cy="230832"/>
-            </a:xfrm>
-            <a:prstGeom prst="rect">
-              <a:avLst/>
-            </a:prstGeom>
-            <a:noFill/>
-          </p:spPr>
-          <p:txBody>
-            <a:bodyPr wrap="square" lIns="0" tIns="0" rIns="0" bIns="0" rtlCol="0">
-              <a:noAutofit/>
-            </a:bodyPr>
-            <a:lstStyle/>
-            <a:p>
-              <a:r>
-                <a:rPr lang="en-US" sz="1100" dirty="0">
-                  <a:solidFill>
-                    <a:schemeClr val="accent5">
-                      <a:lumMod val="75000"/>
-                    </a:schemeClr>
-                  </a:solidFill>
-                </a:rPr>
-                <a:t>creates</a:t>
-              </a:r>
-              <a:endParaRPr lang="en-SG" sz="1100" dirty="0">
-                <a:solidFill>
-                  <a:schemeClr val="accent5">
-                    <a:lumMod val="75000"/>
-                  </a:schemeClr>
-                </a:solidFill>
-              </a:endParaRPr>
-            </a:p>
-          </p:txBody>
-        </p:sp>
-        <p:sp>
-          <p:nvSpPr>
-            <p:cNvPr id="70" name="Isosceles Triangle 69"/>
-            <p:cNvSpPr/>
-            <p:nvPr/>
-          </p:nvSpPr>
-          <p:spPr>
-            <a:xfrm rot="5400000" flipV="1">
-              <a:off x="3700294" y="741689"/>
-              <a:ext cx="119885" cy="88141"/>
-            </a:xfrm>
-            <a:prstGeom prst="triangle">
-              <a:avLst/>
-            </a:prstGeom>
-            <a:solidFill>
-              <a:schemeClr val="accent5">
-                <a:lumMod val="75000"/>
-              </a:schemeClr>
-            </a:solidFill>
-            <a:ln>
-              <a:noFill/>
-            </a:ln>
-          </p:spPr>
-          <p:style>
-            <a:lnRef idx="2">
-              <a:schemeClr val="accent1">
-                <a:shade val="50000"/>
-              </a:schemeClr>
-            </a:lnRef>
-            <a:fillRef idx="1">
-              <a:schemeClr val="accent1"/>
-            </a:fillRef>
-            <a:effectRef idx="0">
-              <a:schemeClr val="accent1"/>
-            </a:effectRef>
-            <a:fontRef idx="minor">
-              <a:schemeClr val="lt1"/>
-            </a:fontRef>
-          </p:style>
-          <p:txBody>
-            <a:bodyPr rtlCol="0" anchor="ctr"/>
-            <a:lstStyle/>
-            <a:p>
-              <a:pPr algn="ctr"/>
-              <a:endParaRPr lang="en-SG"/>
-            </a:p>
-          </p:txBody>
-        </p:sp>
-      </p:grpSp>
-      <p:sp>
-        <p:nvSpPr>
-          <p:cNvPr id="87" name="Isosceles Triangle 102"/>
-          <p:cNvSpPr/>
-          <p:nvPr/>
-        </p:nvSpPr>
-        <p:spPr>
-          <a:xfrm flipV="1">
-            <a:off x="7227643" y="3980475"/>
-            <a:ext cx="270504" cy="175523"/>
-          </a:xfrm>
-          <a:prstGeom prst="triangle">
-            <a:avLst/>
-          </a:prstGeom>
-          <a:solidFill>
-            <a:schemeClr val="tx2">
-              <a:lumMod val="60000"/>
-              <a:lumOff val="40000"/>
-            </a:schemeClr>
-          </a:solidFill>
-          <a:ln w="19050">
-            <a:solidFill>
-              <a:srgbClr val="0070C0"/>
-            </a:solidFill>
-          </a:ln>
-          <a:effectLst/>
-        </p:spPr>
-        <p:style>
-          <a:lnRef idx="1">
-            <a:schemeClr val="accent1"/>
-          </a:lnRef>
-          <a:fillRef idx="2">
-            <a:schemeClr val="accent1"/>
-          </a:fillRef>
-          <a:effectRef idx="1">
-            <a:schemeClr val="accent1"/>
-          </a:effectRef>
-          <a:fontRef idx="minor">
-            <a:schemeClr val="dk1"/>
-          </a:fontRef>
-        </p:style>
-        <p:txBody>
-          <a:bodyPr rtlCol="0" anchor="ctr"/>
-          <a:lstStyle/>
-          <a:p>
-            <a:pPr algn="ctr"/>
-            <a:endParaRPr lang="en-SG" sz="1050" b="1">
-              <a:solidFill>
-                <a:srgbClr val="92D050"/>
-              </a:solidFill>
-            </a:endParaRPr>
-          </a:p>
-        </p:txBody>
-      </p:sp>
-      <p:cxnSp>
-        <p:nvCxnSpPr>
-          <p:cNvPr id="96" name="Elbow Connector 95"/>
-          <p:cNvCxnSpPr>
-            <a:stCxn id="87" idx="3"/>
-            <a:endCxn id="4" idx="2"/>
-          </p:cNvCxnSpPr>
-          <p:nvPr/>
-        </p:nvCxnSpPr>
-        <p:spPr>
-          <a:xfrm rot="5400000" flipH="1" flipV="1">
-            <a:off x="6916385" y="3533423"/>
-            <a:ext cx="893563" cy="542"/>
-          </a:xfrm>
-          <a:prstGeom prst="bentConnector3">
-            <a:avLst>
-              <a:gd name="adj1" fmla="val 50000"/>
-            </a:avLst>
-          </a:prstGeom>
-          <a:ln w="19050">
-            <a:headEnd type="none" w="med" len="med"/>
-            <a:tailEnd type="none" w="med" len="med"/>
-          </a:ln>
-        </p:spPr>
-        <p:style>
-          <a:lnRef idx="1">
-            <a:schemeClr val="accent1"/>
-          </a:lnRef>
-          <a:fillRef idx="0">
-            <a:schemeClr val="accent1"/>
-          </a:fillRef>
-          <a:effectRef idx="0">
-            <a:schemeClr val="accent1"/>
-          </a:effectRef>
-          <a:fontRef idx="minor">
-            <a:schemeClr val="tx1"/>
-          </a:fontRef>
-        </p:style>
-      </p:cxnSp>
-      <p:cxnSp>
-        <p:nvCxnSpPr>
-          <p:cNvPr id="122" name="Elbow Connector 63"/>
-          <p:cNvCxnSpPr>
-            <a:cxnSpLocks/>
-            <a:stCxn id="42" idx="1"/>
-            <a:endCxn id="4" idx="3"/>
-          </p:cNvCxnSpPr>
-          <p:nvPr/>
-        </p:nvCxnSpPr>
-        <p:spPr>
-          <a:xfrm flipV="1">
-            <a:off x="6066328" y="2913532"/>
-            <a:ext cx="811946" cy="659"/>
-          </a:xfrm>
-          <a:prstGeom prst="bentConnector3">
-            <a:avLst>
-              <a:gd name="adj1" fmla="val 50000"/>
-            </a:avLst>
-          </a:prstGeom>
-          <a:ln w="19050">
-            <a:solidFill>
-              <a:schemeClr val="accent5">
-                <a:lumMod val="75000"/>
-              </a:schemeClr>
-            </a:solidFill>
-            <a:prstDash val="sysDot"/>
-            <a:headEnd type="none" w="med" len="med"/>
-            <a:tailEnd type="arrow" w="med" len="med"/>
-          </a:ln>
-          <a:effectLst/>
-        </p:spPr>
-        <p:style>
-          <a:lnRef idx="1">
-            <a:schemeClr val="accent2"/>
-          </a:lnRef>
-          <a:fillRef idx="2">
-            <a:schemeClr val="accent2"/>
-          </a:fillRef>
-          <a:effectRef idx="1">
-            <a:schemeClr val="accent2"/>
-          </a:effectRef>
-          <a:fontRef idx="minor">
-            <a:schemeClr val="dk1"/>
-          </a:fontRef>
-        </p:style>
-      </p:cxnSp>
-      <p:sp>
-        <p:nvSpPr>
-          <p:cNvPr id="109" name="Rectangle 62"/>
-          <p:cNvSpPr/>
-          <p:nvPr/>
-        </p:nvSpPr>
-        <p:spPr>
-          <a:xfrm>
-            <a:off x="3174214" y="2370131"/>
-            <a:ext cx="750156" cy="340758"/>
-          </a:xfrm>
-          <a:prstGeom prst="rect">
-            <a:avLst/>
-          </a:prstGeom>
-          <a:solidFill>
-            <a:schemeClr val="accent5">
-              <a:lumMod val="60000"/>
-              <a:lumOff val="40000"/>
-            </a:schemeClr>
-          </a:solidFill>
-          <a:ln w="19050">
-            <a:solidFill>
-              <a:schemeClr val="accent5">
-                <a:lumMod val="60000"/>
-                <a:lumOff val="40000"/>
-              </a:schemeClr>
-            </a:solidFill>
-          </a:ln>
-          <a:effectLst/>
-        </p:spPr>
-        <p:style>
-          <a:lnRef idx="1">
-            <a:schemeClr val="accent2"/>
-          </a:lnRef>
-          <a:fillRef idx="2">
-            <a:schemeClr val="accent2"/>
-          </a:fillRef>
-          <a:effectRef idx="1">
-            <a:schemeClr val="accent2"/>
-          </a:effectRef>
-          <a:fontRef idx="minor">
-            <a:schemeClr val="dk1"/>
-          </a:fontRef>
-        </p:style>
-        <p:txBody>
-          <a:bodyPr rtlCol="0" anchor="ctr"/>
-          <a:lstStyle/>
-          <a:p>
-            <a:pPr algn="ctr"/>
-            <a:r>
-              <a:rPr lang="en-SG" sz="1050" dirty="0">
-                <a:solidFill>
-                  <a:schemeClr val="bg1"/>
-                </a:solidFill>
-              </a:rPr>
-              <a:t>Argument</a:t>
-            </a:r>
-            <a:br>
-              <a:rPr lang="en-SG" sz="1050" dirty="0">
-                <a:solidFill>
-                  <a:schemeClr val="bg1"/>
-                </a:solidFill>
-              </a:rPr>
-            </a:br>
-            <a:r>
-              <a:rPr lang="en-SG" sz="1050" dirty="0">
-                <a:solidFill>
-                  <a:schemeClr val="bg1"/>
-                </a:solidFill>
-              </a:rPr>
-              <a:t>Multimap</a:t>
-            </a:r>
-          </a:p>
-        </p:txBody>
-      </p:sp>
-      <p:cxnSp>
-        <p:nvCxnSpPr>
-          <p:cNvPr id="112" name="Elbow Connector 12"/>
-          <p:cNvCxnSpPr>
-            <a:cxnSpLocks/>
-            <a:stCxn id="109" idx="1"/>
-            <a:endCxn id="58" idx="3"/>
-          </p:cNvCxnSpPr>
-          <p:nvPr/>
-        </p:nvCxnSpPr>
-        <p:spPr>
-          <a:xfrm rot="10800000" flipV="1">
-            <a:off x="2964740" y="2540509"/>
-            <a:ext cx="209475" cy="1261"/>
-          </a:xfrm>
-          <a:prstGeom prst="bentConnector3">
-            <a:avLst>
-              <a:gd name="adj1" fmla="val 50000"/>
-            </a:avLst>
-          </a:prstGeom>
-          <a:ln w="19050">
-            <a:solidFill>
-              <a:schemeClr val="accent5">
-                <a:lumMod val="60000"/>
-                <a:lumOff val="40000"/>
-              </a:schemeClr>
-            </a:solidFill>
-            <a:prstDash val="sysDot"/>
-            <a:headEnd type="none" w="med" len="med"/>
-            <a:tailEnd type="arrow" w="med" len="med"/>
-          </a:ln>
-          <a:effectLst/>
-        </p:spPr>
-        <p:style>
-          <a:lnRef idx="1">
-            <a:schemeClr val="accent2"/>
-          </a:lnRef>
-          <a:fillRef idx="2">
-            <a:schemeClr val="accent2"/>
-          </a:fillRef>
-          <a:effectRef idx="1">
-            <a:schemeClr val="accent2"/>
-          </a:effectRef>
-          <a:fontRef idx="minor">
-            <a:schemeClr val="dk1"/>
-          </a:fontRef>
-        </p:style>
-      </p:cxnSp>
-      <p:cxnSp>
-        <p:nvCxnSpPr>
-          <p:cNvPr id="118" name="Elbow Connector 49"/>
-          <p:cNvCxnSpPr>
-            <a:cxnSpLocks/>
-            <a:stCxn id="56" idx="2"/>
-            <a:endCxn id="109" idx="0"/>
-          </p:cNvCxnSpPr>
-          <p:nvPr/>
-        </p:nvCxnSpPr>
-        <p:spPr>
-          <a:xfrm rot="5400000">
-            <a:off x="3469242" y="2289605"/>
-            <a:ext cx="160576" cy="476"/>
-          </a:xfrm>
-          <a:prstGeom prst="bentConnector3">
-            <a:avLst>
-              <a:gd name="adj1" fmla="val 50000"/>
-            </a:avLst>
-          </a:prstGeom>
-          <a:ln w="19050">
-            <a:solidFill>
-              <a:schemeClr val="accent5">
-                <a:lumMod val="60000"/>
-                <a:lumOff val="40000"/>
-              </a:schemeClr>
-            </a:solidFill>
-            <a:prstDash val="sysDot"/>
-            <a:headEnd type="none" w="med" len="med"/>
-            <a:tailEnd type="arrow" w="med" len="med"/>
-          </a:ln>
-          <a:effectLst/>
-        </p:spPr>
-        <p:style>
-          <a:lnRef idx="1">
-            <a:schemeClr val="accent2"/>
-          </a:lnRef>
-          <a:fillRef idx="2">
-            <a:schemeClr val="accent2"/>
-          </a:fillRef>
-          <a:effectRef idx="1">
-            <a:schemeClr val="accent2"/>
-          </a:effectRef>
-          <a:fontRef idx="minor">
-            <a:schemeClr val="dk1"/>
-          </a:fontRef>
-        </p:style>
-      </p:cxnSp>
-      <p:sp>
-        <p:nvSpPr>
-          <p:cNvPr id="86" name="Rectangle 62"/>
-          <p:cNvSpPr/>
-          <p:nvPr/>
-        </p:nvSpPr>
-        <p:spPr>
-          <a:xfrm>
-            <a:off x="1295065" y="4183424"/>
-            <a:ext cx="805984" cy="346760"/>
-          </a:xfrm>
-          <a:prstGeom prst="rect">
-            <a:avLst/>
-          </a:prstGeom>
-          <a:solidFill>
-            <a:srgbClr val="0070C0"/>
-          </a:solidFill>
-          <a:ln w="19050">
-            <a:solidFill>
-              <a:srgbClr val="0070C0"/>
-            </a:solidFill>
-          </a:ln>
-          <a:effectLst/>
-        </p:spPr>
-        <p:style>
-          <a:lnRef idx="1">
-            <a:schemeClr val="accent2"/>
-          </a:lnRef>
-          <a:fillRef idx="2">
-            <a:schemeClr val="accent2"/>
-          </a:fillRef>
-          <a:effectRef idx="1">
-            <a:schemeClr val="accent2"/>
-          </a:effectRef>
-          <a:fontRef idx="minor">
-            <a:schemeClr val="dk1"/>
-          </a:fontRef>
-        </p:style>
-        <p:txBody>
-          <a:bodyPr rtlCol="0" anchor="ctr"/>
-          <a:lstStyle/>
-          <a:p>
-            <a:pPr algn="ctr"/>
-            <a:r>
-              <a:rPr lang="en-US" sz="1050">
-                <a:solidFill>
-                  <a:schemeClr val="bg1"/>
-                </a:solidFill>
-              </a:rPr>
-              <a:t>Command</a:t>
-            </a:r>
-          </a:p>
-          <a:p>
-            <a:pPr algn="ctr"/>
-            <a:r>
-              <a:rPr lang="en-US" sz="1050" dirty="0">
-                <a:solidFill>
-                  <a:schemeClr val="bg1"/>
-                </a:solidFill>
-              </a:rPr>
-              <a:t>History</a:t>
-            </a:r>
-            <a:endParaRPr lang="en-SG" sz="1050" dirty="0">
-              <a:solidFill>
-                <a:schemeClr val="bg1"/>
-              </a:solidFill>
-            </a:endParaRPr>
-          </a:p>
-        </p:txBody>
-      </p:sp>
-      <p:cxnSp>
-        <p:nvCxnSpPr>
-          <p:cNvPr id="88" name="Straight Arrow Connector 57"/>
-          <p:cNvCxnSpPr/>
-          <p:nvPr/>
-        </p:nvCxnSpPr>
-        <p:spPr>
-          <a:xfrm>
-            <a:off x="1971157" y="3939492"/>
-            <a:ext cx="2022" cy="240622"/>
-          </a:xfrm>
-          <a:prstGeom prst="straightConnector1">
-            <a:avLst/>
-          </a:prstGeom>
-          <a:ln w="19050">
-            <a:solidFill>
-              <a:srgbClr val="0070C0"/>
-            </a:solidFill>
-            <a:headEnd type="none" w="med" len="med"/>
-            <a:tailEnd type="arrow" w="med" len="med"/>
-          </a:ln>
-          <a:effectLst/>
-        </p:spPr>
-        <p:style>
-          <a:lnRef idx="1">
-            <a:schemeClr val="accent2"/>
-          </a:lnRef>
-          <a:fillRef idx="2">
-            <a:schemeClr val="accent2"/>
-          </a:fillRef>
-          <a:effectRef idx="1">
-            <a:schemeClr val="accent2"/>
-          </a:effectRef>
-          <a:fontRef idx="minor">
-            <a:schemeClr val="dk1"/>
-          </a:fontRef>
-        </p:style>
-      </p:cxnSp>
-      <p:sp>
-        <p:nvSpPr>
-          <p:cNvPr id="91" name="TextBox 90"/>
-          <p:cNvSpPr txBox="1"/>
-          <p:nvPr/>
-        </p:nvSpPr>
-        <p:spPr>
-          <a:xfrm>
-            <a:off x="1773980" y="4000395"/>
-            <a:ext cx="131116" cy="230832"/>
-          </a:xfrm>
-          <a:prstGeom prst="rect">
-            <a:avLst/>
-          </a:prstGeom>
-          <a:noFill/>
-        </p:spPr>
-        <p:txBody>
-          <a:bodyPr wrap="square" lIns="0" tIns="0" rIns="0" bIns="0" rtlCol="0">
-            <a:noAutofit/>
-          </a:bodyPr>
-          <a:lstStyle/>
-          <a:p>
-            <a:pPr algn="r"/>
-            <a:r>
-              <a:rPr lang="en-US" sz="1100" dirty="0">
-                <a:solidFill>
-                  <a:srgbClr val="0070C0"/>
-                </a:solidFill>
-              </a:rPr>
-              <a:t>1</a:t>
-            </a:r>
-            <a:endParaRPr lang="en-SG" sz="1100" dirty="0">
-              <a:solidFill>
-                <a:srgbClr val="0070C0"/>
-              </a:solidFill>
-            </a:endParaRPr>
-          </a:p>
-        </p:txBody>
-      </p:sp>
-      <p:sp>
-        <p:nvSpPr>
-          <p:cNvPr id="97" name="Rectangle 96">
-            <a:extLst>
-              <a:ext uri="{FF2B5EF4-FFF2-40B4-BE49-F238E27FC236}">
-                <a16:creationId xmlns:a16="http://schemas.microsoft.com/office/drawing/2014/main" id="{AADE6A0C-89AB-467B-8CEA-5FCF36CE0D21}"/>
-              </a:ext>
-            </a:extLst>
-          </p:cNvPr>
-          <p:cNvSpPr/>
-          <p:nvPr/>
-        </p:nvSpPr>
-        <p:spPr>
-          <a:xfrm flipH="1">
-            <a:off x="5067626" y="1981200"/>
-            <a:ext cx="998702" cy="346760"/>
-          </a:xfrm>
-          <a:prstGeom prst="rect">
-            <a:avLst/>
-          </a:prstGeom>
-          <a:solidFill>
-            <a:schemeClr val="accent5"/>
-          </a:solidFill>
-          <a:ln/>
-          <a:effectLst/>
-        </p:spPr>
-        <p:style>
-          <a:lnRef idx="1">
-            <a:schemeClr val="accent5"/>
-          </a:lnRef>
-          <a:fillRef idx="2">
-            <a:schemeClr val="accent5"/>
-          </a:fillRef>
-          <a:effectRef idx="1">
-            <a:schemeClr val="accent5"/>
-          </a:effectRef>
-          <a:fontRef idx="minor">
-            <a:schemeClr val="dk1"/>
-          </a:fontRef>
-        </p:style>
-        <p:txBody>
-          <a:bodyPr rtlCol="0" anchor="ctr"/>
-          <a:lstStyle/>
-          <a:p>
-            <a:pPr algn="ctr"/>
-            <a:r>
-              <a:rPr lang="en-US" sz="1050" b="1" dirty="0">
-                <a:solidFill>
-                  <a:schemeClr val="bg1"/>
-                </a:solidFill>
-              </a:rPr>
-              <a:t>&lt;&lt;interface&gt;&gt;</a:t>
-            </a:r>
-          </a:p>
-          <a:p>
-            <a:pPr algn="ctr"/>
-            <a:r>
-              <a:rPr lang="en-US" sz="1050" b="1" dirty="0">
-                <a:solidFill>
-                  <a:schemeClr val="bg1"/>
-                </a:solidFill>
-              </a:rPr>
-              <a:t>Parser</a:t>
-            </a:r>
-            <a:endParaRPr lang="en-SG" sz="1050" b="1" dirty="0">
-              <a:solidFill>
-                <a:schemeClr val="bg1"/>
-              </a:solidFill>
-            </a:endParaRPr>
-          </a:p>
-        </p:txBody>
-      </p:sp>
-      <p:sp>
-        <p:nvSpPr>
-          <p:cNvPr id="75" name="Isosceles Triangle 102"/>
-          <p:cNvSpPr/>
-          <p:nvPr/>
-        </p:nvSpPr>
-        <p:spPr>
-          <a:xfrm flipH="1">
-            <a:off x="5431725" y="2327960"/>
-            <a:ext cx="270504" cy="175523"/>
-          </a:xfrm>
-          <a:prstGeom prst="triangle">
-            <a:avLst/>
-          </a:prstGeom>
-          <a:ln w="12700"/>
-        </p:spPr>
-        <p:style>
-          <a:lnRef idx="2">
-            <a:schemeClr val="accent5">
-              <a:shade val="50000"/>
-            </a:schemeClr>
-          </a:lnRef>
-          <a:fillRef idx="1">
-            <a:schemeClr val="accent5"/>
-          </a:fillRef>
-          <a:effectRef idx="0">
-            <a:schemeClr val="accent5"/>
-          </a:effectRef>
-          <a:fontRef idx="minor">
-            <a:schemeClr val="lt1"/>
-          </a:fontRef>
-        </p:style>
-        <p:txBody>
-          <a:bodyPr rtlCol="0" anchor="ctr"/>
-          <a:lstStyle/>
-          <a:p>
-            <a:pPr algn="ctr"/>
-            <a:endParaRPr lang="en-SG" sz="1050" b="1">
-              <a:solidFill>
-                <a:srgbClr val="92D050"/>
-              </a:solidFill>
-            </a:endParaRPr>
-          </a:p>
-        </p:txBody>
-      </p:sp>
-      <p:grpSp>
-        <p:nvGrpSpPr>
-          <p:cNvPr id="85" name="Group 84"/>
-          <p:cNvGrpSpPr/>
-          <p:nvPr/>
-        </p:nvGrpSpPr>
-        <p:grpSpPr>
-          <a:xfrm rot="5400000">
-            <a:off x="6371505" y="2788428"/>
-            <a:ext cx="222304" cy="598286"/>
-            <a:chOff x="3965759" y="592436"/>
-            <a:chExt cx="254462" cy="503902"/>
-          </a:xfrm>
-        </p:grpSpPr>
-        <p:sp>
-          <p:nvSpPr>
-            <p:cNvPr id="89" name="TextBox 88"/>
-            <p:cNvSpPr txBox="1"/>
-            <p:nvPr/>
-          </p:nvSpPr>
-          <p:spPr>
-            <a:xfrm rot="16200000">
-              <a:off x="3841039" y="717156"/>
-              <a:ext cx="503902" cy="254462"/>
-            </a:xfrm>
-            <a:prstGeom prst="rect">
-              <a:avLst/>
-            </a:prstGeom>
-            <a:noFill/>
-          </p:spPr>
-          <p:txBody>
-            <a:bodyPr wrap="square" lIns="0" tIns="0" rIns="0" bIns="0" rtlCol="0">
-              <a:noAutofit/>
-            </a:bodyPr>
-            <a:lstStyle/>
-            <a:p>
-              <a:r>
-                <a:rPr lang="en-US" sz="1100" dirty="0">
-                  <a:solidFill>
-                    <a:schemeClr val="accent5">
-                      <a:lumMod val="75000"/>
-                    </a:schemeClr>
-                  </a:solidFill>
-                </a:rPr>
-                <a:t>creates</a:t>
-              </a:r>
-              <a:endParaRPr lang="en-SG" sz="1100" dirty="0">
-                <a:solidFill>
-                  <a:schemeClr val="accent5">
-                    <a:lumMod val="75000"/>
-                  </a:schemeClr>
-                </a:solidFill>
-              </a:endParaRPr>
-            </a:p>
-          </p:txBody>
-        </p:sp>
-        <p:sp>
-          <p:nvSpPr>
-            <p:cNvPr id="92" name="Isosceles Triangle 91"/>
-            <p:cNvSpPr/>
-            <p:nvPr/>
-          </p:nvSpPr>
-          <p:spPr>
-            <a:xfrm rot="10800000" flipV="1">
-              <a:off x="3995991" y="631624"/>
-              <a:ext cx="132157" cy="79956"/>
-            </a:xfrm>
-            <a:prstGeom prst="triangle">
-              <a:avLst/>
-            </a:prstGeom>
-            <a:solidFill>
-              <a:schemeClr val="accent5">
-                <a:lumMod val="75000"/>
-              </a:schemeClr>
-            </a:solidFill>
-            <a:ln>
-              <a:noFill/>
-            </a:ln>
-          </p:spPr>
-          <p:style>
-            <a:lnRef idx="2">
-              <a:schemeClr val="accent1">
-                <a:shade val="50000"/>
-              </a:schemeClr>
-            </a:lnRef>
-            <a:fillRef idx="1">
-              <a:schemeClr val="accent1"/>
-            </a:fillRef>
-            <a:effectRef idx="0">
-              <a:schemeClr val="accent1"/>
-            </a:effectRef>
-            <a:fontRef idx="minor">
-              <a:schemeClr val="lt1"/>
-            </a:fontRef>
-          </p:style>
-          <p:txBody>
-            <a:bodyPr rtlCol="0" anchor="ctr"/>
-            <a:lstStyle/>
-            <a:p>
-              <a:pPr algn="ctr"/>
-              <a:endParaRPr lang="en-SG"/>
-            </a:p>
-          </p:txBody>
-        </p:sp>
-      </p:grpSp>
-      <p:cxnSp>
-        <p:nvCxnSpPr>
-          <p:cNvPr id="95" name="Straight Connector 94"/>
-          <p:cNvCxnSpPr/>
-          <p:nvPr/>
-        </p:nvCxnSpPr>
-        <p:spPr>
-          <a:xfrm>
-            <a:off x="2893971" y="3687139"/>
-            <a:ext cx="361447" cy="0"/>
-          </a:xfrm>
-          <a:prstGeom prst="line">
-            <a:avLst/>
-          </a:prstGeom>
-          <a:ln w="19050">
-            <a:solidFill>
-              <a:srgbClr val="0070C0"/>
-            </a:solidFill>
-            <a:prstDash val="solid"/>
-            <a:headEnd type="none" w="med" len="med"/>
-            <a:tailEnd type="arrow" w="med" len="med"/>
-          </a:ln>
-          <a:effectLst/>
-        </p:spPr>
-        <p:style>
-          <a:lnRef idx="1">
-            <a:schemeClr val="accent2"/>
-          </a:lnRef>
-          <a:fillRef idx="2">
-            <a:schemeClr val="accent2"/>
-          </a:fillRef>
-          <a:effectRef idx="1">
-            <a:schemeClr val="accent2"/>
-          </a:effectRef>
-          <a:fontRef idx="minor">
-            <a:schemeClr val="dk1"/>
-          </a:fontRef>
-        </p:style>
-      </p:cxnSp>
-      <p:sp>
-        <p:nvSpPr>
-          <p:cNvPr id="42" name="Rectangle 11"/>
-          <p:cNvSpPr/>
-          <p:nvPr/>
-        </p:nvSpPr>
-        <p:spPr>
-          <a:xfrm flipH="1">
-            <a:off x="5074342" y="2740811"/>
-            <a:ext cx="991986" cy="346760"/>
-          </a:xfrm>
-          <a:prstGeom prst="rect">
-            <a:avLst/>
-          </a:prstGeom>
-          <a:solidFill>
-            <a:schemeClr val="accent5">
-              <a:alpha val="81000"/>
-            </a:schemeClr>
-          </a:solidFill>
-          <a:ln/>
-          <a:effectLst/>
-        </p:spPr>
-        <p:style>
-          <a:lnRef idx="1">
-            <a:schemeClr val="accent5"/>
-          </a:lnRef>
-          <a:fillRef idx="2">
-            <a:schemeClr val="accent5"/>
-          </a:fillRef>
-          <a:effectRef idx="1">
-            <a:schemeClr val="accent5"/>
-          </a:effectRef>
-          <a:fontRef idx="minor">
-            <a:schemeClr val="dk1"/>
-          </a:fontRef>
-        </p:style>
-        <p:txBody>
-          <a:bodyPr rtlCol="0" anchor="ctr"/>
-          <a:lstStyle/>
-          <a:p>
-            <a:pPr algn="ctr"/>
-            <a:r>
-              <a:rPr lang="en-US" sz="1050" b="1" dirty="0" err="1" smtClean="0">
-                <a:solidFill>
-                  <a:schemeClr val="bg1"/>
-                </a:solidFill>
-              </a:rPr>
-              <a:t>XYZCommand</a:t>
-            </a:r>
-            <a:endParaRPr lang="en-US" sz="1050" b="1" dirty="0">
-              <a:solidFill>
-                <a:schemeClr val="bg1"/>
-              </a:solidFill>
-            </a:endParaRPr>
-          </a:p>
-          <a:p>
-            <a:pPr algn="ctr"/>
-            <a:r>
-              <a:rPr lang="en-US" sz="1050" b="1" dirty="0">
-                <a:solidFill>
-                  <a:schemeClr val="bg1"/>
-                </a:solidFill>
-              </a:rPr>
-              <a:t>Parser</a:t>
-            </a:r>
-            <a:endParaRPr lang="en-SG" sz="1050" b="1" dirty="0">
-              <a:solidFill>
-                <a:schemeClr val="bg1"/>
-              </a:solidFill>
-            </a:endParaRPr>
-          </a:p>
-        </p:txBody>
-      </p:sp>
-      <p:cxnSp>
-        <p:nvCxnSpPr>
-          <p:cNvPr id="101" name="Elbow Connector 12"/>
-          <p:cNvCxnSpPr>
-            <a:cxnSpLocks/>
-            <a:stCxn id="42" idx="3"/>
-          </p:cNvCxnSpPr>
-          <p:nvPr/>
-        </p:nvCxnSpPr>
-        <p:spPr>
-          <a:xfrm rot="10800000">
-            <a:off x="3917734" y="2058661"/>
-            <a:ext cx="1156608" cy="855530"/>
-          </a:xfrm>
-          <a:prstGeom prst="bentConnector3">
-            <a:avLst>
-              <a:gd name="adj1" fmla="val 50000"/>
-            </a:avLst>
-          </a:prstGeom>
-          <a:ln w="19050">
-            <a:solidFill>
-              <a:schemeClr val="accent5">
-                <a:lumMod val="60000"/>
-                <a:lumOff val="40000"/>
-              </a:schemeClr>
-            </a:solidFill>
-            <a:prstDash val="sysDot"/>
-            <a:headEnd type="none" w="med" len="med"/>
-            <a:tailEnd type="arrow" w="med" len="med"/>
-          </a:ln>
-          <a:effectLst/>
-        </p:spPr>
-        <p:style>
-          <a:lnRef idx="1">
-            <a:schemeClr val="accent2"/>
-          </a:lnRef>
-          <a:fillRef idx="2">
-            <a:schemeClr val="accent2"/>
-          </a:fillRef>
-          <a:effectRef idx="1">
-            <a:schemeClr val="accent2"/>
-          </a:effectRef>
-          <a:fontRef idx="minor">
-            <a:schemeClr val="dk1"/>
-          </a:fontRef>
-        </p:style>
-      </p:cxnSp>
-      <p:cxnSp>
-        <p:nvCxnSpPr>
-          <p:cNvPr id="102" name="Elbow Connector 12"/>
-          <p:cNvCxnSpPr>
-            <a:cxnSpLocks/>
-            <a:stCxn id="42" idx="3"/>
-          </p:cNvCxnSpPr>
-          <p:nvPr/>
-        </p:nvCxnSpPr>
-        <p:spPr>
-          <a:xfrm rot="10800000">
-            <a:off x="3921964" y="2540511"/>
-            <a:ext cx="1152379" cy="373681"/>
-          </a:xfrm>
-          <a:prstGeom prst="bentConnector3">
-            <a:avLst>
-              <a:gd name="adj1" fmla="val 50000"/>
-            </a:avLst>
-          </a:prstGeom>
-          <a:ln w="19050">
-            <a:solidFill>
-              <a:schemeClr val="accent5">
-                <a:lumMod val="60000"/>
-                <a:lumOff val="40000"/>
-              </a:schemeClr>
-            </a:solidFill>
-            <a:prstDash val="sysDot"/>
-            <a:headEnd type="none" w="med" len="med"/>
-            <a:tailEnd type="arrow" w="med" len="med"/>
-          </a:ln>
-          <a:effectLst/>
-        </p:spPr>
-        <p:style>
-          <a:lnRef idx="1">
-            <a:schemeClr val="accent2"/>
-          </a:lnRef>
-          <a:fillRef idx="2">
-            <a:schemeClr val="accent2"/>
-          </a:fillRef>
-          <a:effectRef idx="1">
-            <a:schemeClr val="accent2"/>
-          </a:effectRef>
-          <a:fontRef idx="minor">
-            <a:schemeClr val="dk1"/>
-          </a:fontRef>
-        </p:style>
-      </p:cxnSp>
-      <p:cxnSp>
-        <p:nvCxnSpPr>
-          <p:cNvPr id="103" name="Elbow Connector 12"/>
-          <p:cNvCxnSpPr>
-            <a:cxnSpLocks/>
-            <a:stCxn id="42" idx="3"/>
-          </p:cNvCxnSpPr>
-          <p:nvPr/>
-        </p:nvCxnSpPr>
-        <p:spPr>
-          <a:xfrm rot="10800000" flipV="1">
-            <a:off x="3926192" y="2914191"/>
-            <a:ext cx="1148150" cy="108168"/>
-          </a:xfrm>
-          <a:prstGeom prst="bentConnector3">
-            <a:avLst>
-              <a:gd name="adj1" fmla="val 50000"/>
-            </a:avLst>
-          </a:prstGeom>
-          <a:ln w="19050">
-            <a:solidFill>
-              <a:schemeClr val="accent5">
-                <a:lumMod val="60000"/>
-                <a:lumOff val="40000"/>
-              </a:schemeClr>
-            </a:solidFill>
-            <a:prstDash val="sysDot"/>
-            <a:headEnd type="none" w="med" len="med"/>
-            <a:tailEnd type="arrow" w="med" len="med"/>
-          </a:ln>
-          <a:effectLst/>
-        </p:spPr>
-        <p:style>
-          <a:lnRef idx="1">
-            <a:schemeClr val="accent2"/>
-          </a:lnRef>
-          <a:fillRef idx="2">
-            <a:schemeClr val="accent2"/>
-          </a:fillRef>
-          <a:effectRef idx="1">
-            <a:schemeClr val="accent2"/>
-          </a:effectRef>
-          <a:fontRef idx="minor">
-            <a:schemeClr val="dk1"/>
-          </a:fontRef>
-        </p:style>
-      </p:cxnSp>
-      <p:cxnSp>
-        <p:nvCxnSpPr>
-          <p:cNvPr id="104" name="Elbow Connector 12"/>
-          <p:cNvCxnSpPr>
-            <a:cxnSpLocks/>
-            <a:stCxn id="42" idx="3"/>
-          </p:cNvCxnSpPr>
-          <p:nvPr/>
-        </p:nvCxnSpPr>
-        <p:spPr>
-          <a:xfrm rot="10800000" flipV="1">
-            <a:off x="3930422" y="2914191"/>
-            <a:ext cx="1143921" cy="439870"/>
-          </a:xfrm>
-          <a:prstGeom prst="bentConnector3">
-            <a:avLst>
-              <a:gd name="adj1" fmla="val 50000"/>
-            </a:avLst>
-          </a:prstGeom>
-          <a:ln w="19050">
-            <a:solidFill>
-              <a:schemeClr val="accent5">
-                <a:lumMod val="60000"/>
-                <a:lumOff val="40000"/>
-              </a:schemeClr>
-            </a:solidFill>
-            <a:prstDash val="sysDot"/>
-            <a:headEnd type="none" w="med" len="med"/>
-            <a:tailEnd type="arrow" w="med" len="med"/>
-          </a:ln>
-          <a:effectLst/>
-        </p:spPr>
-        <p:style>
-          <a:lnRef idx="1">
-            <a:schemeClr val="accent2"/>
-          </a:lnRef>
-          <a:fillRef idx="2">
-            <a:schemeClr val="accent2"/>
-          </a:fillRef>
-          <a:effectRef idx="1">
-            <a:schemeClr val="accent2"/>
-          </a:effectRef>
-          <a:fontRef idx="minor">
-            <a:schemeClr val="dk1"/>
-          </a:fontRef>
-        </p:style>
-      </p:cxnSp>
-      <p:cxnSp>
-        <p:nvCxnSpPr>
-          <p:cNvPr id="51" name="Elbow Connector 50"/>
-          <p:cNvCxnSpPr>
-            <a:stCxn id="16" idx="3"/>
-            <a:endCxn id="42" idx="2"/>
-          </p:cNvCxnSpPr>
-          <p:nvPr/>
-        </p:nvCxnSpPr>
-        <p:spPr>
-          <a:xfrm flipV="1">
-            <a:off x="4300741" y="3087571"/>
-            <a:ext cx="1269594" cy="659673"/>
-          </a:xfrm>
-          <a:prstGeom prst="bentConnector2">
-            <a:avLst/>
-          </a:prstGeom>
-          <a:ln w="19050">
-            <a:solidFill>
-              <a:schemeClr val="accent5">
-                <a:lumMod val="75000"/>
-              </a:schemeClr>
-            </a:solidFill>
-            <a:prstDash val="sysDot"/>
-            <a:headEnd type="none" w="med" len="med"/>
-            <a:tailEnd type="arrow" w="med" len="med"/>
-          </a:ln>
-          <a:effectLst/>
-        </p:spPr>
-        <p:style>
-          <a:lnRef idx="1">
-            <a:schemeClr val="accent2"/>
-          </a:lnRef>
-          <a:fillRef idx="2">
-            <a:schemeClr val="accent2"/>
-          </a:fillRef>
-          <a:effectRef idx="1">
-            <a:schemeClr val="accent2"/>
-          </a:effectRef>
-          <a:fontRef idx="minor">
-            <a:schemeClr val="dk1"/>
-          </a:fontRef>
-        </p:style>
-      </p:cxnSp>
-      <p:cxnSp>
-        <p:nvCxnSpPr>
-          <p:cNvPr id="83" name="Elbow Connector 82"/>
-          <p:cNvCxnSpPr>
-            <a:endCxn id="42" idx="0"/>
-          </p:cNvCxnSpPr>
-          <p:nvPr/>
-        </p:nvCxnSpPr>
-        <p:spPr>
-          <a:xfrm rot="16200000" flipH="1">
-            <a:off x="5451193" y="2621669"/>
-            <a:ext cx="234926" cy="3358"/>
-          </a:xfrm>
-          <a:prstGeom prst="bentConnector3">
-            <a:avLst/>
-          </a:prstGeom>
-          <a:ln>
-            <a:solidFill>
-              <a:schemeClr val="accent5">
-                <a:lumMod val="75000"/>
-              </a:schemeClr>
-            </a:solidFill>
-            <a:prstDash val="sysDot"/>
-          </a:ln>
-        </p:spPr>
-        <p:style>
-          <a:lnRef idx="1">
-            <a:schemeClr val="accent1"/>
-          </a:lnRef>
-          <a:fillRef idx="0">
-            <a:schemeClr val="accent1"/>
-          </a:fillRef>
-          <a:effectRef idx="0">
-            <a:schemeClr val="accent1"/>
-          </a:effectRef>
-          <a:fontRef idx="minor">
-            <a:schemeClr val="tx1"/>
-          </a:fontRef>
-        </p:style>
-      </p:cxnSp>
-      <p:sp>
-        <p:nvSpPr>
-          <p:cNvPr id="127" name="Folded Corner 126"/>
-          <p:cNvSpPr/>
-          <p:nvPr/>
-        </p:nvSpPr>
-        <p:spPr>
-          <a:xfrm>
-            <a:off x="6263130" y="1981200"/>
-            <a:ext cx="1276614" cy="630473"/>
-          </a:xfrm>
-          <a:prstGeom prst="foldedCorner">
-            <a:avLst/>
-          </a:prstGeom>
-          <a:solidFill>
-            <a:schemeClr val="accent5">
-              <a:lumMod val="60000"/>
-              <a:lumOff val="40000"/>
-            </a:schemeClr>
-          </a:solidFill>
-          <a:ln w="19050">
-            <a:solidFill>
-              <a:schemeClr val="bg1"/>
-            </a:solidFill>
-          </a:ln>
-          <a:effectLst/>
-        </p:spPr>
-        <p:style>
-          <a:lnRef idx="1">
-            <a:schemeClr val="accent2"/>
-          </a:lnRef>
-          <a:fillRef idx="2">
-            <a:schemeClr val="accent2"/>
-          </a:fillRef>
-          <a:effectRef idx="1">
-            <a:schemeClr val="accent2"/>
-          </a:effectRef>
-          <a:fontRef idx="minor">
-            <a:schemeClr val="dk1"/>
-          </a:fontRef>
-        </p:style>
-        <p:txBody>
-          <a:bodyPr rtlCol="0" anchor="ctr"/>
-          <a:lstStyle/>
-          <a:p>
-            <a:pPr algn="ctr"/>
-            <a:r>
-              <a:rPr lang="en-US" sz="1050" dirty="0" err="1" smtClean="0">
-                <a:solidFill>
-                  <a:schemeClr val="bg1"/>
-                </a:solidFill>
-              </a:rPr>
-              <a:t>XYZCommand</a:t>
-            </a:r>
-            <a:r>
-              <a:rPr lang="en-US" sz="1050" dirty="0" smtClean="0">
-                <a:solidFill>
-                  <a:schemeClr val="bg1"/>
-                </a:solidFill>
-              </a:rPr>
-              <a:t> = </a:t>
-            </a:r>
-            <a:r>
-              <a:rPr lang="en-US" sz="1050" dirty="0" err="1" smtClean="0">
-                <a:solidFill>
-                  <a:schemeClr val="bg1"/>
-                </a:solidFill>
-              </a:rPr>
-              <a:t>AddCommand</a:t>
-            </a:r>
-            <a:r>
-              <a:rPr lang="en-US" sz="1050" dirty="0" smtClean="0">
-                <a:solidFill>
-                  <a:schemeClr val="bg1"/>
-                </a:solidFill>
-              </a:rPr>
-              <a:t>, </a:t>
-            </a:r>
-            <a:r>
-              <a:rPr lang="en-US" sz="1050" dirty="0" err="1" smtClean="0">
-                <a:solidFill>
-                  <a:schemeClr val="bg1"/>
-                </a:solidFill>
-              </a:rPr>
-              <a:t>FindCommand</a:t>
-            </a:r>
-            <a:r>
-              <a:rPr lang="en-US" sz="1050" dirty="0" smtClean="0">
-                <a:solidFill>
-                  <a:schemeClr val="bg1"/>
-                </a:solidFill>
-              </a:rPr>
-              <a:t>, etc.</a:t>
-            </a:r>
-            <a:endParaRPr lang="en-US" sz="1050" dirty="0">
-              <a:solidFill>
-                <a:schemeClr val="bg1"/>
-              </a:solidFill>
-            </a:endParaRPr>
-          </a:p>
-        </p:txBody>
-      </p:sp>
+      </p:pic>
     </p:spTree>
     <p:extLst>
       <p:ext uri="{BB962C8B-B14F-4D97-AF65-F5344CB8AC3E}">

--- a/docs/diagrams/LogicComponentClassDiagram.pptx
+++ b/docs/diagrams/LogicComponentClassDiagram.pptx
@@ -10,7 +10,7 @@
   <p:sldIdLst>
     <p:sldId id="262" r:id="rId2"/>
   </p:sldIdLst>
-  <p:sldSz cx="9144000" cy="6858000" type="screen4x3"/>
+  <p:sldSz cx="12601575" cy="7200900"/>
   <p:notesSz cx="6858000" cy="9144000"/>
   <p:defaultTextStyle>
     <a:defPPr>
@@ -110,12 +110,12 @@
   <p:extLst>
     <p:ext uri="{EFAFB233-063F-42B5-8137-9DF3F51BA10A}">
       <p15:sldGuideLst xmlns:p15="http://schemas.microsoft.com/office/powerpoint/2012/main">
-        <p15:guide id="1" orient="horz" pos="1488">
+        <p15:guide id="1" orient="horz" pos="1563" userDrawn="1">
           <p15:clr>
             <a:srgbClr val="A4A3A4"/>
           </p15:clr>
         </p15:guide>
-        <p15:guide id="2" pos="2880">
+        <p15:guide id="2" pos="3970" userDrawn="1">
           <p15:clr>
             <a:srgbClr val="A4A3A4"/>
           </p15:clr>
@@ -124,10 +124,6 @@
     </p:ext>
   </p:extLst>
 </p:presentation>
-</file>
-
-<file path=ppt/revisionInfo.xml><?xml version="1.0" encoding="utf-8"?>
-<p1510:revInfo xmlns:a="http://schemas.openxmlformats.org/drawingml/2006/main" xmlns:r="http://schemas.openxmlformats.org/officeDocument/2006/relationships" xmlns:p1510="http://schemas.microsoft.com/office/powerpoint/2015/10/main"/>
 </file>
 
 <file path=ppt/notesMasters/notesMaster1.xml><?xml version="1.0" encoding="utf-8"?>
@@ -212,7 +208,7 @@
           <a:p>
             <a:fld id="{F5CC4B3F-88C1-4FFA-B1B6-F41C21DC6924}" type="datetimeFigureOut">
               <a:rPr lang="en-US" smtClean="0"/>
-              <a:t>4/16/2018</a:t>
+              <a:t>11/12/2018</a:t>
             </a:fld>
             <a:endParaRPr lang="en-US"/>
           </a:p>
@@ -230,8 +226,8 @@
         </p:nvSpPr>
         <p:spPr>
           <a:xfrm>
-            <a:off x="1143000" y="685800"/>
-            <a:ext cx="4572000" cy="3429000"/>
+            <a:off x="428625" y="685800"/>
+            <a:ext cx="6000750" cy="3429000"/>
           </a:xfrm>
           <a:prstGeom prst="rect">
             <a:avLst/>
@@ -508,8 +504,8 @@
         </p:nvSpPr>
         <p:spPr>
           <a:xfrm>
-            <a:off x="685800" y="2130425"/>
-            <a:ext cx="7772400" cy="1470025"/>
+            <a:off x="945120" y="2236957"/>
+            <a:ext cx="10711339" cy="1543527"/>
           </a:xfrm>
         </p:spPr>
         <p:txBody>
@@ -535,8 +531,8 @@
         </p:nvSpPr>
         <p:spPr>
           <a:xfrm>
-            <a:off x="1371600" y="3886200"/>
-            <a:ext cx="6400800" cy="1752600"/>
+            <a:off x="1890243" y="4080522"/>
+            <a:ext cx="8821105" cy="1840231"/>
           </a:xfrm>
         </p:spPr>
         <p:txBody>
@@ -552,7 +548,7 @@
                 </a:solidFill>
               </a:defRPr>
             </a:lvl1pPr>
-            <a:lvl2pPr marL="457200" indent="0" algn="ctr">
+            <a:lvl2pPr marL="457169" indent="0" algn="ctr">
               <a:buNone/>
               <a:defRPr>
                 <a:solidFill>
@@ -562,7 +558,7 @@
                 </a:solidFill>
               </a:defRPr>
             </a:lvl2pPr>
-            <a:lvl3pPr marL="914400" indent="0" algn="ctr">
+            <a:lvl3pPr marL="914337" indent="0" algn="ctr">
               <a:buNone/>
               <a:defRPr>
                 <a:solidFill>
@@ -572,7 +568,7 @@
                 </a:solidFill>
               </a:defRPr>
             </a:lvl3pPr>
-            <a:lvl4pPr marL="1371600" indent="0" algn="ctr">
+            <a:lvl4pPr marL="1371506" indent="0" algn="ctr">
               <a:buNone/>
               <a:defRPr>
                 <a:solidFill>
@@ -582,7 +578,7 @@
                 </a:solidFill>
               </a:defRPr>
             </a:lvl4pPr>
-            <a:lvl5pPr marL="1828800" indent="0" algn="ctr">
+            <a:lvl5pPr marL="1828676" indent="0" algn="ctr">
               <a:buNone/>
               <a:defRPr>
                 <a:solidFill>
@@ -592,7 +588,7 @@
                 </a:solidFill>
               </a:defRPr>
             </a:lvl5pPr>
-            <a:lvl6pPr marL="2286000" indent="0" algn="ctr">
+            <a:lvl6pPr marL="2285844" indent="0" algn="ctr">
               <a:buNone/>
               <a:defRPr>
                 <a:solidFill>
@@ -602,7 +598,7 @@
                 </a:solidFill>
               </a:defRPr>
             </a:lvl6pPr>
-            <a:lvl7pPr marL="2743200" indent="0" algn="ctr">
+            <a:lvl7pPr marL="2743013" indent="0" algn="ctr">
               <a:buNone/>
               <a:defRPr>
                 <a:solidFill>
@@ -612,7 +608,7 @@
                 </a:solidFill>
               </a:defRPr>
             </a:lvl7pPr>
-            <a:lvl8pPr marL="3200400" indent="0" algn="ctr">
+            <a:lvl8pPr marL="3200181" indent="0" algn="ctr">
               <a:buNone/>
               <a:defRPr>
                 <a:solidFill>
@@ -622,7 +618,7 @@
                 </a:solidFill>
               </a:defRPr>
             </a:lvl8pPr>
-            <a:lvl9pPr marL="3657600" indent="0" algn="ctr">
+            <a:lvl9pPr marL="3657349" indent="0" algn="ctr">
               <a:buNone/>
               <a:defRPr>
                 <a:solidFill>
@@ -658,7 +654,7 @@
           <a:p>
             <a:fld id="{78C97017-6FC3-485B-9764-EAC9E56C1D49}" type="datetimeFigureOut">
               <a:rPr lang="en-US" smtClean="0"/>
-              <a:t>4/16/2018</a:t>
+              <a:t>11/12/2018</a:t>
             </a:fld>
             <a:endParaRPr lang="en-US"/>
           </a:p>
@@ -826,7 +822,7 @@
           <a:p>
             <a:fld id="{78C97017-6FC3-485B-9764-EAC9E56C1D49}" type="datetimeFigureOut">
               <a:rPr lang="en-US" smtClean="0"/>
-              <a:t>4/16/2018</a:t>
+              <a:t>11/12/2018</a:t>
             </a:fld>
             <a:endParaRPr lang="en-US"/>
           </a:p>
@@ -916,8 +912,8 @@
         </p:nvSpPr>
         <p:spPr>
           <a:xfrm>
-            <a:off x="6629400" y="274638"/>
-            <a:ext cx="2057400" cy="5851525"/>
+            <a:off x="9136165" y="288380"/>
+            <a:ext cx="2835355" cy="6144101"/>
           </a:xfrm>
         </p:spPr>
         <p:txBody>
@@ -943,8 +939,8 @@
         </p:nvSpPr>
         <p:spPr>
           <a:xfrm>
-            <a:off x="457200" y="274638"/>
-            <a:ext cx="6019800" cy="5851525"/>
+            <a:off x="630081" y="288380"/>
+            <a:ext cx="8296036" cy="6144101"/>
           </a:xfrm>
         </p:spPr>
         <p:txBody>
@@ -1004,7 +1000,7 @@
           <a:p>
             <a:fld id="{78C97017-6FC3-485B-9764-EAC9E56C1D49}" type="datetimeFigureOut">
               <a:rPr lang="en-US" smtClean="0"/>
-              <a:t>4/16/2018</a:t>
+              <a:t>11/12/2018</a:t>
             </a:fld>
             <a:endParaRPr lang="en-US"/>
           </a:p>
@@ -1172,7 +1168,7 @@
           <a:p>
             <a:fld id="{78C97017-6FC3-485B-9764-EAC9E56C1D49}" type="datetimeFigureOut">
               <a:rPr lang="en-US" smtClean="0"/>
-              <a:t>4/16/2018</a:t>
+              <a:t>11/12/2018</a:t>
             </a:fld>
             <a:endParaRPr lang="en-US"/>
           </a:p>
@@ -1262,15 +1258,15 @@
         </p:nvSpPr>
         <p:spPr>
           <a:xfrm>
-            <a:off x="722313" y="4406900"/>
-            <a:ext cx="7772400" cy="1362075"/>
+            <a:off x="995439" y="4627253"/>
+            <a:ext cx="10711339" cy="1430179"/>
           </a:xfrm>
         </p:spPr>
         <p:txBody>
           <a:bodyPr anchor="t"/>
           <a:lstStyle>
             <a:lvl1pPr algn="l">
-              <a:defRPr sz="4000" b="1" cap="all"/>
+              <a:defRPr sz="3999" b="1" cap="all"/>
             </a:lvl1pPr>
           </a:lstStyle>
           <a:p>
@@ -1293,8 +1289,8 @@
         </p:nvSpPr>
         <p:spPr>
           <a:xfrm>
-            <a:off x="722313" y="2906713"/>
-            <a:ext cx="7772400" cy="1500187"/>
+            <a:off x="995439" y="3052053"/>
+            <a:ext cx="10711339" cy="1575195"/>
           </a:xfrm>
         </p:spPr>
         <p:txBody>
@@ -1310,7 +1306,7 @@
                 </a:solidFill>
               </a:defRPr>
             </a:lvl1pPr>
-            <a:lvl2pPr marL="457200" indent="0">
+            <a:lvl2pPr marL="457169" indent="0">
               <a:buNone/>
               <a:defRPr sz="1800">
                 <a:solidFill>
@@ -1320,7 +1316,7 @@
                 </a:solidFill>
               </a:defRPr>
             </a:lvl2pPr>
-            <a:lvl3pPr marL="914400" indent="0">
+            <a:lvl3pPr marL="914337" indent="0">
               <a:buNone/>
               <a:defRPr sz="1600">
                 <a:solidFill>
@@ -1330,7 +1326,7 @@
                 </a:solidFill>
               </a:defRPr>
             </a:lvl3pPr>
-            <a:lvl4pPr marL="1371600" indent="0">
+            <a:lvl4pPr marL="1371506" indent="0">
               <a:buNone/>
               <a:defRPr sz="1400">
                 <a:solidFill>
@@ -1340,7 +1336,7 @@
                 </a:solidFill>
               </a:defRPr>
             </a:lvl4pPr>
-            <a:lvl5pPr marL="1828800" indent="0">
+            <a:lvl5pPr marL="1828676" indent="0">
               <a:buNone/>
               <a:defRPr sz="1400">
                 <a:solidFill>
@@ -1350,7 +1346,7 @@
                 </a:solidFill>
               </a:defRPr>
             </a:lvl5pPr>
-            <a:lvl6pPr marL="2286000" indent="0">
+            <a:lvl6pPr marL="2285844" indent="0">
               <a:buNone/>
               <a:defRPr sz="1400">
                 <a:solidFill>
@@ -1360,7 +1356,7 @@
                 </a:solidFill>
               </a:defRPr>
             </a:lvl6pPr>
-            <a:lvl7pPr marL="2743200" indent="0">
+            <a:lvl7pPr marL="2743013" indent="0">
               <a:buNone/>
               <a:defRPr sz="1400">
                 <a:solidFill>
@@ -1370,7 +1366,7 @@
                 </a:solidFill>
               </a:defRPr>
             </a:lvl7pPr>
-            <a:lvl8pPr marL="3200400" indent="0">
+            <a:lvl8pPr marL="3200181" indent="0">
               <a:buNone/>
               <a:defRPr sz="1400">
                 <a:solidFill>
@@ -1380,7 +1376,7 @@
                 </a:solidFill>
               </a:defRPr>
             </a:lvl8pPr>
-            <a:lvl9pPr marL="3657600" indent="0">
+            <a:lvl9pPr marL="3657349" indent="0">
               <a:buNone/>
               <a:defRPr sz="1400">
                 <a:solidFill>
@@ -1417,7 +1413,7 @@
           <a:p>
             <a:fld id="{78C97017-6FC3-485B-9764-EAC9E56C1D49}" type="datetimeFigureOut">
               <a:rPr lang="en-US" smtClean="0"/>
-              <a:t>4/16/2018</a:t>
+              <a:t>11/12/2018</a:t>
             </a:fld>
             <a:endParaRPr lang="en-US"/>
           </a:p>
@@ -1529,18 +1525,18 @@
         </p:nvSpPr>
         <p:spPr>
           <a:xfrm>
-            <a:off x="457200" y="1600200"/>
-            <a:ext cx="4038600" cy="4525963"/>
+            <a:off x="630080" y="1680220"/>
+            <a:ext cx="5565694" cy="4752261"/>
           </a:xfrm>
         </p:spPr>
         <p:txBody>
           <a:bodyPr/>
           <a:lstStyle>
             <a:lvl1pPr>
-              <a:defRPr sz="2800"/>
+              <a:defRPr sz="2801"/>
             </a:lvl1pPr>
             <a:lvl2pPr>
-              <a:defRPr sz="2400"/>
+              <a:defRPr sz="2399"/>
             </a:lvl2pPr>
             <a:lvl3pPr>
               <a:defRPr sz="2000"/>
@@ -1613,18 +1609,18 @@
         </p:nvSpPr>
         <p:spPr>
           <a:xfrm>
-            <a:off x="4648200" y="1600200"/>
-            <a:ext cx="4038600" cy="4525963"/>
+            <a:off x="6405802" y="1680220"/>
+            <a:ext cx="5565694" cy="4752261"/>
           </a:xfrm>
         </p:spPr>
         <p:txBody>
           <a:bodyPr/>
           <a:lstStyle>
             <a:lvl1pPr>
-              <a:defRPr sz="2800"/>
+              <a:defRPr sz="2801"/>
             </a:lvl1pPr>
             <a:lvl2pPr>
-              <a:defRPr sz="2400"/>
+              <a:defRPr sz="2399"/>
             </a:lvl2pPr>
             <a:lvl3pPr>
               <a:defRPr sz="2000"/>
@@ -1702,7 +1698,7 @@
           <a:p>
             <a:fld id="{78C97017-6FC3-485B-9764-EAC9E56C1D49}" type="datetimeFigureOut">
               <a:rPr lang="en-US" smtClean="0"/>
-              <a:t>4/16/2018</a:t>
+              <a:t>11/12/2018</a:t>
             </a:fld>
             <a:endParaRPr lang="en-US"/>
           </a:p>
@@ -1818,8 +1814,8 @@
         </p:nvSpPr>
         <p:spPr>
           <a:xfrm>
-            <a:off x="457200" y="1535113"/>
-            <a:ext cx="4040188" cy="639762"/>
+            <a:off x="630093" y="1611881"/>
+            <a:ext cx="5567883" cy="671751"/>
           </a:xfrm>
         </p:spPr>
         <p:txBody>
@@ -1827,37 +1823,37 @@
           <a:lstStyle>
             <a:lvl1pPr marL="0" indent="0">
               <a:buNone/>
-              <a:defRPr sz="2400" b="1"/>
+              <a:defRPr sz="2399" b="1"/>
             </a:lvl1pPr>
-            <a:lvl2pPr marL="457200" indent="0">
+            <a:lvl2pPr marL="457169" indent="0">
               <a:buNone/>
               <a:defRPr sz="2000" b="1"/>
             </a:lvl2pPr>
-            <a:lvl3pPr marL="914400" indent="0">
+            <a:lvl3pPr marL="914337" indent="0">
               <a:buNone/>
               <a:defRPr sz="1800" b="1"/>
             </a:lvl3pPr>
-            <a:lvl4pPr marL="1371600" indent="0">
+            <a:lvl4pPr marL="1371506" indent="0">
               <a:buNone/>
               <a:defRPr sz="1600" b="1"/>
             </a:lvl4pPr>
-            <a:lvl5pPr marL="1828800" indent="0">
+            <a:lvl5pPr marL="1828676" indent="0">
               <a:buNone/>
               <a:defRPr sz="1600" b="1"/>
             </a:lvl5pPr>
-            <a:lvl6pPr marL="2286000" indent="0">
+            <a:lvl6pPr marL="2285844" indent="0">
               <a:buNone/>
               <a:defRPr sz="1600" b="1"/>
             </a:lvl6pPr>
-            <a:lvl7pPr marL="2743200" indent="0">
+            <a:lvl7pPr marL="2743013" indent="0">
               <a:buNone/>
               <a:defRPr sz="1600" b="1"/>
             </a:lvl7pPr>
-            <a:lvl8pPr marL="3200400" indent="0">
+            <a:lvl8pPr marL="3200181" indent="0">
               <a:buNone/>
               <a:defRPr sz="1600" b="1"/>
             </a:lvl8pPr>
-            <a:lvl9pPr marL="3657600" indent="0">
+            <a:lvl9pPr marL="3657349" indent="0">
               <a:buNone/>
               <a:defRPr sz="1600" b="1"/>
             </a:lvl9pPr>
@@ -1883,15 +1879,15 @@
         </p:nvSpPr>
         <p:spPr>
           <a:xfrm>
-            <a:off x="457200" y="2174875"/>
-            <a:ext cx="4040188" cy="3951288"/>
+            <a:off x="630093" y="2283623"/>
+            <a:ext cx="5567883" cy="4148852"/>
           </a:xfrm>
         </p:spPr>
         <p:txBody>
           <a:bodyPr/>
           <a:lstStyle>
             <a:lvl1pPr>
-              <a:defRPr sz="2400"/>
+              <a:defRPr sz="2399"/>
             </a:lvl1pPr>
             <a:lvl2pPr>
               <a:defRPr sz="2000"/>
@@ -1967,8 +1963,8 @@
         </p:nvSpPr>
         <p:spPr>
           <a:xfrm>
-            <a:off x="4645025" y="1535113"/>
-            <a:ext cx="4041775" cy="639762"/>
+            <a:off x="6401450" y="1611881"/>
+            <a:ext cx="5570070" cy="671751"/>
           </a:xfrm>
         </p:spPr>
         <p:txBody>
@@ -1976,37 +1972,37 @@
           <a:lstStyle>
             <a:lvl1pPr marL="0" indent="0">
               <a:buNone/>
-              <a:defRPr sz="2400" b="1"/>
+              <a:defRPr sz="2399" b="1"/>
             </a:lvl1pPr>
-            <a:lvl2pPr marL="457200" indent="0">
+            <a:lvl2pPr marL="457169" indent="0">
               <a:buNone/>
               <a:defRPr sz="2000" b="1"/>
             </a:lvl2pPr>
-            <a:lvl3pPr marL="914400" indent="0">
+            <a:lvl3pPr marL="914337" indent="0">
               <a:buNone/>
               <a:defRPr sz="1800" b="1"/>
             </a:lvl3pPr>
-            <a:lvl4pPr marL="1371600" indent="0">
+            <a:lvl4pPr marL="1371506" indent="0">
               <a:buNone/>
               <a:defRPr sz="1600" b="1"/>
             </a:lvl4pPr>
-            <a:lvl5pPr marL="1828800" indent="0">
+            <a:lvl5pPr marL="1828676" indent="0">
               <a:buNone/>
               <a:defRPr sz="1600" b="1"/>
             </a:lvl5pPr>
-            <a:lvl6pPr marL="2286000" indent="0">
+            <a:lvl6pPr marL="2285844" indent="0">
               <a:buNone/>
               <a:defRPr sz="1600" b="1"/>
             </a:lvl6pPr>
-            <a:lvl7pPr marL="2743200" indent="0">
+            <a:lvl7pPr marL="2743013" indent="0">
               <a:buNone/>
               <a:defRPr sz="1600" b="1"/>
             </a:lvl7pPr>
-            <a:lvl8pPr marL="3200400" indent="0">
+            <a:lvl8pPr marL="3200181" indent="0">
               <a:buNone/>
               <a:defRPr sz="1600" b="1"/>
             </a:lvl8pPr>
-            <a:lvl9pPr marL="3657600" indent="0">
+            <a:lvl9pPr marL="3657349" indent="0">
               <a:buNone/>
               <a:defRPr sz="1600" b="1"/>
             </a:lvl9pPr>
@@ -2032,15 +2028,15 @@
         </p:nvSpPr>
         <p:spPr>
           <a:xfrm>
-            <a:off x="4645025" y="2174875"/>
-            <a:ext cx="4041775" cy="3951288"/>
+            <a:off x="6401450" y="2283623"/>
+            <a:ext cx="5570070" cy="4148852"/>
           </a:xfrm>
         </p:spPr>
         <p:txBody>
           <a:bodyPr/>
           <a:lstStyle>
             <a:lvl1pPr>
-              <a:defRPr sz="2400"/>
+              <a:defRPr sz="2399"/>
             </a:lvl1pPr>
             <a:lvl2pPr>
               <a:defRPr sz="2000"/>
@@ -2121,7 +2117,7 @@
           <a:p>
             <a:fld id="{78C97017-6FC3-485B-9764-EAC9E56C1D49}" type="datetimeFigureOut">
               <a:rPr lang="en-US" smtClean="0"/>
-              <a:t>4/16/2018</a:t>
+              <a:t>11/12/2018</a:t>
             </a:fld>
             <a:endParaRPr lang="en-US"/>
           </a:p>
@@ -2238,7 +2234,7 @@
           <a:p>
             <a:fld id="{78C97017-6FC3-485B-9764-EAC9E56C1D49}" type="datetimeFigureOut">
               <a:rPr lang="en-US" smtClean="0"/>
-              <a:t>4/16/2018</a:t>
+              <a:t>11/12/2018</a:t>
             </a:fld>
             <a:endParaRPr lang="en-US"/>
           </a:p>
@@ -2333,7 +2329,7 @@
           <a:p>
             <a:fld id="{78C97017-6FC3-485B-9764-EAC9E56C1D49}" type="datetimeFigureOut">
               <a:rPr lang="en-US" smtClean="0"/>
-              <a:t>4/16/2018</a:t>
+              <a:t>11/12/2018</a:t>
             </a:fld>
             <a:endParaRPr lang="en-US"/>
           </a:p>
@@ -2423,8 +2419,8 @@
         </p:nvSpPr>
         <p:spPr>
           <a:xfrm>
-            <a:off x="457200" y="273050"/>
-            <a:ext cx="3008313" cy="1162050"/>
+            <a:off x="630103" y="286705"/>
+            <a:ext cx="4145833" cy="1220152"/>
           </a:xfrm>
         </p:spPr>
         <p:txBody>
@@ -2454,21 +2450,21 @@
         </p:nvSpPr>
         <p:spPr>
           <a:xfrm>
-            <a:off x="3575050" y="273050"/>
-            <a:ext cx="5111750" cy="5853113"/>
+            <a:off x="4926867" y="286705"/>
+            <a:ext cx="7044630" cy="6145768"/>
           </a:xfrm>
         </p:spPr>
         <p:txBody>
           <a:bodyPr/>
           <a:lstStyle>
             <a:lvl1pPr>
-              <a:defRPr sz="3200"/>
+              <a:defRPr sz="3199"/>
             </a:lvl1pPr>
             <a:lvl2pPr>
-              <a:defRPr sz="2800"/>
+              <a:defRPr sz="2801"/>
             </a:lvl2pPr>
             <a:lvl3pPr>
-              <a:defRPr sz="2400"/>
+              <a:defRPr sz="2399"/>
             </a:lvl3pPr>
             <a:lvl4pPr>
               <a:defRPr sz="2000"/>
@@ -2538,8 +2534,8 @@
         </p:nvSpPr>
         <p:spPr>
           <a:xfrm>
-            <a:off x="457200" y="1435100"/>
-            <a:ext cx="3008313" cy="4691063"/>
+            <a:off x="630103" y="1506857"/>
+            <a:ext cx="4145833" cy="4925616"/>
           </a:xfrm>
         </p:spPr>
         <p:txBody>
@@ -2549,35 +2545,35 @@
               <a:buNone/>
               <a:defRPr sz="1400"/>
             </a:lvl1pPr>
-            <a:lvl2pPr marL="457200" indent="0">
+            <a:lvl2pPr marL="457169" indent="0">
               <a:buNone/>
               <a:defRPr sz="1200"/>
             </a:lvl2pPr>
-            <a:lvl3pPr marL="914400" indent="0">
+            <a:lvl3pPr marL="914337" indent="0">
               <a:buNone/>
               <a:defRPr sz="1000"/>
             </a:lvl3pPr>
-            <a:lvl4pPr marL="1371600" indent="0">
+            <a:lvl4pPr marL="1371506" indent="0">
               <a:buNone/>
               <a:defRPr sz="900"/>
             </a:lvl4pPr>
-            <a:lvl5pPr marL="1828800" indent="0">
+            <a:lvl5pPr marL="1828676" indent="0">
               <a:buNone/>
               <a:defRPr sz="900"/>
             </a:lvl5pPr>
-            <a:lvl6pPr marL="2286000" indent="0">
+            <a:lvl6pPr marL="2285844" indent="0">
               <a:buNone/>
               <a:defRPr sz="900"/>
             </a:lvl6pPr>
-            <a:lvl7pPr marL="2743200" indent="0">
+            <a:lvl7pPr marL="2743013" indent="0">
               <a:buNone/>
               <a:defRPr sz="900"/>
             </a:lvl7pPr>
-            <a:lvl8pPr marL="3200400" indent="0">
+            <a:lvl8pPr marL="3200181" indent="0">
               <a:buNone/>
               <a:defRPr sz="900"/>
             </a:lvl8pPr>
-            <a:lvl9pPr marL="3657600" indent="0">
+            <a:lvl9pPr marL="3657349" indent="0">
               <a:buNone/>
               <a:defRPr sz="900"/>
             </a:lvl9pPr>
@@ -2608,7 +2604,7 @@
           <a:p>
             <a:fld id="{78C97017-6FC3-485B-9764-EAC9E56C1D49}" type="datetimeFigureOut">
               <a:rPr lang="en-US" smtClean="0"/>
-              <a:t>4/16/2018</a:t>
+              <a:t>11/12/2018</a:t>
             </a:fld>
             <a:endParaRPr lang="en-US"/>
           </a:p>
@@ -2698,8 +2694,8 @@
         </p:nvSpPr>
         <p:spPr>
           <a:xfrm>
-            <a:off x="1792288" y="4800600"/>
-            <a:ext cx="5486400" cy="566738"/>
+            <a:off x="2470020" y="5040633"/>
+            <a:ext cx="7560945" cy="595075"/>
           </a:xfrm>
         </p:spPr>
         <p:txBody>
@@ -2729,8 +2725,8 @@
         </p:nvSpPr>
         <p:spPr>
           <a:xfrm>
-            <a:off x="1792288" y="612775"/>
-            <a:ext cx="5486400" cy="4114800"/>
+            <a:off x="2470020" y="643415"/>
+            <a:ext cx="7560945" cy="4320540"/>
           </a:xfrm>
         </p:spPr>
         <p:txBody>
@@ -2738,37 +2734,37 @@
           <a:lstStyle>
             <a:lvl1pPr marL="0" indent="0">
               <a:buNone/>
-              <a:defRPr sz="3200"/>
+              <a:defRPr sz="3199"/>
             </a:lvl1pPr>
-            <a:lvl2pPr marL="457200" indent="0">
+            <a:lvl2pPr marL="457169" indent="0">
               <a:buNone/>
-              <a:defRPr sz="2800"/>
+              <a:defRPr sz="2801"/>
             </a:lvl2pPr>
-            <a:lvl3pPr marL="914400" indent="0">
+            <a:lvl3pPr marL="914337" indent="0">
               <a:buNone/>
-              <a:defRPr sz="2400"/>
+              <a:defRPr sz="2399"/>
             </a:lvl3pPr>
-            <a:lvl4pPr marL="1371600" indent="0">
+            <a:lvl4pPr marL="1371506" indent="0">
               <a:buNone/>
               <a:defRPr sz="2000"/>
             </a:lvl4pPr>
-            <a:lvl5pPr marL="1828800" indent="0">
+            <a:lvl5pPr marL="1828676" indent="0">
               <a:buNone/>
               <a:defRPr sz="2000"/>
             </a:lvl5pPr>
-            <a:lvl6pPr marL="2286000" indent="0">
+            <a:lvl6pPr marL="2285844" indent="0">
               <a:buNone/>
               <a:defRPr sz="2000"/>
             </a:lvl6pPr>
-            <a:lvl7pPr marL="2743200" indent="0">
+            <a:lvl7pPr marL="2743013" indent="0">
               <a:buNone/>
               <a:defRPr sz="2000"/>
             </a:lvl7pPr>
-            <a:lvl8pPr marL="3200400" indent="0">
+            <a:lvl8pPr marL="3200181" indent="0">
               <a:buNone/>
               <a:defRPr sz="2000"/>
             </a:lvl8pPr>
-            <a:lvl9pPr marL="3657600" indent="0">
+            <a:lvl9pPr marL="3657349" indent="0">
               <a:buNone/>
               <a:defRPr sz="2000"/>
             </a:lvl9pPr>
@@ -2790,8 +2786,8 @@
         </p:nvSpPr>
         <p:spPr>
           <a:xfrm>
-            <a:off x="1792288" y="5367338"/>
-            <a:ext cx="5486400" cy="804862"/>
+            <a:off x="2470020" y="5635717"/>
+            <a:ext cx="7560945" cy="845105"/>
           </a:xfrm>
         </p:spPr>
         <p:txBody>
@@ -2801,35 +2797,35 @@
               <a:buNone/>
               <a:defRPr sz="1400"/>
             </a:lvl1pPr>
-            <a:lvl2pPr marL="457200" indent="0">
+            <a:lvl2pPr marL="457169" indent="0">
               <a:buNone/>
               <a:defRPr sz="1200"/>
             </a:lvl2pPr>
-            <a:lvl3pPr marL="914400" indent="0">
+            <a:lvl3pPr marL="914337" indent="0">
               <a:buNone/>
               <a:defRPr sz="1000"/>
             </a:lvl3pPr>
-            <a:lvl4pPr marL="1371600" indent="0">
+            <a:lvl4pPr marL="1371506" indent="0">
               <a:buNone/>
               <a:defRPr sz="900"/>
             </a:lvl4pPr>
-            <a:lvl5pPr marL="1828800" indent="0">
+            <a:lvl5pPr marL="1828676" indent="0">
               <a:buNone/>
               <a:defRPr sz="900"/>
             </a:lvl5pPr>
-            <a:lvl6pPr marL="2286000" indent="0">
+            <a:lvl6pPr marL="2285844" indent="0">
               <a:buNone/>
               <a:defRPr sz="900"/>
             </a:lvl6pPr>
-            <a:lvl7pPr marL="2743200" indent="0">
+            <a:lvl7pPr marL="2743013" indent="0">
               <a:buNone/>
               <a:defRPr sz="900"/>
             </a:lvl7pPr>
-            <a:lvl8pPr marL="3200400" indent="0">
+            <a:lvl8pPr marL="3200181" indent="0">
               <a:buNone/>
               <a:defRPr sz="900"/>
             </a:lvl8pPr>
-            <a:lvl9pPr marL="3657600" indent="0">
+            <a:lvl9pPr marL="3657349" indent="0">
               <a:buNone/>
               <a:defRPr sz="900"/>
             </a:lvl9pPr>
@@ -2860,7 +2856,7 @@
           <a:p>
             <a:fld id="{78C97017-6FC3-485B-9764-EAC9E56C1D49}" type="datetimeFigureOut">
               <a:rPr lang="en-US" smtClean="0"/>
-              <a:t>4/16/2018</a:t>
+              <a:t>11/12/2018</a:t>
             </a:fld>
             <a:endParaRPr lang="en-US"/>
           </a:p>
@@ -2955,8 +2951,8 @@
         </p:nvSpPr>
         <p:spPr>
           <a:xfrm>
-            <a:off x="457200" y="274638"/>
-            <a:ext cx="8229600" cy="1143000"/>
+            <a:off x="630080" y="288379"/>
+            <a:ext cx="11341419" cy="1200151"/>
           </a:xfrm>
           <a:prstGeom prst="rect">
             <a:avLst/>
@@ -2987,8 +2983,8 @@
         </p:nvSpPr>
         <p:spPr>
           <a:xfrm>
-            <a:off x="457200" y="1600200"/>
-            <a:ext cx="8229600" cy="4525963"/>
+            <a:off x="630080" y="1680220"/>
+            <a:ext cx="11341419" cy="4752261"/>
           </a:xfrm>
           <a:prstGeom prst="rect">
             <a:avLst/>
@@ -3048,8 +3044,8 @@
         </p:nvSpPr>
         <p:spPr>
           <a:xfrm>
-            <a:off x="457200" y="6356350"/>
-            <a:ext cx="2133600" cy="365125"/>
+            <a:off x="630080" y="6674176"/>
+            <a:ext cx="2940368" cy="383381"/>
           </a:xfrm>
           <a:prstGeom prst="rect">
             <a:avLst/>
@@ -3071,7 +3067,7 @@
           <a:p>
             <a:fld id="{78C97017-6FC3-485B-9764-EAC9E56C1D49}" type="datetimeFigureOut">
               <a:rPr lang="en-US" smtClean="0"/>
-              <a:t>4/16/2018</a:t>
+              <a:t>11/12/2018</a:t>
             </a:fld>
             <a:endParaRPr lang="en-US"/>
           </a:p>
@@ -3089,8 +3085,8 @@
         </p:nvSpPr>
         <p:spPr>
           <a:xfrm>
-            <a:off x="3124200" y="6356350"/>
-            <a:ext cx="2895600" cy="365125"/>
+            <a:off x="4305546" y="6674176"/>
+            <a:ext cx="3990499" cy="383381"/>
           </a:xfrm>
           <a:prstGeom prst="rect">
             <a:avLst/>
@@ -3126,8 +3122,8 @@
         </p:nvSpPr>
         <p:spPr>
           <a:xfrm>
-            <a:off x="6553200" y="6356350"/>
-            <a:ext cx="2133600" cy="365125"/>
+            <a:off x="9031131" y="6674176"/>
+            <a:ext cx="2940368" cy="383381"/>
           </a:xfrm>
           <a:prstGeom prst="rect">
             <a:avLst/>
@@ -3178,12 +3174,12 @@
   </p:sldLayoutIdLst>
   <p:txStyles>
     <p:titleStyle>
-      <a:lvl1pPr algn="ctr" defTabSz="914400" rtl="0" eaLnBrk="1" latinLnBrk="0" hangingPunct="1">
+      <a:lvl1pPr algn="ctr" defTabSz="914337" rtl="0" eaLnBrk="1" latinLnBrk="0" hangingPunct="1">
         <a:spcBef>
           <a:spcPct val="0"/>
         </a:spcBef>
         <a:buNone/>
-        <a:defRPr sz="4400" kern="1200">
+        <a:defRPr sz="4399" kern="1200">
           <a:solidFill>
             <a:schemeClr val="tx1"/>
           </a:solidFill>
@@ -3194,13 +3190,13 @@
       </a:lvl1pPr>
     </p:titleStyle>
     <p:bodyStyle>
-      <a:lvl1pPr marL="342900" indent="-342900" algn="l" defTabSz="914400" rtl="0" eaLnBrk="1" latinLnBrk="0" hangingPunct="1">
+      <a:lvl1pPr marL="342878" indent="-342878" algn="l" defTabSz="914337" rtl="0" eaLnBrk="1" latinLnBrk="0" hangingPunct="1">
         <a:spcBef>
           <a:spcPct val="20000"/>
         </a:spcBef>
         <a:buFont typeface="Arial" panose="020B0604020202020204" pitchFamily="34" charset="0"/>
         <a:buChar char="•"/>
-        <a:defRPr sz="3200" kern="1200">
+        <a:defRPr sz="3199" kern="1200">
           <a:solidFill>
             <a:schemeClr val="tx1"/>
           </a:solidFill>
@@ -3209,13 +3205,13 @@
           <a:cs typeface="+mn-cs"/>
         </a:defRPr>
       </a:lvl1pPr>
-      <a:lvl2pPr marL="742950" indent="-285750" algn="l" defTabSz="914400" rtl="0" eaLnBrk="1" latinLnBrk="0" hangingPunct="1">
+      <a:lvl2pPr marL="742901" indent="-285732" algn="l" defTabSz="914337" rtl="0" eaLnBrk="1" latinLnBrk="0" hangingPunct="1">
         <a:spcBef>
           <a:spcPct val="20000"/>
         </a:spcBef>
         <a:buFont typeface="Arial" panose="020B0604020202020204" pitchFamily="34" charset="0"/>
         <a:buChar char="–"/>
-        <a:defRPr sz="2800" kern="1200">
+        <a:defRPr sz="2801" kern="1200">
           <a:solidFill>
             <a:schemeClr val="tx1"/>
           </a:solidFill>
@@ -3224,13 +3220,13 @@
           <a:cs typeface="+mn-cs"/>
         </a:defRPr>
       </a:lvl2pPr>
-      <a:lvl3pPr marL="1143000" indent="-228600" algn="l" defTabSz="914400" rtl="0" eaLnBrk="1" latinLnBrk="0" hangingPunct="1">
+      <a:lvl3pPr marL="1142923" indent="-228584" algn="l" defTabSz="914337" rtl="0" eaLnBrk="1" latinLnBrk="0" hangingPunct="1">
         <a:spcBef>
           <a:spcPct val="20000"/>
         </a:spcBef>
         <a:buFont typeface="Arial" panose="020B0604020202020204" pitchFamily="34" charset="0"/>
         <a:buChar char="•"/>
-        <a:defRPr sz="2400" kern="1200">
+        <a:defRPr sz="2399" kern="1200">
           <a:solidFill>
             <a:schemeClr val="tx1"/>
           </a:solidFill>
@@ -3239,7 +3235,7 @@
           <a:cs typeface="+mn-cs"/>
         </a:defRPr>
       </a:lvl3pPr>
-      <a:lvl4pPr marL="1600200" indent="-228600" algn="l" defTabSz="914400" rtl="0" eaLnBrk="1" latinLnBrk="0" hangingPunct="1">
+      <a:lvl4pPr marL="1600091" indent="-228584" algn="l" defTabSz="914337" rtl="0" eaLnBrk="1" latinLnBrk="0" hangingPunct="1">
         <a:spcBef>
           <a:spcPct val="20000"/>
         </a:spcBef>
@@ -3254,7 +3250,7 @@
           <a:cs typeface="+mn-cs"/>
         </a:defRPr>
       </a:lvl4pPr>
-      <a:lvl5pPr marL="2057400" indent="-228600" algn="l" defTabSz="914400" rtl="0" eaLnBrk="1" latinLnBrk="0" hangingPunct="1">
+      <a:lvl5pPr marL="2057260" indent="-228584" algn="l" defTabSz="914337" rtl="0" eaLnBrk="1" latinLnBrk="0" hangingPunct="1">
         <a:spcBef>
           <a:spcPct val="20000"/>
         </a:spcBef>
@@ -3269,7 +3265,7 @@
           <a:cs typeface="+mn-cs"/>
         </a:defRPr>
       </a:lvl5pPr>
-      <a:lvl6pPr marL="2514600" indent="-228600" algn="l" defTabSz="914400" rtl="0" eaLnBrk="1" latinLnBrk="0" hangingPunct="1">
+      <a:lvl6pPr marL="2514428" indent="-228584" algn="l" defTabSz="914337" rtl="0" eaLnBrk="1" latinLnBrk="0" hangingPunct="1">
         <a:spcBef>
           <a:spcPct val="20000"/>
         </a:spcBef>
@@ -3284,7 +3280,7 @@
           <a:cs typeface="+mn-cs"/>
         </a:defRPr>
       </a:lvl6pPr>
-      <a:lvl7pPr marL="2971800" indent="-228600" algn="l" defTabSz="914400" rtl="0" eaLnBrk="1" latinLnBrk="0" hangingPunct="1">
+      <a:lvl7pPr marL="2971597" indent="-228584" algn="l" defTabSz="914337" rtl="0" eaLnBrk="1" latinLnBrk="0" hangingPunct="1">
         <a:spcBef>
           <a:spcPct val="20000"/>
         </a:spcBef>
@@ -3299,7 +3295,7 @@
           <a:cs typeface="+mn-cs"/>
         </a:defRPr>
       </a:lvl7pPr>
-      <a:lvl8pPr marL="3429000" indent="-228600" algn="l" defTabSz="914400" rtl="0" eaLnBrk="1" latinLnBrk="0" hangingPunct="1">
+      <a:lvl8pPr marL="3428766" indent="-228584" algn="l" defTabSz="914337" rtl="0" eaLnBrk="1" latinLnBrk="0" hangingPunct="1">
         <a:spcBef>
           <a:spcPct val="20000"/>
         </a:spcBef>
@@ -3314,7 +3310,7 @@
           <a:cs typeface="+mn-cs"/>
         </a:defRPr>
       </a:lvl8pPr>
-      <a:lvl9pPr marL="3886200" indent="-228600" algn="l" defTabSz="914400" rtl="0" eaLnBrk="1" latinLnBrk="0" hangingPunct="1">
+      <a:lvl9pPr marL="3885934" indent="-228584" algn="l" defTabSz="914337" rtl="0" eaLnBrk="1" latinLnBrk="0" hangingPunct="1">
         <a:spcBef>
           <a:spcPct val="20000"/>
         </a:spcBef>
@@ -3334,7 +3330,7 @@
       <a:defPPr>
         <a:defRPr lang="en-US"/>
       </a:defPPr>
-      <a:lvl1pPr marL="0" algn="l" defTabSz="914400" rtl="0" eaLnBrk="1" latinLnBrk="0" hangingPunct="1">
+      <a:lvl1pPr marL="0" algn="l" defTabSz="914337" rtl="0" eaLnBrk="1" latinLnBrk="0" hangingPunct="1">
         <a:defRPr sz="1800" kern="1200">
           <a:solidFill>
             <a:schemeClr val="tx1"/>
@@ -3344,7 +3340,7 @@
           <a:cs typeface="+mn-cs"/>
         </a:defRPr>
       </a:lvl1pPr>
-      <a:lvl2pPr marL="457200" algn="l" defTabSz="914400" rtl="0" eaLnBrk="1" latinLnBrk="0" hangingPunct="1">
+      <a:lvl2pPr marL="457169" algn="l" defTabSz="914337" rtl="0" eaLnBrk="1" latinLnBrk="0" hangingPunct="1">
         <a:defRPr sz="1800" kern="1200">
           <a:solidFill>
             <a:schemeClr val="tx1"/>
@@ -3354,7 +3350,7 @@
           <a:cs typeface="+mn-cs"/>
         </a:defRPr>
       </a:lvl2pPr>
-      <a:lvl3pPr marL="914400" algn="l" defTabSz="914400" rtl="0" eaLnBrk="1" latinLnBrk="0" hangingPunct="1">
+      <a:lvl3pPr marL="914337" algn="l" defTabSz="914337" rtl="0" eaLnBrk="1" latinLnBrk="0" hangingPunct="1">
         <a:defRPr sz="1800" kern="1200">
           <a:solidFill>
             <a:schemeClr val="tx1"/>
@@ -3364,7 +3360,7 @@
           <a:cs typeface="+mn-cs"/>
         </a:defRPr>
       </a:lvl3pPr>
-      <a:lvl4pPr marL="1371600" algn="l" defTabSz="914400" rtl="0" eaLnBrk="1" latinLnBrk="0" hangingPunct="1">
+      <a:lvl4pPr marL="1371506" algn="l" defTabSz="914337" rtl="0" eaLnBrk="1" latinLnBrk="0" hangingPunct="1">
         <a:defRPr sz="1800" kern="1200">
           <a:solidFill>
             <a:schemeClr val="tx1"/>
@@ -3374,7 +3370,7 @@
           <a:cs typeface="+mn-cs"/>
         </a:defRPr>
       </a:lvl4pPr>
-      <a:lvl5pPr marL="1828800" algn="l" defTabSz="914400" rtl="0" eaLnBrk="1" latinLnBrk="0" hangingPunct="1">
+      <a:lvl5pPr marL="1828676" algn="l" defTabSz="914337" rtl="0" eaLnBrk="1" latinLnBrk="0" hangingPunct="1">
         <a:defRPr sz="1800" kern="1200">
           <a:solidFill>
             <a:schemeClr val="tx1"/>
@@ -3384,7 +3380,7 @@
           <a:cs typeface="+mn-cs"/>
         </a:defRPr>
       </a:lvl5pPr>
-      <a:lvl6pPr marL="2286000" algn="l" defTabSz="914400" rtl="0" eaLnBrk="1" latinLnBrk="0" hangingPunct="1">
+      <a:lvl6pPr marL="2285844" algn="l" defTabSz="914337" rtl="0" eaLnBrk="1" latinLnBrk="0" hangingPunct="1">
         <a:defRPr sz="1800" kern="1200">
           <a:solidFill>
             <a:schemeClr val="tx1"/>
@@ -3394,7 +3390,7 @@
           <a:cs typeface="+mn-cs"/>
         </a:defRPr>
       </a:lvl6pPr>
-      <a:lvl7pPr marL="2743200" algn="l" defTabSz="914400" rtl="0" eaLnBrk="1" latinLnBrk="0" hangingPunct="1">
+      <a:lvl7pPr marL="2743013" algn="l" defTabSz="914337" rtl="0" eaLnBrk="1" latinLnBrk="0" hangingPunct="1">
         <a:defRPr sz="1800" kern="1200">
           <a:solidFill>
             <a:schemeClr val="tx1"/>
@@ -3404,7 +3400,7 @@
           <a:cs typeface="+mn-cs"/>
         </a:defRPr>
       </a:lvl7pPr>
-      <a:lvl8pPr marL="3200400" algn="l" defTabSz="914400" rtl="0" eaLnBrk="1" latinLnBrk="0" hangingPunct="1">
+      <a:lvl8pPr marL="3200181" algn="l" defTabSz="914337" rtl="0" eaLnBrk="1" latinLnBrk="0" hangingPunct="1">
         <a:defRPr sz="1800" kern="1200">
           <a:solidFill>
             <a:schemeClr val="tx1"/>
@@ -3414,7 +3410,7 @@
           <a:cs typeface="+mn-cs"/>
         </a:defRPr>
       </a:lvl8pPr>
-      <a:lvl9pPr marL="3657600" algn="l" defTabSz="914400" rtl="0" eaLnBrk="1" latinLnBrk="0" hangingPunct="1">
+      <a:lvl9pPr marL="3657349" algn="l" defTabSz="914337" rtl="0" eaLnBrk="1" latinLnBrk="0" hangingPunct="1">
         <a:defRPr sz="1800" kern="1200">
           <a:solidFill>
             <a:schemeClr val="tx1"/>
@@ -3430,8 +3426,16 @@
 </file>
 
 <file path=ppt/slides/slide1.xml><?xml version="1.0" encoding="utf-8"?>
-<p:sld xmlns:a="http://schemas.openxmlformats.org/drawingml/2006/main" xmlns:r="http://schemas.openxmlformats.org/officeDocument/2006/relationships" xmlns:p="http://schemas.openxmlformats.org/presentationml/2006/main">
+<p:sld xmlns:a="http://schemas.openxmlformats.org/drawingml/2006/main" xmlns:r="http://schemas.openxmlformats.org/officeDocument/2006/relationships" xmlns:p="http://schemas.openxmlformats.org/presentationml/2006/main" showMasterSp="0">
   <p:cSld>
+    <p:bg>
+      <p:bgPr>
+        <a:solidFill>
+          <a:schemeClr val="bg1"/>
+        </a:solidFill>
+        <a:effectLst/>
+      </p:bgPr>
+    </p:bg>
     <p:spTree>
       <p:nvGrpSpPr>
         <p:cNvPr id="1" name=""/>
@@ -3454,8 +3458,8 @@
         </p:nvSpPr>
         <p:spPr>
           <a:xfrm>
-            <a:off x="1066800" y="914400"/>
-            <a:ext cx="7084740" cy="3733800"/>
+            <a:off x="2369061" y="1090263"/>
+            <a:ext cx="9200012" cy="3733799"/>
           </a:xfrm>
           <a:prstGeom prst="roundRect">
             <a:avLst>
@@ -3515,8 +3519,8 @@
         </p:nvSpPr>
         <p:spPr>
           <a:xfrm>
-            <a:off x="2095948" y="1253067"/>
-            <a:ext cx="1093635" cy="346760"/>
+            <a:off x="3824740" y="1424518"/>
+            <a:ext cx="1093636" cy="346760"/>
           </a:xfrm>
           <a:prstGeom prst="rect">
             <a:avLst/>
@@ -3574,7 +3578,7 @@
         </p:nvSpPr>
         <p:spPr>
           <a:xfrm flipH="1">
-            <a:off x="6878274" y="2740152"/>
+            <a:off x="8607062" y="2911603"/>
             <a:ext cx="970326" cy="346760"/>
           </a:xfrm>
           <a:prstGeom prst="rect">
@@ -3607,7 +3611,7 @@
           <a:p>
             <a:pPr algn="ctr"/>
             <a:r>
-              <a:rPr lang="en-US" sz="1050" b="1" dirty="0" err="1" smtClean="0">
+              <a:rPr lang="en-US" sz="1050" b="1" dirty="0" err="1">
                 <a:solidFill>
                   <a:srgbClr val="0070C0"/>
                 </a:solidFill>
@@ -3630,8 +3634,8 @@
         </p:nvSpPr>
         <p:spPr>
           <a:xfrm>
-            <a:off x="1782495" y="3583530"/>
-            <a:ext cx="1093635" cy="346760"/>
+            <a:off x="3511288" y="3600450"/>
+            <a:ext cx="1093636" cy="501294"/>
           </a:xfrm>
           <a:prstGeom prst="rect">
             <a:avLst/>
@@ -3685,14 +3689,13 @@
         <p:nvCxnSpPr>
           <p:cNvPr id="6" name="Elbow Connector 63"/>
           <p:cNvCxnSpPr>
-            <a:stCxn id="12" idx="3"/>
-            <a:endCxn id="3" idx="3"/>
+            <a:cxnSpLocks/>
           </p:cNvCxnSpPr>
           <p:nvPr/>
         </p:nvCxnSpPr>
         <p:spPr>
           <a:xfrm flipH="1" flipV="1">
-            <a:off x="3189583" y="1426447"/>
+            <a:off x="4935528" y="1597908"/>
             <a:ext cx="4559332" cy="2895973"/>
           </a:xfrm>
           <a:prstGeom prst="bentConnector3">
@@ -3735,8 +3738,8 @@
         </p:nvCxnSpPr>
         <p:spPr>
           <a:xfrm>
-            <a:off x="1676400" y="1423587"/>
-            <a:ext cx="419548" cy="2860"/>
+            <a:off x="3405193" y="1595044"/>
+            <a:ext cx="419547" cy="2859"/>
           </a:xfrm>
           <a:prstGeom prst="bentConnector3">
             <a:avLst>
@@ -3776,17 +3779,14 @@
         </p:nvSpPr>
         <p:spPr>
           <a:xfrm>
-            <a:off x="1103085" y="4777355"/>
-            <a:ext cx="7050315" cy="328045"/>
+            <a:off x="2369059" y="4946482"/>
+            <a:ext cx="9200012" cy="328046"/>
           </a:xfrm>
           <a:prstGeom prst="roundRect">
             <a:avLst/>
           </a:prstGeom>
           <a:solidFill>
-            <a:schemeClr val="accent4">
-              <a:lumMod val="20000"/>
-              <a:lumOff val="80000"/>
-            </a:schemeClr>
+            <a:srgbClr val="D1C6DC"/>
           </a:solidFill>
           <a:ln w="19050">
             <a:noFill/>
@@ -3815,14 +3815,14 @@
             <a:r>
               <a:rPr lang="en-US" sz="1100" b="1" dirty="0">
                 <a:solidFill>
-                  <a:schemeClr val="bg1"/>
+                  <a:srgbClr val="4B395D"/>
                 </a:solidFill>
               </a:rPr>
               <a:t>Model</a:t>
             </a:r>
             <a:endParaRPr lang="en-SG" sz="1100" b="1" dirty="0">
               <a:solidFill>
-                <a:schemeClr val="bg1"/>
+                <a:srgbClr val="4B395D"/>
               </a:solidFill>
             </a:endParaRPr>
           </a:p>
@@ -3836,7 +3836,7 @@
         </p:nvSpPr>
         <p:spPr>
           <a:xfrm>
-            <a:off x="6976872" y="4149040"/>
+            <a:off x="8705674" y="4320493"/>
             <a:ext cx="772043" cy="346760"/>
           </a:xfrm>
           <a:prstGeom prst="rect">
@@ -3907,7 +3907,7 @@
         </p:nvSpPr>
         <p:spPr>
           <a:xfrm>
-            <a:off x="3255418" y="3554995"/>
+            <a:off x="4984220" y="3726459"/>
             <a:ext cx="1045323" cy="384497"/>
           </a:xfrm>
           <a:prstGeom prst="rect">
@@ -3939,12 +3939,12 @@
           <a:p>
             <a:pPr algn="ctr"/>
             <a:r>
-              <a:rPr lang="en-US" sz="1050" dirty="0" err="1" smtClean="0">
+              <a:rPr lang="en-US" sz="1050" dirty="0" err="1">
                 <a:solidFill>
                   <a:schemeClr val="bg1"/>
                 </a:solidFill>
               </a:rPr>
-              <a:t>AddressBook</a:t>
+              <a:t>RecruitBook</a:t>
             </a:r>
             <a:endParaRPr lang="en-US" sz="1050" dirty="0">
               <a:solidFill>
@@ -3980,7 +3980,7 @@
         </p:nvCxnSpPr>
         <p:spPr>
           <a:xfrm>
-            <a:off x="7362894" y="4495800"/>
+            <a:off x="9091681" y="4667265"/>
             <a:ext cx="0" cy="281555"/>
           </a:xfrm>
           <a:prstGeom prst="straightConnector1">
@@ -4019,7 +4019,7 @@
         </p:nvSpPr>
         <p:spPr>
           <a:xfrm rot="16200000">
-            <a:off x="398120" y="2150720"/>
+            <a:off x="2126907" y="2322171"/>
             <a:ext cx="2209800" cy="346760"/>
           </a:xfrm>
           <a:prstGeom prst="rect">
@@ -4089,7 +4089,7 @@
         </p:nvSpPr>
         <p:spPr>
           <a:xfrm>
-            <a:off x="1359039" y="3429000"/>
+            <a:off x="3087827" y="3600464"/>
             <a:ext cx="270504" cy="175523"/>
           </a:xfrm>
           <a:prstGeom prst="triangle">
@@ -4139,6 +4139,7 @@
         <p:nvCxnSpPr>
           <p:cNvPr id="21" name="Elbow Connector 63"/>
           <p:cNvCxnSpPr>
+            <a:cxnSpLocks/>
             <a:stCxn id="5" idx="1"/>
             <a:endCxn id="20" idx="3"/>
           </p:cNvCxnSpPr>
@@ -4146,8 +4147,8 @@
         </p:nvCxnSpPr>
         <p:spPr>
           <a:xfrm rot="10800000">
-            <a:off x="1494291" y="3604524"/>
-            <a:ext cx="288204" cy="152387"/>
+            <a:off x="3223083" y="3775988"/>
+            <a:ext cx="288209" cy="75113"/>
           </a:xfrm>
           <a:prstGeom prst="bentConnector2">
             <a:avLst/>
@@ -4181,14 +4182,15 @@
         <p:nvCxnSpPr>
           <p:cNvPr id="23" name="Straight Arrow Connector 57"/>
           <p:cNvCxnSpPr>
+            <a:cxnSpLocks/>
             <a:stCxn id="5" idx="2"/>
           </p:cNvCxnSpPr>
           <p:nvPr/>
         </p:nvCxnSpPr>
         <p:spPr>
           <a:xfrm>
-            <a:off x="2329313" y="3930290"/>
-            <a:ext cx="1376" cy="854841"/>
+            <a:off x="4058106" y="4101744"/>
+            <a:ext cx="1372" cy="854848"/>
           </a:xfrm>
           <a:prstGeom prst="straightConnector1">
             <a:avLst/>
@@ -4225,8 +4227,8 @@
         </p:nvCxnSpPr>
         <p:spPr>
           <a:xfrm>
-            <a:off x="893311" y="2832505"/>
-            <a:ext cx="419548" cy="2860"/>
+            <a:off x="2622104" y="3003962"/>
+            <a:ext cx="419547" cy="2859"/>
           </a:xfrm>
           <a:prstGeom prst="bentConnector3">
             <a:avLst>
@@ -4270,7 +4272,7 @@
         </p:nvCxnSpPr>
         <p:spPr>
           <a:xfrm>
-            <a:off x="2281833" y="3939492"/>
+            <a:off x="4010633" y="4110946"/>
             <a:ext cx="4695039" cy="382928"/>
           </a:xfrm>
           <a:prstGeom prst="bentConnector3">
@@ -4311,8 +4313,8 @@
         </p:nvGrpSpPr>
         <p:grpSpPr>
           <a:xfrm>
-            <a:off x="4597400" y="4341168"/>
-            <a:ext cx="889000" cy="230832"/>
+            <a:off x="6326195" y="4502298"/>
+            <a:ext cx="883513" cy="230832"/>
             <a:chOff x="2895600" y="807932"/>
             <a:chExt cx="889000" cy="230832"/>
           </a:xfrm>
@@ -4411,7 +4413,7 @@
         </p:nvGrpSpPr>
         <p:grpSpPr>
           <a:xfrm>
-            <a:off x="4665110" y="1219200"/>
+            <a:off x="6393899" y="1390650"/>
             <a:ext cx="868568" cy="230832"/>
             <a:chOff x="2755838" y="789460"/>
             <a:chExt cx="868568" cy="230832"/>
@@ -4510,7 +4512,7 @@
         </p:nvSpPr>
         <p:spPr>
           <a:xfrm>
-            <a:off x="3048000" y="3733800"/>
+            <a:off x="4776790" y="3905251"/>
             <a:ext cx="131116" cy="230832"/>
           </a:xfrm>
           <a:prstGeom prst="rect">
@@ -4549,8 +4551,8 @@
         </p:nvCxnSpPr>
         <p:spPr>
           <a:xfrm rot="5400000" flipH="1" flipV="1">
-            <a:off x="1193276" y="2601868"/>
-            <a:ext cx="1969553" cy="2764"/>
+            <a:off x="2922070" y="2773325"/>
+            <a:ext cx="1969552" cy="2765"/>
           </a:xfrm>
           <a:prstGeom prst="bentConnector3">
             <a:avLst>
@@ -4590,8 +4592,8 @@
         </p:nvSpPr>
         <p:spPr>
           <a:xfrm>
-            <a:off x="3174214" y="1862795"/>
-            <a:ext cx="751107" cy="346760"/>
+            <a:off x="4903007" y="2034247"/>
+            <a:ext cx="751106" cy="346760"/>
           </a:xfrm>
           <a:prstGeom prst="rect">
             <a:avLst/>
@@ -4670,8 +4672,8 @@
         </p:nvSpPr>
         <p:spPr>
           <a:xfrm>
-            <a:off x="2238496" y="2454481"/>
-            <a:ext cx="726243" cy="174580"/>
+            <a:off x="3967295" y="2625933"/>
+            <a:ext cx="726243" cy="174582"/>
           </a:xfrm>
           <a:prstGeom prst="rect">
             <a:avLst/>
@@ -4735,7 +4737,7 @@
         </p:nvSpPr>
         <p:spPr>
           <a:xfrm>
-            <a:off x="3186326" y="2841725"/>
+            <a:off x="4915115" y="3013177"/>
             <a:ext cx="731636" cy="283820"/>
           </a:xfrm>
           <a:prstGeom prst="rect">
@@ -4800,7 +4802,7 @@
         </p:nvSpPr>
         <p:spPr>
           <a:xfrm>
-            <a:off x="3186326" y="3190882"/>
+            <a:off x="4915115" y="3362335"/>
             <a:ext cx="731636" cy="283820"/>
           </a:xfrm>
           <a:prstGeom prst="rect">
@@ -4869,7 +4871,7 @@
         </p:nvCxnSpPr>
         <p:spPr>
           <a:xfrm rot="10800000">
-            <a:off x="2601618" y="2629061"/>
+            <a:off x="4330406" y="2800512"/>
             <a:ext cx="584708" cy="354574"/>
           </a:xfrm>
           <a:prstGeom prst="bentConnector2">
@@ -4915,7 +4917,7 @@
         </p:nvCxnSpPr>
         <p:spPr>
           <a:xfrm rot="10800000" flipV="1">
-            <a:off x="2601618" y="2036175"/>
+            <a:off x="4330405" y="2207628"/>
             <a:ext cx="572596" cy="418306"/>
           </a:xfrm>
           <a:prstGeom prst="bentConnector2">
@@ -4957,8 +4959,8 @@
         </p:nvGrpSpPr>
         <p:grpSpPr>
           <a:xfrm rot="10800000">
-            <a:off x="4687086" y="3784757"/>
-            <a:ext cx="555486" cy="254462"/>
+            <a:off x="6415873" y="3956215"/>
+            <a:ext cx="555486" cy="254463"/>
             <a:chOff x="3703306" y="644022"/>
             <a:chExt cx="555486" cy="230832"/>
           </a:xfrm>
@@ -5062,7 +5064,7 @@
         </p:nvSpPr>
         <p:spPr>
           <a:xfrm flipV="1">
-            <a:off x="7227643" y="3980475"/>
+            <a:off x="8956432" y="4151940"/>
             <a:ext cx="270504" cy="175523"/>
           </a:xfrm>
           <a:prstGeom prst="triangle">
@@ -5119,8 +5121,8 @@
         </p:nvCxnSpPr>
         <p:spPr>
           <a:xfrm rot="5400000" flipH="1" flipV="1">
-            <a:off x="6916385" y="3533423"/>
-            <a:ext cx="893563" cy="542"/>
+            <a:off x="8645177" y="3704881"/>
+            <a:ext cx="893562" cy="543"/>
           </a:xfrm>
           <a:prstGeom prst="bentConnector3">
             <a:avLst>
@@ -5159,7 +5161,7 @@
         </p:nvCxnSpPr>
         <p:spPr>
           <a:xfrm flipV="1">
-            <a:off x="6066328" y="2913532"/>
+            <a:off x="7795115" y="3084997"/>
             <a:ext cx="811946" cy="659"/>
           </a:xfrm>
           <a:prstGeom prst="bentConnector3">
@@ -5202,8 +5204,8 @@
         </p:nvSpPr>
         <p:spPr>
           <a:xfrm>
-            <a:off x="3174214" y="2370131"/>
-            <a:ext cx="750156" cy="340758"/>
+            <a:off x="4903003" y="2541591"/>
+            <a:ext cx="750156" cy="340757"/>
           </a:xfrm>
           <a:prstGeom prst="rect">
             <a:avLst/>
@@ -5281,7 +5283,7 @@
         </p:nvCxnSpPr>
         <p:spPr>
           <a:xfrm rot="10800000" flipV="1">
-            <a:off x="2964740" y="2540509"/>
+            <a:off x="4693541" y="2711974"/>
             <a:ext cx="209475" cy="1261"/>
           </a:xfrm>
           <a:prstGeom prst="bentConnector3">
@@ -5329,8 +5331,8 @@
         </p:nvCxnSpPr>
         <p:spPr>
           <a:xfrm rot="5400000">
-            <a:off x="3469242" y="2289605"/>
-            <a:ext cx="160576" cy="476"/>
+            <a:off x="5198037" y="2461057"/>
+            <a:ext cx="160577" cy="476"/>
           </a:xfrm>
           <a:prstGeom prst="bentConnector3">
             <a:avLst>
@@ -5373,7 +5375,7 @@
         </p:nvSpPr>
         <p:spPr>
           <a:xfrm>
-            <a:off x="1295065" y="4183424"/>
+            <a:off x="3023853" y="4354876"/>
             <a:ext cx="805984" cy="346760"/>
           </a:xfrm>
           <a:prstGeom prst="rect">
@@ -5443,7 +5445,7 @@
         </p:nvCxnSpPr>
         <p:spPr>
           <a:xfrm>
-            <a:off x="1971157" y="3939492"/>
+            <a:off x="3699945" y="4110945"/>
             <a:ext cx="2022" cy="240622"/>
           </a:xfrm>
           <a:prstGeom prst="straightConnector1">
@@ -5481,7 +5483,7 @@
         </p:nvSpPr>
         <p:spPr>
           <a:xfrm>
-            <a:off x="1773980" y="4000395"/>
+            <a:off x="3502768" y="4171847"/>
             <a:ext cx="131116" cy="230832"/>
           </a:xfrm>
           <a:prstGeom prst="rect">
@@ -5526,7 +5528,7 @@
         </p:nvSpPr>
         <p:spPr>
           <a:xfrm flipH="1">
-            <a:off x="5067626" y="1981200"/>
+            <a:off x="6796415" y="2152651"/>
             <a:ext cx="998702" cy="346760"/>
           </a:xfrm>
           <a:prstGeom prst="rect">
@@ -5592,7 +5594,7 @@
         </p:nvSpPr>
         <p:spPr>
           <a:xfrm flipH="1">
-            <a:off x="5431725" y="2327960"/>
+            <a:off x="7160514" y="2499425"/>
             <a:ext cx="270504" cy="175523"/>
           </a:xfrm>
           <a:prstGeom prst="triangle">
@@ -5637,8 +5639,8 @@
         </p:nvGrpSpPr>
         <p:grpSpPr>
           <a:xfrm rot="5400000">
-            <a:off x="6371505" y="2788428"/>
-            <a:ext cx="222304" cy="598286"/>
+            <a:off x="8100295" y="2959887"/>
+            <a:ext cx="222304" cy="598285"/>
             <a:chOff x="3965759" y="592436"/>
             <a:chExt cx="254462" cy="503902"/>
           </a:xfrm>
@@ -5742,7 +5744,7 @@
         </p:nvCxnSpPr>
         <p:spPr>
           <a:xfrm>
-            <a:off x="2893971" y="3687139"/>
+            <a:off x="4622772" y="3858590"/>
             <a:ext cx="361447" cy="0"/>
           </a:xfrm>
           <a:prstGeom prst="line">
@@ -5781,8 +5783,8 @@
         </p:nvSpPr>
         <p:spPr>
           <a:xfrm flipH="1">
-            <a:off x="5074342" y="2740811"/>
-            <a:ext cx="991986" cy="346760"/>
+            <a:off x="6803140" y="2912263"/>
+            <a:ext cx="991985" cy="346760"/>
           </a:xfrm>
           <a:prstGeom prst="rect">
             <a:avLst/>
@@ -5815,7 +5817,7 @@
           <a:p>
             <a:pPr algn="ctr"/>
             <a:r>
-              <a:rPr lang="en-US" sz="1050" b="1" dirty="0" err="1" smtClean="0">
+              <a:rPr lang="en-US" sz="1050" b="1" dirty="0" err="1">
                 <a:solidFill>
                   <a:schemeClr val="bg1"/>
                 </a:solidFill>
@@ -5857,8 +5859,8 @@
         </p:nvCxnSpPr>
         <p:spPr>
           <a:xfrm rot="10800000">
-            <a:off x="3917734" y="2058661"/>
-            <a:ext cx="1156608" cy="855530"/>
+            <a:off x="5646521" y="2230120"/>
+            <a:ext cx="1156608" cy="855531"/>
           </a:xfrm>
           <a:prstGeom prst="bentConnector3">
             <a:avLst>
@@ -5904,8 +5906,8 @@
         </p:nvCxnSpPr>
         <p:spPr>
           <a:xfrm rot="10800000">
-            <a:off x="3921964" y="2540511"/>
-            <a:ext cx="1152379" cy="373681"/>
+            <a:off x="5650766" y="2711968"/>
+            <a:ext cx="1152379" cy="373682"/>
           </a:xfrm>
           <a:prstGeom prst="bentConnector3">
             <a:avLst>
@@ -5951,8 +5953,8 @@
         </p:nvCxnSpPr>
         <p:spPr>
           <a:xfrm rot="10800000" flipV="1">
-            <a:off x="3926192" y="2914191"/>
-            <a:ext cx="1148150" cy="108168"/>
+            <a:off x="5654988" y="3085641"/>
+            <a:ext cx="1148149" cy="108168"/>
           </a:xfrm>
           <a:prstGeom prst="bentConnector3">
             <a:avLst>
@@ -5992,13 +5994,12 @@
           <p:cNvPr id="104" name="Elbow Connector 12"/>
           <p:cNvCxnSpPr>
             <a:cxnSpLocks/>
-            <a:stCxn id="42" idx="3"/>
           </p:cNvCxnSpPr>
           <p:nvPr/>
         </p:nvCxnSpPr>
         <p:spPr>
           <a:xfrm rot="10800000" flipV="1">
-            <a:off x="3930422" y="2914191"/>
+            <a:off x="5659211" y="3067457"/>
             <a:ext cx="1143921" cy="439870"/>
           </a:xfrm>
           <a:prstGeom prst="bentConnector3">
@@ -6045,8 +6046,8 @@
         </p:nvCxnSpPr>
         <p:spPr>
           <a:xfrm flipV="1">
-            <a:off x="4300741" y="3087571"/>
-            <a:ext cx="1269594" cy="659673"/>
+            <a:off x="6029538" y="3259033"/>
+            <a:ext cx="1269593" cy="659673"/>
           </a:xfrm>
           <a:prstGeom prst="bentConnector2">
             <a:avLst/>
@@ -6088,7 +6089,7 @@
         </p:nvCxnSpPr>
         <p:spPr>
           <a:xfrm rot="16200000" flipH="1">
-            <a:off x="5451193" y="2621669"/>
+            <a:off x="7179983" y="2793120"/>
             <a:ext cx="234926" cy="3358"/>
           </a:xfrm>
           <a:prstGeom prst="bentConnector3">
@@ -6126,8 +6127,8 @@
         </p:nvSpPr>
         <p:spPr>
           <a:xfrm>
-            <a:off x="6263130" y="1981200"/>
-            <a:ext cx="1276614" cy="630473"/>
+            <a:off x="7991919" y="2002234"/>
+            <a:ext cx="1661670" cy="780896"/>
           </a:xfrm>
           <a:prstGeom prst="foldedCorner">
             <a:avLst/>
@@ -6164,8 +6165,16 @@
           <a:lstStyle/>
           <a:p>
             <a:pPr algn="ctr"/>
-            <a:r>
-              <a:rPr lang="en-US" sz="1050" dirty="0" err="1" smtClean="0">
+            <a:endParaRPr lang="en-US" sz="1050" dirty="0">
+              <a:solidFill>
+                <a:schemeClr val="bg1"/>
+              </a:solidFill>
+            </a:endParaRPr>
+          </a:p>
+          <a:p>
+            <a:pPr algn="ctr"/>
+            <a:r>
+              <a:rPr lang="en-US" sz="1050" dirty="0" err="1">
                 <a:solidFill>
                   <a:schemeClr val="bg1"/>
                 </a:solidFill>
@@ -6173,7 +6182,7 @@
               <a:t>XYZCommand</a:t>
             </a:r>
             <a:r>
-              <a:rPr lang="en-US" sz="1050" dirty="0" smtClean="0">
+              <a:rPr lang="en-US" sz="1050" dirty="0">
                 <a:solidFill>
                   <a:schemeClr val="bg1"/>
                 </a:solidFill>
@@ -6181,15 +6190,15 @@
               <a:t> = </a:t>
             </a:r>
             <a:r>
-              <a:rPr lang="en-US" sz="1050" dirty="0" err="1" smtClean="0">
+              <a:rPr lang="en-US" sz="1050" dirty="0" err="1">
                 <a:solidFill>
                   <a:schemeClr val="bg1"/>
                 </a:solidFill>
               </a:rPr>
-              <a:t>AddCommand</a:t>
-            </a:r>
-            <a:r>
-              <a:rPr lang="en-US" sz="1050" dirty="0" smtClean="0">
+              <a:t>AddCandidateCommand</a:t>
+            </a:r>
+            <a:r>
+              <a:rPr lang="en-US" sz="1050" dirty="0">
                 <a:solidFill>
                   <a:schemeClr val="bg1"/>
                 </a:solidFill>
@@ -6197,26 +6206,400 @@
               <a:t>, </a:t>
             </a:r>
             <a:r>
-              <a:rPr lang="en-US" sz="1050" dirty="0" err="1" smtClean="0">
+              <a:rPr lang="en-US" sz="1050" dirty="0" err="1">
                 <a:solidFill>
                   <a:schemeClr val="bg1"/>
                 </a:solidFill>
               </a:rPr>
-              <a:t>FindCommand</a:t>
-            </a:r>
-            <a:r>
-              <a:rPr lang="en-US" sz="1050" dirty="0" smtClean="0">
+              <a:t>FindCandidateCommand</a:t>
+            </a:r>
+            <a:r>
+              <a:rPr lang="en-US" sz="1050" dirty="0">
                 <a:solidFill>
                   <a:schemeClr val="bg1"/>
                 </a:solidFill>
               </a:rPr>
               <a:t>, etc.</a:t>
             </a:r>
-            <a:endParaRPr lang="en-US" sz="1050" dirty="0">
+          </a:p>
+        </p:txBody>
+      </p:sp>
+      <p:sp>
+        <p:nvSpPr>
+          <p:cNvPr id="10" name="Rectangle: Rounded Corners 9">
+            <a:extLst>
+              <a:ext uri="{FF2B5EF4-FFF2-40B4-BE49-F238E27FC236}">
+                <a16:creationId xmlns:a16="http://schemas.microsoft.com/office/drawing/2014/main" id="{85A80838-DDB5-4C9B-8CD0-78D92DB5E6AC}"/>
+              </a:ext>
+            </a:extLst>
+          </p:cNvPr>
+          <p:cNvSpPr/>
+          <p:nvPr/>
+        </p:nvSpPr>
+        <p:spPr>
+          <a:xfrm>
+            <a:off x="2360291" y="636415"/>
+            <a:ext cx="9208781" cy="355197"/>
+          </a:xfrm>
+          <a:prstGeom prst="roundRect">
+            <a:avLst/>
+          </a:prstGeom>
+          <a:solidFill>
+            <a:srgbClr val="9CD1E0"/>
+          </a:solidFill>
+          <a:ln>
+            <a:noFill/>
+          </a:ln>
+        </p:spPr>
+        <p:style>
+          <a:lnRef idx="2">
+            <a:schemeClr val="accent1">
+              <a:shade val="50000"/>
+            </a:schemeClr>
+          </a:lnRef>
+          <a:fillRef idx="1">
+            <a:schemeClr val="accent1"/>
+          </a:fillRef>
+          <a:effectRef idx="0">
+            <a:schemeClr val="accent1"/>
+          </a:effectRef>
+          <a:fontRef idx="minor">
+            <a:schemeClr val="lt1"/>
+          </a:fontRef>
+        </p:style>
+        <p:txBody>
+          <a:bodyPr rot="0" spcFirstLastPara="0" vertOverflow="overflow" horzOverflow="overflow" vert="horz" wrap="square" lIns="91440" tIns="45720" rIns="91440" bIns="45720" numCol="1" spcCol="0" rtlCol="0" fromWordArt="0" anchor="ctr" anchorCtr="0" forceAA="0" compatLnSpc="1">
+            <a:prstTxWarp prst="textNoShape">
+              <a:avLst/>
+            </a:prstTxWarp>
+            <a:noAutofit/>
+          </a:bodyPr>
+          <a:lstStyle/>
+          <a:p>
+            <a:pPr algn="ctr"/>
+            <a:r>
+              <a:rPr lang="en-SG" sz="1100" b="1" dirty="0" err="1">
+                <a:solidFill>
+                  <a:srgbClr val="266678"/>
+                </a:solidFill>
+              </a:rPr>
+              <a:t>EventsCenter</a:t>
+            </a:r>
+            <a:endParaRPr lang="en-SG" sz="1100" b="1" dirty="0">
               <a:solidFill>
-                <a:schemeClr val="bg1"/>
+                <a:srgbClr val="266678"/>
               </a:solidFill>
             </a:endParaRPr>
+          </a:p>
+        </p:txBody>
+      </p:sp>
+      <p:cxnSp>
+        <p:nvCxnSpPr>
+          <p:cNvPr id="61" name="Elbow Connector 63">
+            <a:extLst>
+              <a:ext uri="{FF2B5EF4-FFF2-40B4-BE49-F238E27FC236}">
+                <a16:creationId xmlns:a16="http://schemas.microsoft.com/office/drawing/2014/main" id="{4C6C2276-F079-4818-896C-1AEF72C66F50}"/>
+              </a:ext>
+            </a:extLst>
+          </p:cNvPr>
+          <p:cNvCxnSpPr>
+            <a:cxnSpLocks/>
+            <a:endCxn id="10" idx="3"/>
+          </p:cNvCxnSpPr>
+          <p:nvPr/>
+        </p:nvCxnSpPr>
+        <p:spPr>
+          <a:xfrm rot="5400000" flipH="1" flipV="1">
+            <a:off x="8812319" y="1737312"/>
+            <a:ext cx="3680050" cy="1833455"/>
+          </a:xfrm>
+          <a:prstGeom prst="bentConnector4">
+            <a:avLst>
+              <a:gd name="adj1" fmla="val -13"/>
+              <a:gd name="adj2" fmla="val 112468"/>
+            </a:avLst>
+          </a:prstGeom>
+          <a:ln w="19050">
+            <a:solidFill>
+              <a:srgbClr val="0070C0"/>
+            </a:solidFill>
+            <a:prstDash val="sysDot"/>
+            <a:headEnd type="none" w="med" len="med"/>
+            <a:tailEnd type="arrow" w="med" len="med"/>
+          </a:ln>
+          <a:effectLst/>
+        </p:spPr>
+        <p:style>
+          <a:lnRef idx="1">
+            <a:schemeClr val="accent2"/>
+          </a:lnRef>
+          <a:fillRef idx="2">
+            <a:schemeClr val="accent2"/>
+          </a:fillRef>
+          <a:effectRef idx="1">
+            <a:schemeClr val="accent2"/>
+          </a:effectRef>
+          <a:fontRef idx="minor">
+            <a:schemeClr val="dk1"/>
+          </a:fontRef>
+        </p:style>
+      </p:cxnSp>
+      <p:sp>
+        <p:nvSpPr>
+          <p:cNvPr id="71" name="TextBox 70">
+            <a:extLst>
+              <a:ext uri="{FF2B5EF4-FFF2-40B4-BE49-F238E27FC236}">
+                <a16:creationId xmlns:a16="http://schemas.microsoft.com/office/drawing/2014/main" id="{AA3F3A02-5313-4996-9EAD-A99A9B2B7637}"/>
+              </a:ext>
+            </a:extLst>
+          </p:cNvPr>
+          <p:cNvSpPr txBox="1"/>
+          <p:nvPr/>
+        </p:nvSpPr>
+        <p:spPr>
+          <a:xfrm>
+            <a:off x="9781992" y="4268840"/>
+            <a:ext cx="1852795" cy="225033"/>
+          </a:xfrm>
+          <a:prstGeom prst="rect">
+            <a:avLst/>
+          </a:prstGeom>
+          <a:noFill/>
+        </p:spPr>
+        <p:txBody>
+          <a:bodyPr wrap="square" lIns="0" tIns="0" rIns="0" bIns="0" rtlCol="0">
+            <a:noAutofit/>
+          </a:bodyPr>
+          <a:lstStyle/>
+          <a:p>
+            <a:r>
+              <a:rPr lang="en-US" sz="1100" dirty="0">
+                <a:solidFill>
+                  <a:srgbClr val="0070C0"/>
+                </a:solidFill>
+              </a:rPr>
+              <a:t>posts </a:t>
+            </a:r>
+            <a:r>
+              <a:rPr lang="en-US" sz="1100" dirty="0" err="1">
+                <a:solidFill>
+                  <a:srgbClr val="0070C0"/>
+                </a:solidFill>
+              </a:rPr>
+              <a:t>ChangeLogicStateEvent</a:t>
+            </a:r>
+            <a:r>
+              <a:rPr lang="en-US" sz="1100" dirty="0">
+                <a:solidFill>
+                  <a:srgbClr val="0070C0"/>
+                </a:solidFill>
+              </a:rPr>
+              <a:t> </a:t>
+            </a:r>
+            <a:endParaRPr lang="en-SG" sz="1100" dirty="0">
+              <a:solidFill>
+                <a:srgbClr val="0070C0"/>
+              </a:solidFill>
+            </a:endParaRPr>
+          </a:p>
+        </p:txBody>
+      </p:sp>
+      <p:cxnSp>
+        <p:nvCxnSpPr>
+          <p:cNvPr id="73" name="Elbow Connector 63">
+            <a:extLst>
+              <a:ext uri="{FF2B5EF4-FFF2-40B4-BE49-F238E27FC236}">
+                <a16:creationId xmlns:a16="http://schemas.microsoft.com/office/drawing/2014/main" id="{E4ADC079-B973-4AFA-B857-84D1EAED9617}"/>
+              </a:ext>
+            </a:extLst>
+          </p:cNvPr>
+          <p:cNvCxnSpPr>
+            <a:cxnSpLocks/>
+          </p:cNvCxnSpPr>
+          <p:nvPr/>
+        </p:nvCxnSpPr>
+        <p:spPr>
+          <a:xfrm rot="10800000" flipH="1" flipV="1">
+            <a:off x="2358170" y="752304"/>
+            <a:ext cx="1157236" cy="3297120"/>
+          </a:xfrm>
+          <a:prstGeom prst="bentConnector4">
+            <a:avLst>
+              <a:gd name="adj1" fmla="val -46410"/>
+              <a:gd name="adj2" fmla="val 100029"/>
+            </a:avLst>
+          </a:prstGeom>
+          <a:ln w="19050">
+            <a:solidFill>
+              <a:srgbClr val="266678"/>
+            </a:solidFill>
+            <a:prstDash val="sysDot"/>
+            <a:headEnd type="none" w="med" len="med"/>
+            <a:tailEnd type="arrow" w="med" len="med"/>
+          </a:ln>
+          <a:effectLst/>
+        </p:spPr>
+        <p:style>
+          <a:lnRef idx="1">
+            <a:schemeClr val="accent2"/>
+          </a:lnRef>
+          <a:fillRef idx="2">
+            <a:schemeClr val="accent2"/>
+          </a:fillRef>
+          <a:effectRef idx="1">
+            <a:schemeClr val="accent2"/>
+          </a:effectRef>
+          <a:fontRef idx="minor">
+            <a:schemeClr val="dk1"/>
+          </a:fontRef>
+        </p:style>
+      </p:cxnSp>
+      <p:sp>
+        <p:nvSpPr>
+          <p:cNvPr id="105" name="TextBox 104">
+            <a:extLst>
+              <a:ext uri="{FF2B5EF4-FFF2-40B4-BE49-F238E27FC236}">
+                <a16:creationId xmlns:a16="http://schemas.microsoft.com/office/drawing/2014/main" id="{E9BD522C-0531-4B99-89C8-F0855FBA18F7}"/>
+              </a:ext>
+            </a:extLst>
+          </p:cNvPr>
+          <p:cNvSpPr txBox="1"/>
+          <p:nvPr/>
+        </p:nvSpPr>
+        <p:spPr>
+          <a:xfrm>
+            <a:off x="1567357" y="4057650"/>
+            <a:ext cx="1624304" cy="230832"/>
+          </a:xfrm>
+          <a:prstGeom prst="rect">
+            <a:avLst/>
+          </a:prstGeom>
+          <a:noFill/>
+        </p:spPr>
+        <p:txBody>
+          <a:bodyPr wrap="square" lIns="0" tIns="0" rIns="0" bIns="0" rtlCol="0">
+            <a:noAutofit/>
+          </a:bodyPr>
+          <a:lstStyle/>
+          <a:p>
+            <a:pPr algn="r"/>
+            <a:r>
+              <a:rPr lang="en-US" sz="1100" dirty="0" err="1">
+                <a:solidFill>
+                  <a:srgbClr val="266678"/>
+                </a:solidFill>
+              </a:rPr>
+              <a:t>ChangeLogicStateEvent</a:t>
+            </a:r>
+            <a:endParaRPr lang="en-SG" sz="1100" dirty="0">
+              <a:solidFill>
+                <a:srgbClr val="266678"/>
+              </a:solidFill>
+            </a:endParaRPr>
+          </a:p>
+        </p:txBody>
+      </p:sp>
+      <p:sp>
+        <p:nvSpPr>
+          <p:cNvPr id="111" name="Isosceles Triangle 110">
+            <a:extLst>
+              <a:ext uri="{FF2B5EF4-FFF2-40B4-BE49-F238E27FC236}">
+                <a16:creationId xmlns:a16="http://schemas.microsoft.com/office/drawing/2014/main" id="{2B6F7F2A-FD41-406A-9755-2FE1A2BABFC5}"/>
+              </a:ext>
+            </a:extLst>
+          </p:cNvPr>
+          <p:cNvSpPr/>
+          <p:nvPr/>
+        </p:nvSpPr>
+        <p:spPr>
+          <a:xfrm rot="5400000">
+            <a:off x="3228148" y="4109211"/>
+            <a:ext cx="125951" cy="75731"/>
+          </a:xfrm>
+          <a:prstGeom prst="triangle">
+            <a:avLst/>
+          </a:prstGeom>
+          <a:solidFill>
+            <a:srgbClr val="266678"/>
+          </a:solidFill>
+          <a:ln>
+            <a:noFill/>
+          </a:ln>
+        </p:spPr>
+        <p:style>
+          <a:lnRef idx="2">
+            <a:schemeClr val="accent1">
+              <a:shade val="50000"/>
+            </a:schemeClr>
+          </a:lnRef>
+          <a:fillRef idx="1">
+            <a:schemeClr val="accent1"/>
+          </a:fillRef>
+          <a:effectRef idx="0">
+            <a:schemeClr val="accent1"/>
+          </a:effectRef>
+          <a:fontRef idx="minor">
+            <a:schemeClr val="lt1"/>
+          </a:fontRef>
+        </p:style>
+        <p:txBody>
+          <a:bodyPr rtlCol="0" anchor="ctr"/>
+          <a:lstStyle/>
+          <a:p>
+            <a:pPr algn="ctr"/>
+            <a:endParaRPr lang="en-SG"/>
+          </a:p>
+        </p:txBody>
+      </p:sp>
+      <p:sp>
+        <p:nvSpPr>
+          <p:cNvPr id="113" name="Isosceles Triangle 112">
+            <a:extLst>
+              <a:ext uri="{FF2B5EF4-FFF2-40B4-BE49-F238E27FC236}">
+                <a16:creationId xmlns:a16="http://schemas.microsoft.com/office/drawing/2014/main" id="{927D77C3-F1F0-4096-ABDF-FB032F0FFF0F}"/>
+              </a:ext>
+            </a:extLst>
+          </p:cNvPr>
+          <p:cNvSpPr/>
+          <p:nvPr/>
+        </p:nvSpPr>
+        <p:spPr>
+          <a:xfrm rot="5400000">
+            <a:off x="11452269" y="4315607"/>
+            <a:ext cx="125951" cy="86685"/>
+          </a:xfrm>
+          <a:prstGeom prst="triangle">
+            <a:avLst/>
+          </a:prstGeom>
+          <a:solidFill>
+            <a:srgbClr val="0070C0"/>
+          </a:solidFill>
+          <a:ln>
+            <a:noFill/>
+          </a:ln>
+        </p:spPr>
+        <p:style>
+          <a:lnRef idx="2">
+            <a:schemeClr val="accent1">
+              <a:shade val="50000"/>
+            </a:schemeClr>
+          </a:lnRef>
+          <a:fillRef idx="1">
+            <a:schemeClr val="accent1"/>
+          </a:fillRef>
+          <a:effectRef idx="0">
+            <a:schemeClr val="accent1"/>
+          </a:effectRef>
+          <a:fontRef idx="minor">
+            <a:schemeClr val="lt1"/>
+          </a:fontRef>
+        </p:style>
+        <p:txBody>
+          <a:bodyPr rtlCol="0" anchor="ctr"/>
+          <a:lstStyle/>
+          <a:p>
+            <a:pPr algn="ctr"/>
+            <a:endParaRPr lang="en-SG"/>
           </a:p>
         </p:txBody>
       </p:sp>

--- a/docs/diagrams/LogicComponentClassDiagram.pptx
+++ b/docs/diagrams/LogicComponentClassDiagram.pptx
@@ -3458,8 +3458,8 @@
         </p:nvSpPr>
         <p:spPr>
           <a:xfrm>
-            <a:off x="2369061" y="1090263"/>
-            <a:ext cx="9200012" cy="3733799"/>
+            <a:off x="2369059" y="1076211"/>
+            <a:ext cx="9265728" cy="3733799"/>
           </a:xfrm>
           <a:prstGeom prst="roundRect">
             <a:avLst>
@@ -6565,7 +6565,7 @@
         </p:nvSpPr>
         <p:spPr>
           <a:xfrm rot="5400000">
-            <a:off x="11452269" y="4315607"/>
+            <a:off x="11528469" y="4315607"/>
             <a:ext cx="125951" cy="86685"/>
           </a:xfrm>
           <a:prstGeom prst="triangle">
@@ -6599,7 +6599,7 @@
           <a:lstStyle/>
           <a:p>
             <a:pPr algn="ctr"/>
-            <a:endParaRPr lang="en-SG"/>
+            <a:endParaRPr lang="en-SG" dirty="0"/>
           </a:p>
         </p:txBody>
       </p:sp>
